--- a/images/00_post_prep/ppt_240405.pptx
+++ b/images/00_post_prep/ppt_240405.pptx
@@ -2,18 +2,19 @@
 <file path=ppt/presentation.xml><?xml version="1.0" encoding="utf-8"?>
 <p:presentation xmlns:a="http://schemas.openxmlformats.org/drawingml/2006/main" xmlns:r="http://schemas.openxmlformats.org/officeDocument/2006/relationships" xmlns:p="http://schemas.openxmlformats.org/presentationml/2006/main" saveSubsetFonts="1">
   <p:sldMasterIdLst>
-    <p:sldMasterId id="2147483648" r:id="rId1"/>
+    <p:sldMasterId id="2147483660" r:id="rId1"/>
   </p:sldMasterIdLst>
   <p:sldIdLst>
-    <p:sldId id="292" r:id="rId2"/>
+    <p:sldId id="293" r:id="rId2"/>
+    <p:sldId id="292" r:id="rId3"/>
   </p:sldIdLst>
-  <p:sldSz cx="12192000" cy="6858000"/>
+  <p:sldSz cx="18000663" cy="18000663"/>
   <p:notesSz cx="6858000" cy="9144000"/>
   <p:defaultTextStyle>
     <a:defPPr>
-      <a:defRPr lang="ko-KR"/>
+      <a:defRPr lang="en-US"/>
     </a:defPPr>
-    <a:lvl1pPr marL="0" algn="l" defTabSz="914400" rtl="0" eaLnBrk="1" latinLnBrk="1" hangingPunct="1">
+    <a:lvl1pPr marL="0" algn="l" defTabSz="457200" rtl="0" eaLnBrk="1" latinLnBrk="0" hangingPunct="1">
       <a:defRPr sz="1800" kern="1200">
         <a:solidFill>
           <a:schemeClr val="tx1"/>
@@ -23,7 +24,7 @@
         <a:cs typeface="+mn-cs"/>
       </a:defRPr>
     </a:lvl1pPr>
-    <a:lvl2pPr marL="457200" algn="l" defTabSz="914400" rtl="0" eaLnBrk="1" latinLnBrk="1" hangingPunct="1">
+    <a:lvl2pPr marL="457200" algn="l" defTabSz="457200" rtl="0" eaLnBrk="1" latinLnBrk="0" hangingPunct="1">
       <a:defRPr sz="1800" kern="1200">
         <a:solidFill>
           <a:schemeClr val="tx1"/>
@@ -33,7 +34,7 @@
         <a:cs typeface="+mn-cs"/>
       </a:defRPr>
     </a:lvl2pPr>
-    <a:lvl3pPr marL="914400" algn="l" defTabSz="914400" rtl="0" eaLnBrk="1" latinLnBrk="1" hangingPunct="1">
+    <a:lvl3pPr marL="914400" algn="l" defTabSz="457200" rtl="0" eaLnBrk="1" latinLnBrk="0" hangingPunct="1">
       <a:defRPr sz="1800" kern="1200">
         <a:solidFill>
           <a:schemeClr val="tx1"/>
@@ -43,7 +44,7 @@
         <a:cs typeface="+mn-cs"/>
       </a:defRPr>
     </a:lvl3pPr>
-    <a:lvl4pPr marL="1371600" algn="l" defTabSz="914400" rtl="0" eaLnBrk="1" latinLnBrk="1" hangingPunct="1">
+    <a:lvl4pPr marL="1371600" algn="l" defTabSz="457200" rtl="0" eaLnBrk="1" latinLnBrk="0" hangingPunct="1">
       <a:defRPr sz="1800" kern="1200">
         <a:solidFill>
           <a:schemeClr val="tx1"/>
@@ -53,7 +54,7 @@
         <a:cs typeface="+mn-cs"/>
       </a:defRPr>
     </a:lvl4pPr>
-    <a:lvl5pPr marL="1828800" algn="l" defTabSz="914400" rtl="0" eaLnBrk="1" latinLnBrk="1" hangingPunct="1">
+    <a:lvl5pPr marL="1828800" algn="l" defTabSz="457200" rtl="0" eaLnBrk="1" latinLnBrk="0" hangingPunct="1">
       <a:defRPr sz="1800" kern="1200">
         <a:solidFill>
           <a:schemeClr val="tx1"/>
@@ -63,7 +64,7 @@
         <a:cs typeface="+mn-cs"/>
       </a:defRPr>
     </a:lvl5pPr>
-    <a:lvl6pPr marL="2286000" algn="l" defTabSz="914400" rtl="0" eaLnBrk="1" latinLnBrk="1" hangingPunct="1">
+    <a:lvl6pPr marL="2286000" algn="l" defTabSz="457200" rtl="0" eaLnBrk="1" latinLnBrk="0" hangingPunct="1">
       <a:defRPr sz="1800" kern="1200">
         <a:solidFill>
           <a:schemeClr val="tx1"/>
@@ -73,7 +74,7 @@
         <a:cs typeface="+mn-cs"/>
       </a:defRPr>
     </a:lvl6pPr>
-    <a:lvl7pPr marL="2743200" algn="l" defTabSz="914400" rtl="0" eaLnBrk="1" latinLnBrk="1" hangingPunct="1">
+    <a:lvl7pPr marL="2743200" algn="l" defTabSz="457200" rtl="0" eaLnBrk="1" latinLnBrk="0" hangingPunct="1">
       <a:defRPr sz="1800" kern="1200">
         <a:solidFill>
           <a:schemeClr val="tx1"/>
@@ -83,7 +84,7 @@
         <a:cs typeface="+mn-cs"/>
       </a:defRPr>
     </a:lvl7pPr>
-    <a:lvl8pPr marL="3200400" algn="l" defTabSz="914400" rtl="0" eaLnBrk="1" latinLnBrk="1" hangingPunct="1">
+    <a:lvl8pPr marL="3200400" algn="l" defTabSz="457200" rtl="0" eaLnBrk="1" latinLnBrk="0" hangingPunct="1">
       <a:defRPr sz="1800" kern="1200">
         <a:solidFill>
           <a:schemeClr val="tx1"/>
@@ -93,7 +94,7 @@
         <a:cs typeface="+mn-cs"/>
       </a:defRPr>
     </a:lvl8pPr>
-    <a:lvl9pPr marL="3657600" algn="l" defTabSz="914400" rtl="0" eaLnBrk="1" latinLnBrk="1" hangingPunct="1">
+    <a:lvl9pPr marL="3657600" algn="l" defTabSz="457200" rtl="0" eaLnBrk="1" latinLnBrk="0" hangingPunct="1">
       <a:defRPr sz="1800" kern="1200">
         <a:solidFill>
           <a:schemeClr val="tx1"/>
@@ -131,13 +132,7 @@
       </p:grpSpPr>
       <p:sp>
         <p:nvSpPr>
-          <p:cNvPr id="2" name="Title 1">
-            <a:extLst>
-              <a:ext uri="{FF2B5EF4-FFF2-40B4-BE49-F238E27FC236}">
-                <a16:creationId xmlns:a16="http://schemas.microsoft.com/office/drawing/2014/main" id="{2A1E882F-E68B-FC55-F3F2-FD0B8B81BF7C}"/>
-              </a:ext>
-            </a:extLst>
-          </p:cNvPr>
+          <p:cNvPr id="2" name="Title 1"/>
           <p:cNvSpPr>
             <a:spLocks noGrp="1"/>
           </p:cNvSpPr>
@@ -147,15 +142,15 @@
         </p:nvSpPr>
         <p:spPr>
           <a:xfrm>
-            <a:off x="1524000" y="1122363"/>
-            <a:ext cx="9144000" cy="2387600"/>
+            <a:off x="1350050" y="2945943"/>
+            <a:ext cx="15300564" cy="6266897"/>
           </a:xfrm>
         </p:spPr>
         <p:txBody>
           <a:bodyPr anchor="b"/>
           <a:lstStyle>
             <a:lvl1pPr algn="ctr">
-              <a:defRPr sz="6000"/>
+              <a:defRPr sz="11812"/>
             </a:lvl1pPr>
           </a:lstStyle>
           <a:p>
@@ -163,19 +158,13 @@
               <a:rPr lang="en-US" altLang="ko-KR"/>
               <a:t>Click to edit Master title style</a:t>
             </a:r>
-            <a:endParaRPr lang="ko-KR" altLang="en-US"/>
-          </a:p>
-        </p:txBody>
-      </p:sp>
-      <p:sp>
-        <p:nvSpPr>
-          <p:cNvPr id="3" name="Subtitle 2">
-            <a:extLst>
-              <a:ext uri="{FF2B5EF4-FFF2-40B4-BE49-F238E27FC236}">
-                <a16:creationId xmlns:a16="http://schemas.microsoft.com/office/drawing/2014/main" id="{72F3D383-FA5B-0472-56EE-EDDE298CE038}"/>
-              </a:ext>
-            </a:extLst>
-          </p:cNvPr>
+            <a:endParaRPr lang="en-US" dirty="0"/>
+          </a:p>
+        </p:txBody>
+      </p:sp>
+      <p:sp>
+        <p:nvSpPr>
+          <p:cNvPr id="3" name="Subtitle 2"/>
           <p:cNvSpPr>
             <a:spLocks noGrp="1"/>
           </p:cNvSpPr>
@@ -185,8 +174,8 @@
         </p:nvSpPr>
         <p:spPr>
           <a:xfrm>
-            <a:off x="1524000" y="3602038"/>
-            <a:ext cx="9144000" cy="1655762"/>
+            <a:off x="2250083" y="9454516"/>
+            <a:ext cx="13500497" cy="4345992"/>
           </a:xfrm>
         </p:spPr>
         <p:txBody>
@@ -194,39 +183,39 @@
           <a:lstStyle>
             <a:lvl1pPr marL="0" indent="0" algn="ctr">
               <a:buNone/>
-              <a:defRPr sz="2400"/>
+              <a:defRPr sz="4725"/>
             </a:lvl1pPr>
-            <a:lvl2pPr marL="457200" indent="0" algn="ctr">
-              <a:buNone/>
-              <a:defRPr sz="2000"/>
+            <a:lvl2pPr marL="900044" indent="0" algn="ctr">
+              <a:buNone/>
+              <a:defRPr sz="3937"/>
             </a:lvl2pPr>
-            <a:lvl3pPr marL="914400" indent="0" algn="ctr">
-              <a:buNone/>
-              <a:defRPr sz="1800"/>
+            <a:lvl3pPr marL="1800088" indent="0" algn="ctr">
+              <a:buNone/>
+              <a:defRPr sz="3543"/>
             </a:lvl3pPr>
-            <a:lvl4pPr marL="1371600" indent="0" algn="ctr">
-              <a:buNone/>
-              <a:defRPr sz="1600"/>
+            <a:lvl4pPr marL="2700132" indent="0" algn="ctr">
+              <a:buNone/>
+              <a:defRPr sz="3150"/>
             </a:lvl4pPr>
-            <a:lvl5pPr marL="1828800" indent="0" algn="ctr">
-              <a:buNone/>
-              <a:defRPr sz="1600"/>
+            <a:lvl5pPr marL="3600176" indent="0" algn="ctr">
+              <a:buNone/>
+              <a:defRPr sz="3150"/>
             </a:lvl5pPr>
-            <a:lvl6pPr marL="2286000" indent="0" algn="ctr">
-              <a:buNone/>
-              <a:defRPr sz="1600"/>
+            <a:lvl6pPr marL="4500220" indent="0" algn="ctr">
+              <a:buNone/>
+              <a:defRPr sz="3150"/>
             </a:lvl6pPr>
-            <a:lvl7pPr marL="2743200" indent="0" algn="ctr">
-              <a:buNone/>
-              <a:defRPr sz="1600"/>
+            <a:lvl7pPr marL="5400264" indent="0" algn="ctr">
+              <a:buNone/>
+              <a:defRPr sz="3150"/>
             </a:lvl7pPr>
-            <a:lvl8pPr marL="3200400" indent="0" algn="ctr">
-              <a:buNone/>
-              <a:defRPr sz="1600"/>
+            <a:lvl8pPr marL="6300307" indent="0" algn="ctr">
+              <a:buNone/>
+              <a:defRPr sz="3150"/>
             </a:lvl8pPr>
-            <a:lvl9pPr marL="3657600" indent="0" algn="ctr">
-              <a:buNone/>
-              <a:defRPr sz="1600"/>
+            <a:lvl9pPr marL="7200351" indent="0" algn="ctr">
+              <a:buNone/>
+              <a:defRPr sz="3150"/>
             </a:lvl9pPr>
           </a:lstStyle>
           <a:p>
@@ -234,19 +223,13 @@
               <a:rPr lang="en-US" altLang="ko-KR"/>
               <a:t>Click to edit Master subtitle style</a:t>
             </a:r>
-            <a:endParaRPr lang="ko-KR" altLang="en-US"/>
-          </a:p>
-        </p:txBody>
-      </p:sp>
-      <p:sp>
-        <p:nvSpPr>
-          <p:cNvPr id="4" name="Date Placeholder 3">
-            <a:extLst>
-              <a:ext uri="{FF2B5EF4-FFF2-40B4-BE49-F238E27FC236}">
-                <a16:creationId xmlns:a16="http://schemas.microsoft.com/office/drawing/2014/main" id="{BB2E465E-74A9-7418-61D2-FCA28912102A}"/>
-              </a:ext>
-            </a:extLst>
-          </p:cNvPr>
+            <a:endParaRPr lang="en-US" dirty="0"/>
+          </a:p>
+        </p:txBody>
+      </p:sp>
+      <p:sp>
+        <p:nvSpPr>
+          <p:cNvPr id="4" name="Date Placeholder 3"/>
           <p:cNvSpPr>
             <a:spLocks noGrp="1"/>
           </p:cNvSpPr>
@@ -261,7 +244,7 @@
           <a:p>
             <a:fld id="{FCFD76E8-DBDF-4EEF-BF39-62FDC92C57F2}" type="datetimeFigureOut">
               <a:rPr lang="ko-KR" altLang="en-US" smtClean="0"/>
-              <a:t>2024-04-05</a:t>
+              <a:t>2024-04-06</a:t>
             </a:fld>
             <a:endParaRPr lang="ko-KR" altLang="en-US"/>
           </a:p>
@@ -269,13 +252,7 @@
       </p:sp>
       <p:sp>
         <p:nvSpPr>
-          <p:cNvPr id="5" name="Footer Placeholder 4">
-            <a:extLst>
-              <a:ext uri="{FF2B5EF4-FFF2-40B4-BE49-F238E27FC236}">
-                <a16:creationId xmlns:a16="http://schemas.microsoft.com/office/drawing/2014/main" id="{6C565F84-77E5-7913-0803-C750C1721DD7}"/>
-              </a:ext>
-            </a:extLst>
-          </p:cNvPr>
+          <p:cNvPr id="5" name="Footer Placeholder 4"/>
           <p:cNvSpPr>
             <a:spLocks noGrp="1"/>
           </p:cNvSpPr>
@@ -294,13 +271,7 @@
       </p:sp>
       <p:sp>
         <p:nvSpPr>
-          <p:cNvPr id="6" name="Slide Number Placeholder 5">
-            <a:extLst>
-              <a:ext uri="{FF2B5EF4-FFF2-40B4-BE49-F238E27FC236}">
-                <a16:creationId xmlns:a16="http://schemas.microsoft.com/office/drawing/2014/main" id="{B7FA420B-FAD1-A453-9449-CCEDEA2F20C9}"/>
-              </a:ext>
-            </a:extLst>
-          </p:cNvPr>
+          <p:cNvPr id="6" name="Slide Number Placeholder 5"/>
           <p:cNvSpPr>
             <a:spLocks noGrp="1"/>
           </p:cNvSpPr>
@@ -324,7 +295,7 @@
     </p:spTree>
     <p:extLst>
       <p:ext uri="{BB962C8B-B14F-4D97-AF65-F5344CB8AC3E}">
-        <p14:creationId xmlns:p14="http://schemas.microsoft.com/office/powerpoint/2010/main" val="2692342924"/>
+        <p14:creationId xmlns:p14="http://schemas.microsoft.com/office/powerpoint/2010/main" val="1008585492"/>
       </p:ext>
     </p:extLst>
   </p:cSld>
@@ -353,13 +324,7 @@
       </p:grpSpPr>
       <p:sp>
         <p:nvSpPr>
-          <p:cNvPr id="2" name="Title 1">
-            <a:extLst>
-              <a:ext uri="{FF2B5EF4-FFF2-40B4-BE49-F238E27FC236}">
-                <a16:creationId xmlns:a16="http://schemas.microsoft.com/office/drawing/2014/main" id="{923D54B2-221A-84BD-B7A3-AF1CA5A8F753}"/>
-              </a:ext>
-            </a:extLst>
-          </p:cNvPr>
+          <p:cNvPr id="2" name="Title 1"/>
           <p:cNvSpPr>
             <a:spLocks noGrp="1"/>
           </p:cNvSpPr>
@@ -376,19 +341,13 @@
               <a:rPr lang="en-US" altLang="ko-KR"/>
               <a:t>Click to edit Master title style</a:t>
             </a:r>
-            <a:endParaRPr lang="ko-KR" altLang="en-US"/>
-          </a:p>
-        </p:txBody>
-      </p:sp>
-      <p:sp>
-        <p:nvSpPr>
-          <p:cNvPr id="3" name="Vertical Text Placeholder 2">
-            <a:extLst>
-              <a:ext uri="{FF2B5EF4-FFF2-40B4-BE49-F238E27FC236}">
-                <a16:creationId xmlns:a16="http://schemas.microsoft.com/office/drawing/2014/main" id="{461EB9C4-9602-C58D-A0AD-557DEF55FF2C}"/>
-              </a:ext>
-            </a:extLst>
-          </p:cNvPr>
+            <a:endParaRPr lang="en-US" dirty="0"/>
+          </a:p>
+        </p:txBody>
+      </p:sp>
+      <p:sp>
+        <p:nvSpPr>
+          <p:cNvPr id="3" name="Vertical Text Placeholder 2"/>
           <p:cNvSpPr>
             <a:spLocks noGrp="1"/>
           </p:cNvSpPr>
@@ -434,19 +393,13 @@
               <a:rPr lang="en-US" altLang="ko-KR"/>
               <a:t>Fifth level</a:t>
             </a:r>
-            <a:endParaRPr lang="ko-KR" altLang="en-US"/>
-          </a:p>
-        </p:txBody>
-      </p:sp>
-      <p:sp>
-        <p:nvSpPr>
-          <p:cNvPr id="4" name="Date Placeholder 3">
-            <a:extLst>
-              <a:ext uri="{FF2B5EF4-FFF2-40B4-BE49-F238E27FC236}">
-                <a16:creationId xmlns:a16="http://schemas.microsoft.com/office/drawing/2014/main" id="{A87F97CB-F077-576A-B10F-B7B18B27407B}"/>
-              </a:ext>
-            </a:extLst>
-          </p:cNvPr>
+            <a:endParaRPr lang="en-US" dirty="0"/>
+          </a:p>
+        </p:txBody>
+      </p:sp>
+      <p:sp>
+        <p:nvSpPr>
+          <p:cNvPr id="4" name="Date Placeholder 3"/>
           <p:cNvSpPr>
             <a:spLocks noGrp="1"/>
           </p:cNvSpPr>
@@ -461,7 +414,7 @@
           <a:p>
             <a:fld id="{FCFD76E8-DBDF-4EEF-BF39-62FDC92C57F2}" type="datetimeFigureOut">
               <a:rPr lang="ko-KR" altLang="en-US" smtClean="0"/>
-              <a:t>2024-04-05</a:t>
+              <a:t>2024-04-06</a:t>
             </a:fld>
             <a:endParaRPr lang="ko-KR" altLang="en-US"/>
           </a:p>
@@ -469,13 +422,7 @@
       </p:sp>
       <p:sp>
         <p:nvSpPr>
-          <p:cNvPr id="5" name="Footer Placeholder 4">
-            <a:extLst>
-              <a:ext uri="{FF2B5EF4-FFF2-40B4-BE49-F238E27FC236}">
-                <a16:creationId xmlns:a16="http://schemas.microsoft.com/office/drawing/2014/main" id="{4780866F-74E2-3DE4-ADC6-31584F7AA76D}"/>
-              </a:ext>
-            </a:extLst>
-          </p:cNvPr>
+          <p:cNvPr id="5" name="Footer Placeholder 4"/>
           <p:cNvSpPr>
             <a:spLocks noGrp="1"/>
           </p:cNvSpPr>
@@ -494,13 +441,7 @@
       </p:sp>
       <p:sp>
         <p:nvSpPr>
-          <p:cNvPr id="6" name="Slide Number Placeholder 5">
-            <a:extLst>
-              <a:ext uri="{FF2B5EF4-FFF2-40B4-BE49-F238E27FC236}">
-                <a16:creationId xmlns:a16="http://schemas.microsoft.com/office/drawing/2014/main" id="{0AA4DEEF-F590-06E4-ACEA-40DD9FE2209E}"/>
-              </a:ext>
-            </a:extLst>
-          </p:cNvPr>
+          <p:cNvPr id="6" name="Slide Number Placeholder 5"/>
           <p:cNvSpPr>
             <a:spLocks noGrp="1"/>
           </p:cNvSpPr>
@@ -524,7 +465,7 @@
     </p:spTree>
     <p:extLst>
       <p:ext uri="{BB962C8B-B14F-4D97-AF65-F5344CB8AC3E}">
-        <p14:creationId xmlns:p14="http://schemas.microsoft.com/office/powerpoint/2010/main" val="2022229028"/>
+        <p14:creationId xmlns:p14="http://schemas.microsoft.com/office/powerpoint/2010/main" val="412535851"/>
       </p:ext>
     </p:extLst>
   </p:cSld>
@@ -553,13 +494,7 @@
       </p:grpSpPr>
       <p:sp>
         <p:nvSpPr>
-          <p:cNvPr id="2" name="Vertical Title 1">
-            <a:extLst>
-              <a:ext uri="{FF2B5EF4-FFF2-40B4-BE49-F238E27FC236}">
-                <a16:creationId xmlns:a16="http://schemas.microsoft.com/office/drawing/2014/main" id="{130CD3F8-AB4D-78DD-CE0C-B33ACC7C19FF}"/>
-              </a:ext>
-            </a:extLst>
-          </p:cNvPr>
+          <p:cNvPr id="2" name="Vertical Title 1"/>
           <p:cNvSpPr>
             <a:spLocks noGrp="1"/>
           </p:cNvSpPr>
@@ -569,8 +504,8 @@
         </p:nvSpPr>
         <p:spPr>
           <a:xfrm>
-            <a:off x="8724900" y="365125"/>
-            <a:ext cx="2628900" cy="5811838"/>
+            <a:off x="12881725" y="958369"/>
+            <a:ext cx="3881393" cy="15254730"/>
           </a:xfrm>
         </p:spPr>
         <p:txBody>
@@ -581,19 +516,13 @@
               <a:rPr lang="en-US" altLang="ko-KR"/>
               <a:t>Click to edit Master title style</a:t>
             </a:r>
-            <a:endParaRPr lang="ko-KR" altLang="en-US"/>
-          </a:p>
-        </p:txBody>
-      </p:sp>
-      <p:sp>
-        <p:nvSpPr>
-          <p:cNvPr id="3" name="Vertical Text Placeholder 2">
-            <a:extLst>
-              <a:ext uri="{FF2B5EF4-FFF2-40B4-BE49-F238E27FC236}">
-                <a16:creationId xmlns:a16="http://schemas.microsoft.com/office/drawing/2014/main" id="{766ACCFA-4983-89E5-40C8-8C598A454E8E}"/>
-              </a:ext>
-            </a:extLst>
-          </p:cNvPr>
+            <a:endParaRPr lang="en-US" dirty="0"/>
+          </a:p>
+        </p:txBody>
+      </p:sp>
+      <p:sp>
+        <p:nvSpPr>
+          <p:cNvPr id="3" name="Vertical Text Placeholder 2"/>
           <p:cNvSpPr>
             <a:spLocks noGrp="1"/>
           </p:cNvSpPr>
@@ -603,8 +532,8 @@
         </p:nvSpPr>
         <p:spPr>
           <a:xfrm>
-            <a:off x="838200" y="365125"/>
-            <a:ext cx="7734300" cy="5811838"/>
+            <a:off x="1237546" y="958369"/>
+            <a:ext cx="11419171" cy="15254730"/>
           </a:xfrm>
         </p:spPr>
         <p:txBody>
@@ -644,19 +573,13 @@
               <a:rPr lang="en-US" altLang="ko-KR"/>
               <a:t>Fifth level</a:t>
             </a:r>
-            <a:endParaRPr lang="ko-KR" altLang="en-US"/>
-          </a:p>
-        </p:txBody>
-      </p:sp>
-      <p:sp>
-        <p:nvSpPr>
-          <p:cNvPr id="4" name="Date Placeholder 3">
-            <a:extLst>
-              <a:ext uri="{FF2B5EF4-FFF2-40B4-BE49-F238E27FC236}">
-                <a16:creationId xmlns:a16="http://schemas.microsoft.com/office/drawing/2014/main" id="{BB8FC894-6A9F-C1A7-B7BA-7C21CCC0B9DA}"/>
-              </a:ext>
-            </a:extLst>
-          </p:cNvPr>
+            <a:endParaRPr lang="en-US" dirty="0"/>
+          </a:p>
+        </p:txBody>
+      </p:sp>
+      <p:sp>
+        <p:nvSpPr>
+          <p:cNvPr id="4" name="Date Placeholder 3"/>
           <p:cNvSpPr>
             <a:spLocks noGrp="1"/>
           </p:cNvSpPr>
@@ -671,7 +594,7 @@
           <a:p>
             <a:fld id="{FCFD76E8-DBDF-4EEF-BF39-62FDC92C57F2}" type="datetimeFigureOut">
               <a:rPr lang="ko-KR" altLang="en-US" smtClean="0"/>
-              <a:t>2024-04-05</a:t>
+              <a:t>2024-04-06</a:t>
             </a:fld>
             <a:endParaRPr lang="ko-KR" altLang="en-US"/>
           </a:p>
@@ -679,13 +602,7 @@
       </p:sp>
       <p:sp>
         <p:nvSpPr>
-          <p:cNvPr id="5" name="Footer Placeholder 4">
-            <a:extLst>
-              <a:ext uri="{FF2B5EF4-FFF2-40B4-BE49-F238E27FC236}">
-                <a16:creationId xmlns:a16="http://schemas.microsoft.com/office/drawing/2014/main" id="{62A63E82-2250-BFE4-B157-7705E4DCA6C6}"/>
-              </a:ext>
-            </a:extLst>
-          </p:cNvPr>
+          <p:cNvPr id="5" name="Footer Placeholder 4"/>
           <p:cNvSpPr>
             <a:spLocks noGrp="1"/>
           </p:cNvSpPr>
@@ -704,13 +621,7 @@
       </p:sp>
       <p:sp>
         <p:nvSpPr>
-          <p:cNvPr id="6" name="Slide Number Placeholder 5">
-            <a:extLst>
-              <a:ext uri="{FF2B5EF4-FFF2-40B4-BE49-F238E27FC236}">
-                <a16:creationId xmlns:a16="http://schemas.microsoft.com/office/drawing/2014/main" id="{0C11E155-1E94-1DCF-C313-6D959BEBC579}"/>
-              </a:ext>
-            </a:extLst>
-          </p:cNvPr>
+          <p:cNvPr id="6" name="Slide Number Placeholder 5"/>
           <p:cNvSpPr>
             <a:spLocks noGrp="1"/>
           </p:cNvSpPr>
@@ -734,7 +645,7 @@
     </p:spTree>
     <p:extLst>
       <p:ext uri="{BB962C8B-B14F-4D97-AF65-F5344CB8AC3E}">
-        <p14:creationId xmlns:p14="http://schemas.microsoft.com/office/powerpoint/2010/main" val="4022243783"/>
+        <p14:creationId xmlns:p14="http://schemas.microsoft.com/office/powerpoint/2010/main" val="1430260672"/>
       </p:ext>
     </p:extLst>
   </p:cSld>
@@ -763,13 +674,7 @@
       </p:grpSpPr>
       <p:sp>
         <p:nvSpPr>
-          <p:cNvPr id="2" name="Title 1">
-            <a:extLst>
-              <a:ext uri="{FF2B5EF4-FFF2-40B4-BE49-F238E27FC236}">
-                <a16:creationId xmlns:a16="http://schemas.microsoft.com/office/drawing/2014/main" id="{03CBCC99-A941-D3C7-DBC0-0B4E72472884}"/>
-              </a:ext>
-            </a:extLst>
-          </p:cNvPr>
+          <p:cNvPr id="2" name="Title 1"/>
           <p:cNvSpPr>
             <a:spLocks noGrp="1"/>
           </p:cNvSpPr>
@@ -786,19 +691,13 @@
               <a:rPr lang="en-US" altLang="ko-KR"/>
               <a:t>Click to edit Master title style</a:t>
             </a:r>
-            <a:endParaRPr lang="ko-KR" altLang="en-US"/>
-          </a:p>
-        </p:txBody>
-      </p:sp>
-      <p:sp>
-        <p:nvSpPr>
-          <p:cNvPr id="3" name="Content Placeholder 2">
-            <a:extLst>
-              <a:ext uri="{FF2B5EF4-FFF2-40B4-BE49-F238E27FC236}">
-                <a16:creationId xmlns:a16="http://schemas.microsoft.com/office/drawing/2014/main" id="{13C86737-3783-C051-C4DE-FDCED2038A72}"/>
-              </a:ext>
-            </a:extLst>
-          </p:cNvPr>
+            <a:endParaRPr lang="en-US" dirty="0"/>
+          </a:p>
+        </p:txBody>
+      </p:sp>
+      <p:sp>
+        <p:nvSpPr>
+          <p:cNvPr id="3" name="Content Placeholder 2"/>
           <p:cNvSpPr>
             <a:spLocks noGrp="1"/>
           </p:cNvSpPr>
@@ -844,19 +743,13 @@
               <a:rPr lang="en-US" altLang="ko-KR"/>
               <a:t>Fifth level</a:t>
             </a:r>
-            <a:endParaRPr lang="ko-KR" altLang="en-US"/>
-          </a:p>
-        </p:txBody>
-      </p:sp>
-      <p:sp>
-        <p:nvSpPr>
-          <p:cNvPr id="4" name="Date Placeholder 3">
-            <a:extLst>
-              <a:ext uri="{FF2B5EF4-FFF2-40B4-BE49-F238E27FC236}">
-                <a16:creationId xmlns:a16="http://schemas.microsoft.com/office/drawing/2014/main" id="{4003D56B-13B0-DBD1-0324-A5E26D153C20}"/>
-              </a:ext>
-            </a:extLst>
-          </p:cNvPr>
+            <a:endParaRPr lang="en-US" dirty="0"/>
+          </a:p>
+        </p:txBody>
+      </p:sp>
+      <p:sp>
+        <p:nvSpPr>
+          <p:cNvPr id="4" name="Date Placeholder 3"/>
           <p:cNvSpPr>
             <a:spLocks noGrp="1"/>
           </p:cNvSpPr>
@@ -871,7 +764,7 @@
           <a:p>
             <a:fld id="{FCFD76E8-DBDF-4EEF-BF39-62FDC92C57F2}" type="datetimeFigureOut">
               <a:rPr lang="ko-KR" altLang="en-US" smtClean="0"/>
-              <a:t>2024-04-05</a:t>
+              <a:t>2024-04-06</a:t>
             </a:fld>
             <a:endParaRPr lang="ko-KR" altLang="en-US"/>
           </a:p>
@@ -879,13 +772,7 @@
       </p:sp>
       <p:sp>
         <p:nvSpPr>
-          <p:cNvPr id="5" name="Footer Placeholder 4">
-            <a:extLst>
-              <a:ext uri="{FF2B5EF4-FFF2-40B4-BE49-F238E27FC236}">
-                <a16:creationId xmlns:a16="http://schemas.microsoft.com/office/drawing/2014/main" id="{FC2FC2B3-020B-D3AE-3BF0-BDD349993635}"/>
-              </a:ext>
-            </a:extLst>
-          </p:cNvPr>
+          <p:cNvPr id="5" name="Footer Placeholder 4"/>
           <p:cNvSpPr>
             <a:spLocks noGrp="1"/>
           </p:cNvSpPr>
@@ -904,13 +791,7 @@
       </p:sp>
       <p:sp>
         <p:nvSpPr>
-          <p:cNvPr id="6" name="Slide Number Placeholder 5">
-            <a:extLst>
-              <a:ext uri="{FF2B5EF4-FFF2-40B4-BE49-F238E27FC236}">
-                <a16:creationId xmlns:a16="http://schemas.microsoft.com/office/drawing/2014/main" id="{3DF93021-497E-038F-7DF6-CFA641B8D51C}"/>
-              </a:ext>
-            </a:extLst>
-          </p:cNvPr>
+          <p:cNvPr id="6" name="Slide Number Placeholder 5"/>
           <p:cNvSpPr>
             <a:spLocks noGrp="1"/>
           </p:cNvSpPr>
@@ -934,7 +815,7 @@
     </p:spTree>
     <p:extLst>
       <p:ext uri="{BB962C8B-B14F-4D97-AF65-F5344CB8AC3E}">
-        <p14:creationId xmlns:p14="http://schemas.microsoft.com/office/powerpoint/2010/main" val="4269786590"/>
+        <p14:creationId xmlns:p14="http://schemas.microsoft.com/office/powerpoint/2010/main" val="3821666484"/>
       </p:ext>
     </p:extLst>
   </p:cSld>
@@ -963,13 +844,7 @@
       </p:grpSpPr>
       <p:sp>
         <p:nvSpPr>
-          <p:cNvPr id="2" name="Title 1">
-            <a:extLst>
-              <a:ext uri="{FF2B5EF4-FFF2-40B4-BE49-F238E27FC236}">
-                <a16:creationId xmlns:a16="http://schemas.microsoft.com/office/drawing/2014/main" id="{9AA9DA2D-310E-ABB6-05C5-1F3D46036D4E}"/>
-              </a:ext>
-            </a:extLst>
-          </p:cNvPr>
+          <p:cNvPr id="2" name="Title 1"/>
           <p:cNvSpPr>
             <a:spLocks noGrp="1"/>
           </p:cNvSpPr>
@@ -979,15 +854,15 @@
         </p:nvSpPr>
         <p:spPr>
           <a:xfrm>
-            <a:off x="831850" y="1709738"/>
-            <a:ext cx="10515600" cy="2852737"/>
+            <a:off x="1228171" y="4487671"/>
+            <a:ext cx="15525572" cy="7487774"/>
           </a:xfrm>
         </p:spPr>
         <p:txBody>
           <a:bodyPr anchor="b"/>
           <a:lstStyle>
             <a:lvl1pPr>
-              <a:defRPr sz="6000"/>
+              <a:defRPr sz="11812"/>
             </a:lvl1pPr>
           </a:lstStyle>
           <a:p>
@@ -995,19 +870,13 @@
               <a:rPr lang="en-US" altLang="ko-KR"/>
               <a:t>Click to edit Master title style</a:t>
             </a:r>
-            <a:endParaRPr lang="ko-KR" altLang="en-US"/>
-          </a:p>
-        </p:txBody>
-      </p:sp>
-      <p:sp>
-        <p:nvSpPr>
-          <p:cNvPr id="3" name="Text Placeholder 2">
-            <a:extLst>
-              <a:ext uri="{FF2B5EF4-FFF2-40B4-BE49-F238E27FC236}">
-                <a16:creationId xmlns:a16="http://schemas.microsoft.com/office/drawing/2014/main" id="{A1010E5D-4356-AC17-CF57-F286534B4CFF}"/>
-              </a:ext>
-            </a:extLst>
-          </p:cNvPr>
+            <a:endParaRPr lang="en-US" dirty="0"/>
+          </a:p>
+        </p:txBody>
+      </p:sp>
+      <p:sp>
+        <p:nvSpPr>
+          <p:cNvPr id="3" name="Text Placeholder 2"/>
           <p:cNvSpPr>
             <a:spLocks noGrp="1"/>
           </p:cNvSpPr>
@@ -1017,8 +886,8 @@
         </p:nvSpPr>
         <p:spPr>
           <a:xfrm>
-            <a:off x="831850" y="4589463"/>
-            <a:ext cx="10515600" cy="1500187"/>
+            <a:off x="1228171" y="12046282"/>
+            <a:ext cx="15525572" cy="3937644"/>
           </a:xfrm>
         </p:spPr>
         <p:txBody>
@@ -1026,17 +895,15 @@
           <a:lstStyle>
             <a:lvl1pPr marL="0" indent="0">
               <a:buNone/>
-              <a:defRPr sz="2400">
+              <a:defRPr sz="4725">
                 <a:solidFill>
-                  <a:schemeClr val="tx1">
-                    <a:tint val="75000"/>
-                  </a:schemeClr>
+                  <a:schemeClr val="tx1"/>
                 </a:solidFill>
               </a:defRPr>
             </a:lvl1pPr>
-            <a:lvl2pPr marL="457200" indent="0">
-              <a:buNone/>
-              <a:defRPr sz="2000">
+            <a:lvl2pPr marL="900044" indent="0">
+              <a:buNone/>
+              <a:defRPr sz="3937">
                 <a:solidFill>
                   <a:schemeClr val="tx1">
                     <a:tint val="75000"/>
@@ -1044,9 +911,9 @@
                 </a:solidFill>
               </a:defRPr>
             </a:lvl2pPr>
-            <a:lvl3pPr marL="914400" indent="0">
-              <a:buNone/>
-              <a:defRPr sz="1800">
+            <a:lvl3pPr marL="1800088" indent="0">
+              <a:buNone/>
+              <a:defRPr sz="3543">
                 <a:solidFill>
                   <a:schemeClr val="tx1">
                     <a:tint val="75000"/>
@@ -1054,9 +921,9 @@
                 </a:solidFill>
               </a:defRPr>
             </a:lvl3pPr>
-            <a:lvl4pPr marL="1371600" indent="0">
-              <a:buNone/>
-              <a:defRPr sz="1600">
+            <a:lvl4pPr marL="2700132" indent="0">
+              <a:buNone/>
+              <a:defRPr sz="3150">
                 <a:solidFill>
                   <a:schemeClr val="tx1">
                     <a:tint val="75000"/>
@@ -1064,9 +931,9 @@
                 </a:solidFill>
               </a:defRPr>
             </a:lvl4pPr>
-            <a:lvl5pPr marL="1828800" indent="0">
-              <a:buNone/>
-              <a:defRPr sz="1600">
+            <a:lvl5pPr marL="3600176" indent="0">
+              <a:buNone/>
+              <a:defRPr sz="3150">
                 <a:solidFill>
                   <a:schemeClr val="tx1">
                     <a:tint val="75000"/>
@@ -1074,9 +941,9 @@
                 </a:solidFill>
               </a:defRPr>
             </a:lvl5pPr>
-            <a:lvl6pPr marL="2286000" indent="0">
-              <a:buNone/>
-              <a:defRPr sz="1600">
+            <a:lvl6pPr marL="4500220" indent="0">
+              <a:buNone/>
+              <a:defRPr sz="3150">
                 <a:solidFill>
                   <a:schemeClr val="tx1">
                     <a:tint val="75000"/>
@@ -1084,9 +951,9 @@
                 </a:solidFill>
               </a:defRPr>
             </a:lvl6pPr>
-            <a:lvl7pPr marL="2743200" indent="0">
-              <a:buNone/>
-              <a:defRPr sz="1600">
+            <a:lvl7pPr marL="5400264" indent="0">
+              <a:buNone/>
+              <a:defRPr sz="3150">
                 <a:solidFill>
                   <a:schemeClr val="tx1">
                     <a:tint val="75000"/>
@@ -1094,9 +961,9 @@
                 </a:solidFill>
               </a:defRPr>
             </a:lvl7pPr>
-            <a:lvl8pPr marL="3200400" indent="0">
-              <a:buNone/>
-              <a:defRPr sz="1600">
+            <a:lvl8pPr marL="6300307" indent="0">
+              <a:buNone/>
+              <a:defRPr sz="3150">
                 <a:solidFill>
                   <a:schemeClr val="tx1">
                     <a:tint val="75000"/>
@@ -1104,9 +971,9 @@
                 </a:solidFill>
               </a:defRPr>
             </a:lvl8pPr>
-            <a:lvl9pPr marL="3657600" indent="0">
-              <a:buNone/>
-              <a:defRPr sz="1600">
+            <a:lvl9pPr marL="7200351" indent="0">
+              <a:buNone/>
+              <a:defRPr sz="3150">
                 <a:solidFill>
                   <a:schemeClr val="tx1">
                     <a:tint val="75000"/>
@@ -1126,13 +993,7 @@
       </p:sp>
       <p:sp>
         <p:nvSpPr>
-          <p:cNvPr id="4" name="Date Placeholder 3">
-            <a:extLst>
-              <a:ext uri="{FF2B5EF4-FFF2-40B4-BE49-F238E27FC236}">
-                <a16:creationId xmlns:a16="http://schemas.microsoft.com/office/drawing/2014/main" id="{B1D90ED4-9BC8-74FD-F6BA-3A1FBD86E4E1}"/>
-              </a:ext>
-            </a:extLst>
-          </p:cNvPr>
+          <p:cNvPr id="4" name="Date Placeholder 3"/>
           <p:cNvSpPr>
             <a:spLocks noGrp="1"/>
           </p:cNvSpPr>
@@ -1147,7 +1008,7 @@
           <a:p>
             <a:fld id="{FCFD76E8-DBDF-4EEF-BF39-62FDC92C57F2}" type="datetimeFigureOut">
               <a:rPr lang="ko-KR" altLang="en-US" smtClean="0"/>
-              <a:t>2024-04-05</a:t>
+              <a:t>2024-04-06</a:t>
             </a:fld>
             <a:endParaRPr lang="ko-KR" altLang="en-US"/>
           </a:p>
@@ -1155,13 +1016,7 @@
       </p:sp>
       <p:sp>
         <p:nvSpPr>
-          <p:cNvPr id="5" name="Footer Placeholder 4">
-            <a:extLst>
-              <a:ext uri="{FF2B5EF4-FFF2-40B4-BE49-F238E27FC236}">
-                <a16:creationId xmlns:a16="http://schemas.microsoft.com/office/drawing/2014/main" id="{2319166D-FB50-F0B1-57D4-FAAAB7363F3B}"/>
-              </a:ext>
-            </a:extLst>
-          </p:cNvPr>
+          <p:cNvPr id="5" name="Footer Placeholder 4"/>
           <p:cNvSpPr>
             <a:spLocks noGrp="1"/>
           </p:cNvSpPr>
@@ -1180,13 +1035,7 @@
       </p:sp>
       <p:sp>
         <p:nvSpPr>
-          <p:cNvPr id="6" name="Slide Number Placeholder 5">
-            <a:extLst>
-              <a:ext uri="{FF2B5EF4-FFF2-40B4-BE49-F238E27FC236}">
-                <a16:creationId xmlns:a16="http://schemas.microsoft.com/office/drawing/2014/main" id="{E51DCAD6-8D0B-3818-F6B1-7FA686BA1AFD}"/>
-              </a:ext>
-            </a:extLst>
-          </p:cNvPr>
+          <p:cNvPr id="6" name="Slide Number Placeholder 5"/>
           <p:cNvSpPr>
             <a:spLocks noGrp="1"/>
           </p:cNvSpPr>
@@ -1210,7 +1059,7 @@
     </p:spTree>
     <p:extLst>
       <p:ext uri="{BB962C8B-B14F-4D97-AF65-F5344CB8AC3E}">
-        <p14:creationId xmlns:p14="http://schemas.microsoft.com/office/powerpoint/2010/main" val="1729819633"/>
+        <p14:creationId xmlns:p14="http://schemas.microsoft.com/office/powerpoint/2010/main" val="1898309174"/>
       </p:ext>
     </p:extLst>
   </p:cSld>
@@ -1239,13 +1088,7 @@
       </p:grpSpPr>
       <p:sp>
         <p:nvSpPr>
-          <p:cNvPr id="2" name="Title 1">
-            <a:extLst>
-              <a:ext uri="{FF2B5EF4-FFF2-40B4-BE49-F238E27FC236}">
-                <a16:creationId xmlns:a16="http://schemas.microsoft.com/office/drawing/2014/main" id="{9EB4845F-A5B6-E03F-D5D7-97590FA7CD57}"/>
-              </a:ext>
-            </a:extLst>
-          </p:cNvPr>
+          <p:cNvPr id="2" name="Title 1"/>
           <p:cNvSpPr>
             <a:spLocks noGrp="1"/>
           </p:cNvSpPr>
@@ -1262,19 +1105,13 @@
               <a:rPr lang="en-US" altLang="ko-KR"/>
               <a:t>Click to edit Master title style</a:t>
             </a:r>
-            <a:endParaRPr lang="ko-KR" altLang="en-US"/>
-          </a:p>
-        </p:txBody>
-      </p:sp>
-      <p:sp>
-        <p:nvSpPr>
-          <p:cNvPr id="3" name="Content Placeholder 2">
-            <a:extLst>
-              <a:ext uri="{FF2B5EF4-FFF2-40B4-BE49-F238E27FC236}">
-                <a16:creationId xmlns:a16="http://schemas.microsoft.com/office/drawing/2014/main" id="{4F13728C-03D7-ED52-CB10-49DB9FAFD617}"/>
-              </a:ext>
-            </a:extLst>
-          </p:cNvPr>
+            <a:endParaRPr lang="en-US" dirty="0"/>
+          </a:p>
+        </p:txBody>
+      </p:sp>
+      <p:sp>
+        <p:nvSpPr>
+          <p:cNvPr id="3" name="Content Placeholder 2"/>
           <p:cNvSpPr>
             <a:spLocks noGrp="1"/>
           </p:cNvSpPr>
@@ -1284,8 +1121,8 @@
         </p:nvSpPr>
         <p:spPr>
           <a:xfrm>
-            <a:off x="838200" y="1825625"/>
-            <a:ext cx="5181600" cy="4351338"/>
+            <a:off x="1237545" y="4791843"/>
+            <a:ext cx="7650282" cy="11421255"/>
           </a:xfrm>
         </p:spPr>
         <p:txBody>
@@ -1325,19 +1162,13 @@
               <a:rPr lang="en-US" altLang="ko-KR"/>
               <a:t>Fifth level</a:t>
             </a:r>
-            <a:endParaRPr lang="ko-KR" altLang="en-US"/>
-          </a:p>
-        </p:txBody>
-      </p:sp>
-      <p:sp>
-        <p:nvSpPr>
-          <p:cNvPr id="4" name="Content Placeholder 3">
-            <a:extLst>
-              <a:ext uri="{FF2B5EF4-FFF2-40B4-BE49-F238E27FC236}">
-                <a16:creationId xmlns:a16="http://schemas.microsoft.com/office/drawing/2014/main" id="{8C9D9337-2F3F-7335-BE09-A1CFD76E96B2}"/>
-              </a:ext>
-            </a:extLst>
-          </p:cNvPr>
+            <a:endParaRPr lang="en-US" dirty="0"/>
+          </a:p>
+        </p:txBody>
+      </p:sp>
+      <p:sp>
+        <p:nvSpPr>
+          <p:cNvPr id="4" name="Content Placeholder 3"/>
           <p:cNvSpPr>
             <a:spLocks noGrp="1"/>
           </p:cNvSpPr>
@@ -1347,8 +1178,8 @@
         </p:nvSpPr>
         <p:spPr>
           <a:xfrm>
-            <a:off x="6172200" y="1825625"/>
-            <a:ext cx="5181600" cy="4351338"/>
+            <a:off x="9112836" y="4791843"/>
+            <a:ext cx="7650282" cy="11421255"/>
           </a:xfrm>
         </p:spPr>
         <p:txBody>
@@ -1388,19 +1219,13 @@
               <a:rPr lang="en-US" altLang="ko-KR"/>
               <a:t>Fifth level</a:t>
             </a:r>
-            <a:endParaRPr lang="ko-KR" altLang="en-US"/>
-          </a:p>
-        </p:txBody>
-      </p:sp>
-      <p:sp>
-        <p:nvSpPr>
-          <p:cNvPr id="5" name="Date Placeholder 4">
-            <a:extLst>
-              <a:ext uri="{FF2B5EF4-FFF2-40B4-BE49-F238E27FC236}">
-                <a16:creationId xmlns:a16="http://schemas.microsoft.com/office/drawing/2014/main" id="{7BB0016C-4A56-DFD1-FD64-17AA85D8A028}"/>
-              </a:ext>
-            </a:extLst>
-          </p:cNvPr>
+            <a:endParaRPr lang="en-US" dirty="0"/>
+          </a:p>
+        </p:txBody>
+      </p:sp>
+      <p:sp>
+        <p:nvSpPr>
+          <p:cNvPr id="5" name="Date Placeholder 4"/>
           <p:cNvSpPr>
             <a:spLocks noGrp="1"/>
           </p:cNvSpPr>
@@ -1415,7 +1240,7 @@
           <a:p>
             <a:fld id="{FCFD76E8-DBDF-4EEF-BF39-62FDC92C57F2}" type="datetimeFigureOut">
               <a:rPr lang="ko-KR" altLang="en-US" smtClean="0"/>
-              <a:t>2024-04-05</a:t>
+              <a:t>2024-04-06</a:t>
             </a:fld>
             <a:endParaRPr lang="ko-KR" altLang="en-US"/>
           </a:p>
@@ -1423,13 +1248,7 @@
       </p:sp>
       <p:sp>
         <p:nvSpPr>
-          <p:cNvPr id="6" name="Footer Placeholder 5">
-            <a:extLst>
-              <a:ext uri="{FF2B5EF4-FFF2-40B4-BE49-F238E27FC236}">
-                <a16:creationId xmlns:a16="http://schemas.microsoft.com/office/drawing/2014/main" id="{CE79E041-48AA-E237-03BA-0BA3B5BBA471}"/>
-              </a:ext>
-            </a:extLst>
-          </p:cNvPr>
+          <p:cNvPr id="6" name="Footer Placeholder 5"/>
           <p:cNvSpPr>
             <a:spLocks noGrp="1"/>
           </p:cNvSpPr>
@@ -1448,13 +1267,7 @@
       </p:sp>
       <p:sp>
         <p:nvSpPr>
-          <p:cNvPr id="7" name="Slide Number Placeholder 6">
-            <a:extLst>
-              <a:ext uri="{FF2B5EF4-FFF2-40B4-BE49-F238E27FC236}">
-                <a16:creationId xmlns:a16="http://schemas.microsoft.com/office/drawing/2014/main" id="{D38464C3-78B1-0F5D-E043-0B0585865E2F}"/>
-              </a:ext>
-            </a:extLst>
-          </p:cNvPr>
+          <p:cNvPr id="7" name="Slide Number Placeholder 6"/>
           <p:cNvSpPr>
             <a:spLocks noGrp="1"/>
           </p:cNvSpPr>
@@ -1478,7 +1291,7 @@
     </p:spTree>
     <p:extLst>
       <p:ext uri="{BB962C8B-B14F-4D97-AF65-F5344CB8AC3E}">
-        <p14:creationId xmlns:p14="http://schemas.microsoft.com/office/powerpoint/2010/main" val="200187816"/>
+        <p14:creationId xmlns:p14="http://schemas.microsoft.com/office/powerpoint/2010/main" val="4140482935"/>
       </p:ext>
     </p:extLst>
   </p:cSld>
@@ -1507,13 +1320,7 @@
       </p:grpSpPr>
       <p:sp>
         <p:nvSpPr>
-          <p:cNvPr id="2" name="Title 1">
-            <a:extLst>
-              <a:ext uri="{FF2B5EF4-FFF2-40B4-BE49-F238E27FC236}">
-                <a16:creationId xmlns:a16="http://schemas.microsoft.com/office/drawing/2014/main" id="{8C84128C-2A79-046F-8CDB-E14491390478}"/>
-              </a:ext>
-            </a:extLst>
-          </p:cNvPr>
+          <p:cNvPr id="2" name="Title 1"/>
           <p:cNvSpPr>
             <a:spLocks noGrp="1"/>
           </p:cNvSpPr>
@@ -1523,8 +1330,8 @@
         </p:nvSpPr>
         <p:spPr>
           <a:xfrm>
-            <a:off x="839788" y="365125"/>
-            <a:ext cx="10515600" cy="1325563"/>
+            <a:off x="1239890" y="958373"/>
+            <a:ext cx="15525572" cy="3479296"/>
           </a:xfrm>
         </p:spPr>
         <p:txBody>
@@ -1535,19 +1342,13 @@
               <a:rPr lang="en-US" altLang="ko-KR"/>
               <a:t>Click to edit Master title style</a:t>
             </a:r>
-            <a:endParaRPr lang="ko-KR" altLang="en-US"/>
-          </a:p>
-        </p:txBody>
-      </p:sp>
-      <p:sp>
-        <p:nvSpPr>
-          <p:cNvPr id="3" name="Text Placeholder 2">
-            <a:extLst>
-              <a:ext uri="{FF2B5EF4-FFF2-40B4-BE49-F238E27FC236}">
-                <a16:creationId xmlns:a16="http://schemas.microsoft.com/office/drawing/2014/main" id="{EA0D239E-953A-E93C-8687-5554C6A839FC}"/>
-              </a:ext>
-            </a:extLst>
-          </p:cNvPr>
+            <a:endParaRPr lang="en-US" dirty="0"/>
+          </a:p>
+        </p:txBody>
+      </p:sp>
+      <p:sp>
+        <p:nvSpPr>
+          <p:cNvPr id="3" name="Text Placeholder 2"/>
           <p:cNvSpPr>
             <a:spLocks noGrp="1"/>
           </p:cNvSpPr>
@@ -1557,8 +1358,8 @@
         </p:nvSpPr>
         <p:spPr>
           <a:xfrm>
-            <a:off x="839788" y="1681163"/>
-            <a:ext cx="5157787" cy="823912"/>
+            <a:off x="1239892" y="4412664"/>
+            <a:ext cx="7615123" cy="2162578"/>
           </a:xfrm>
         </p:spPr>
         <p:txBody>
@@ -1566,39 +1367,39 @@
           <a:lstStyle>
             <a:lvl1pPr marL="0" indent="0">
               <a:buNone/>
-              <a:defRPr sz="2400" b="1"/>
+              <a:defRPr sz="4725" b="1"/>
             </a:lvl1pPr>
-            <a:lvl2pPr marL="457200" indent="0">
-              <a:buNone/>
-              <a:defRPr sz="2000" b="1"/>
+            <a:lvl2pPr marL="900044" indent="0">
+              <a:buNone/>
+              <a:defRPr sz="3937" b="1"/>
             </a:lvl2pPr>
-            <a:lvl3pPr marL="914400" indent="0">
-              <a:buNone/>
-              <a:defRPr sz="1800" b="1"/>
+            <a:lvl3pPr marL="1800088" indent="0">
+              <a:buNone/>
+              <a:defRPr sz="3543" b="1"/>
             </a:lvl3pPr>
-            <a:lvl4pPr marL="1371600" indent="0">
-              <a:buNone/>
-              <a:defRPr sz="1600" b="1"/>
+            <a:lvl4pPr marL="2700132" indent="0">
+              <a:buNone/>
+              <a:defRPr sz="3150" b="1"/>
             </a:lvl4pPr>
-            <a:lvl5pPr marL="1828800" indent="0">
-              <a:buNone/>
-              <a:defRPr sz="1600" b="1"/>
+            <a:lvl5pPr marL="3600176" indent="0">
+              <a:buNone/>
+              <a:defRPr sz="3150" b="1"/>
             </a:lvl5pPr>
-            <a:lvl6pPr marL="2286000" indent="0">
-              <a:buNone/>
-              <a:defRPr sz="1600" b="1"/>
+            <a:lvl6pPr marL="4500220" indent="0">
+              <a:buNone/>
+              <a:defRPr sz="3150" b="1"/>
             </a:lvl6pPr>
-            <a:lvl7pPr marL="2743200" indent="0">
-              <a:buNone/>
-              <a:defRPr sz="1600" b="1"/>
+            <a:lvl7pPr marL="5400264" indent="0">
+              <a:buNone/>
+              <a:defRPr sz="3150" b="1"/>
             </a:lvl7pPr>
-            <a:lvl8pPr marL="3200400" indent="0">
-              <a:buNone/>
-              <a:defRPr sz="1600" b="1"/>
+            <a:lvl8pPr marL="6300307" indent="0">
+              <a:buNone/>
+              <a:defRPr sz="3150" b="1"/>
             </a:lvl8pPr>
-            <a:lvl9pPr marL="3657600" indent="0">
-              <a:buNone/>
-              <a:defRPr sz="1600" b="1"/>
+            <a:lvl9pPr marL="7200351" indent="0">
+              <a:buNone/>
+              <a:defRPr sz="3150" b="1"/>
             </a:lvl9pPr>
           </a:lstStyle>
           <a:p>
@@ -1612,13 +1413,7 @@
       </p:sp>
       <p:sp>
         <p:nvSpPr>
-          <p:cNvPr id="4" name="Content Placeholder 3">
-            <a:extLst>
-              <a:ext uri="{FF2B5EF4-FFF2-40B4-BE49-F238E27FC236}">
-                <a16:creationId xmlns:a16="http://schemas.microsoft.com/office/drawing/2014/main" id="{B920C13B-4CA1-63BD-39C0-0C298025C9DA}"/>
-              </a:ext>
-            </a:extLst>
-          </p:cNvPr>
+          <p:cNvPr id="4" name="Content Placeholder 3"/>
           <p:cNvSpPr>
             <a:spLocks noGrp="1"/>
           </p:cNvSpPr>
@@ -1628,8 +1423,8 @@
         </p:nvSpPr>
         <p:spPr>
           <a:xfrm>
-            <a:off x="839788" y="2505075"/>
-            <a:ext cx="5157787" cy="3684588"/>
+            <a:off x="1239892" y="6575242"/>
+            <a:ext cx="7615123" cy="9671191"/>
           </a:xfrm>
         </p:spPr>
         <p:txBody>
@@ -1669,19 +1464,13 @@
               <a:rPr lang="en-US" altLang="ko-KR"/>
               <a:t>Fifth level</a:t>
             </a:r>
-            <a:endParaRPr lang="ko-KR" altLang="en-US"/>
-          </a:p>
-        </p:txBody>
-      </p:sp>
-      <p:sp>
-        <p:nvSpPr>
-          <p:cNvPr id="5" name="Text Placeholder 4">
-            <a:extLst>
-              <a:ext uri="{FF2B5EF4-FFF2-40B4-BE49-F238E27FC236}">
-                <a16:creationId xmlns:a16="http://schemas.microsoft.com/office/drawing/2014/main" id="{EB7D9DFB-4439-805F-2D1A-8C9DED813387}"/>
-              </a:ext>
-            </a:extLst>
-          </p:cNvPr>
+            <a:endParaRPr lang="en-US" dirty="0"/>
+          </a:p>
+        </p:txBody>
+      </p:sp>
+      <p:sp>
+        <p:nvSpPr>
+          <p:cNvPr id="5" name="Text Placeholder 4"/>
           <p:cNvSpPr>
             <a:spLocks noGrp="1"/>
           </p:cNvSpPr>
@@ -1691,8 +1480,8 @@
         </p:nvSpPr>
         <p:spPr>
           <a:xfrm>
-            <a:off x="6172200" y="1681163"/>
-            <a:ext cx="5183188" cy="823912"/>
+            <a:off x="9112837" y="4412664"/>
+            <a:ext cx="7652626" cy="2162578"/>
           </a:xfrm>
         </p:spPr>
         <p:txBody>
@@ -1700,39 +1489,39 @@
           <a:lstStyle>
             <a:lvl1pPr marL="0" indent="0">
               <a:buNone/>
-              <a:defRPr sz="2400" b="1"/>
+              <a:defRPr sz="4725" b="1"/>
             </a:lvl1pPr>
-            <a:lvl2pPr marL="457200" indent="0">
-              <a:buNone/>
-              <a:defRPr sz="2000" b="1"/>
+            <a:lvl2pPr marL="900044" indent="0">
+              <a:buNone/>
+              <a:defRPr sz="3937" b="1"/>
             </a:lvl2pPr>
-            <a:lvl3pPr marL="914400" indent="0">
-              <a:buNone/>
-              <a:defRPr sz="1800" b="1"/>
+            <a:lvl3pPr marL="1800088" indent="0">
+              <a:buNone/>
+              <a:defRPr sz="3543" b="1"/>
             </a:lvl3pPr>
-            <a:lvl4pPr marL="1371600" indent="0">
-              <a:buNone/>
-              <a:defRPr sz="1600" b="1"/>
+            <a:lvl4pPr marL="2700132" indent="0">
+              <a:buNone/>
+              <a:defRPr sz="3150" b="1"/>
             </a:lvl4pPr>
-            <a:lvl5pPr marL="1828800" indent="0">
-              <a:buNone/>
-              <a:defRPr sz="1600" b="1"/>
+            <a:lvl5pPr marL="3600176" indent="0">
+              <a:buNone/>
+              <a:defRPr sz="3150" b="1"/>
             </a:lvl5pPr>
-            <a:lvl6pPr marL="2286000" indent="0">
-              <a:buNone/>
-              <a:defRPr sz="1600" b="1"/>
+            <a:lvl6pPr marL="4500220" indent="0">
+              <a:buNone/>
+              <a:defRPr sz="3150" b="1"/>
             </a:lvl6pPr>
-            <a:lvl7pPr marL="2743200" indent="0">
-              <a:buNone/>
-              <a:defRPr sz="1600" b="1"/>
+            <a:lvl7pPr marL="5400264" indent="0">
+              <a:buNone/>
+              <a:defRPr sz="3150" b="1"/>
             </a:lvl7pPr>
-            <a:lvl8pPr marL="3200400" indent="0">
-              <a:buNone/>
-              <a:defRPr sz="1600" b="1"/>
+            <a:lvl8pPr marL="6300307" indent="0">
+              <a:buNone/>
+              <a:defRPr sz="3150" b="1"/>
             </a:lvl8pPr>
-            <a:lvl9pPr marL="3657600" indent="0">
-              <a:buNone/>
-              <a:defRPr sz="1600" b="1"/>
+            <a:lvl9pPr marL="7200351" indent="0">
+              <a:buNone/>
+              <a:defRPr sz="3150" b="1"/>
             </a:lvl9pPr>
           </a:lstStyle>
           <a:p>
@@ -1746,13 +1535,7 @@
       </p:sp>
       <p:sp>
         <p:nvSpPr>
-          <p:cNvPr id="6" name="Content Placeholder 5">
-            <a:extLst>
-              <a:ext uri="{FF2B5EF4-FFF2-40B4-BE49-F238E27FC236}">
-                <a16:creationId xmlns:a16="http://schemas.microsoft.com/office/drawing/2014/main" id="{A04EB8F9-4CD8-5FCE-B7DA-A1B7260B5087}"/>
-              </a:ext>
-            </a:extLst>
-          </p:cNvPr>
+          <p:cNvPr id="6" name="Content Placeholder 5"/>
           <p:cNvSpPr>
             <a:spLocks noGrp="1"/>
           </p:cNvSpPr>
@@ -1762,8 +1545,8 @@
         </p:nvSpPr>
         <p:spPr>
           <a:xfrm>
-            <a:off x="6172200" y="2505075"/>
-            <a:ext cx="5183188" cy="3684588"/>
+            <a:off x="9112837" y="6575242"/>
+            <a:ext cx="7652626" cy="9671191"/>
           </a:xfrm>
         </p:spPr>
         <p:txBody>
@@ -1803,19 +1586,13 @@
               <a:rPr lang="en-US" altLang="ko-KR"/>
               <a:t>Fifth level</a:t>
             </a:r>
-            <a:endParaRPr lang="ko-KR" altLang="en-US"/>
-          </a:p>
-        </p:txBody>
-      </p:sp>
-      <p:sp>
-        <p:nvSpPr>
-          <p:cNvPr id="7" name="Date Placeholder 6">
-            <a:extLst>
-              <a:ext uri="{FF2B5EF4-FFF2-40B4-BE49-F238E27FC236}">
-                <a16:creationId xmlns:a16="http://schemas.microsoft.com/office/drawing/2014/main" id="{E164F536-C712-4637-C166-9C0C86335829}"/>
-              </a:ext>
-            </a:extLst>
-          </p:cNvPr>
+            <a:endParaRPr lang="en-US" dirty="0"/>
+          </a:p>
+        </p:txBody>
+      </p:sp>
+      <p:sp>
+        <p:nvSpPr>
+          <p:cNvPr id="7" name="Date Placeholder 6"/>
           <p:cNvSpPr>
             <a:spLocks noGrp="1"/>
           </p:cNvSpPr>
@@ -1830,7 +1607,7 @@
           <a:p>
             <a:fld id="{FCFD76E8-DBDF-4EEF-BF39-62FDC92C57F2}" type="datetimeFigureOut">
               <a:rPr lang="ko-KR" altLang="en-US" smtClean="0"/>
-              <a:t>2024-04-05</a:t>
+              <a:t>2024-04-06</a:t>
             </a:fld>
             <a:endParaRPr lang="ko-KR" altLang="en-US"/>
           </a:p>
@@ -1838,13 +1615,7 @@
       </p:sp>
       <p:sp>
         <p:nvSpPr>
-          <p:cNvPr id="8" name="Footer Placeholder 7">
-            <a:extLst>
-              <a:ext uri="{FF2B5EF4-FFF2-40B4-BE49-F238E27FC236}">
-                <a16:creationId xmlns:a16="http://schemas.microsoft.com/office/drawing/2014/main" id="{E279E3DC-6266-CD45-8C11-F196B6D8E9D5}"/>
-              </a:ext>
-            </a:extLst>
-          </p:cNvPr>
+          <p:cNvPr id="8" name="Footer Placeholder 7"/>
           <p:cNvSpPr>
             <a:spLocks noGrp="1"/>
           </p:cNvSpPr>
@@ -1863,13 +1634,7 @@
       </p:sp>
       <p:sp>
         <p:nvSpPr>
-          <p:cNvPr id="9" name="Slide Number Placeholder 8">
-            <a:extLst>
-              <a:ext uri="{FF2B5EF4-FFF2-40B4-BE49-F238E27FC236}">
-                <a16:creationId xmlns:a16="http://schemas.microsoft.com/office/drawing/2014/main" id="{F8C1374A-55D2-447D-788F-27383E87A240}"/>
-              </a:ext>
-            </a:extLst>
-          </p:cNvPr>
+          <p:cNvPr id="9" name="Slide Number Placeholder 8"/>
           <p:cNvSpPr>
             <a:spLocks noGrp="1"/>
           </p:cNvSpPr>
@@ -1893,7 +1658,7 @@
     </p:spTree>
     <p:extLst>
       <p:ext uri="{BB962C8B-B14F-4D97-AF65-F5344CB8AC3E}">
-        <p14:creationId xmlns:p14="http://schemas.microsoft.com/office/powerpoint/2010/main" val="3419882815"/>
+        <p14:creationId xmlns:p14="http://schemas.microsoft.com/office/powerpoint/2010/main" val="1963128063"/>
       </p:ext>
     </p:extLst>
   </p:cSld>
@@ -1922,13 +1687,7 @@
       </p:grpSpPr>
       <p:sp>
         <p:nvSpPr>
-          <p:cNvPr id="2" name="Title 1">
-            <a:extLst>
-              <a:ext uri="{FF2B5EF4-FFF2-40B4-BE49-F238E27FC236}">
-                <a16:creationId xmlns:a16="http://schemas.microsoft.com/office/drawing/2014/main" id="{86EE9C85-818E-C9F1-7A21-6002EB58E104}"/>
-              </a:ext>
-            </a:extLst>
-          </p:cNvPr>
+          <p:cNvPr id="2" name="Title 1"/>
           <p:cNvSpPr>
             <a:spLocks noGrp="1"/>
           </p:cNvSpPr>
@@ -1945,19 +1704,13 @@
               <a:rPr lang="en-US" altLang="ko-KR"/>
               <a:t>Click to edit Master title style</a:t>
             </a:r>
-            <a:endParaRPr lang="ko-KR" altLang="en-US"/>
-          </a:p>
-        </p:txBody>
-      </p:sp>
-      <p:sp>
-        <p:nvSpPr>
-          <p:cNvPr id="3" name="Date Placeholder 2">
-            <a:extLst>
-              <a:ext uri="{FF2B5EF4-FFF2-40B4-BE49-F238E27FC236}">
-                <a16:creationId xmlns:a16="http://schemas.microsoft.com/office/drawing/2014/main" id="{E4F2AE33-DC6B-B55D-923D-AA18E4D80B0E}"/>
-              </a:ext>
-            </a:extLst>
-          </p:cNvPr>
+            <a:endParaRPr lang="en-US" dirty="0"/>
+          </a:p>
+        </p:txBody>
+      </p:sp>
+      <p:sp>
+        <p:nvSpPr>
+          <p:cNvPr id="3" name="Date Placeholder 2"/>
           <p:cNvSpPr>
             <a:spLocks noGrp="1"/>
           </p:cNvSpPr>
@@ -1972,7 +1725,7 @@
           <a:p>
             <a:fld id="{FCFD76E8-DBDF-4EEF-BF39-62FDC92C57F2}" type="datetimeFigureOut">
               <a:rPr lang="ko-KR" altLang="en-US" smtClean="0"/>
-              <a:t>2024-04-05</a:t>
+              <a:t>2024-04-06</a:t>
             </a:fld>
             <a:endParaRPr lang="ko-KR" altLang="en-US"/>
           </a:p>
@@ -1980,13 +1733,7 @@
       </p:sp>
       <p:sp>
         <p:nvSpPr>
-          <p:cNvPr id="4" name="Footer Placeholder 3">
-            <a:extLst>
-              <a:ext uri="{FF2B5EF4-FFF2-40B4-BE49-F238E27FC236}">
-                <a16:creationId xmlns:a16="http://schemas.microsoft.com/office/drawing/2014/main" id="{B5E4AFD1-27A9-624A-9652-8894D90CA33D}"/>
-              </a:ext>
-            </a:extLst>
-          </p:cNvPr>
+          <p:cNvPr id="4" name="Footer Placeholder 3"/>
           <p:cNvSpPr>
             <a:spLocks noGrp="1"/>
           </p:cNvSpPr>
@@ -2005,13 +1752,7 @@
       </p:sp>
       <p:sp>
         <p:nvSpPr>
-          <p:cNvPr id="5" name="Slide Number Placeholder 4">
-            <a:extLst>
-              <a:ext uri="{FF2B5EF4-FFF2-40B4-BE49-F238E27FC236}">
-                <a16:creationId xmlns:a16="http://schemas.microsoft.com/office/drawing/2014/main" id="{24E44E3E-5AD1-F4AC-AD1E-1337C36CA119}"/>
-              </a:ext>
-            </a:extLst>
-          </p:cNvPr>
+          <p:cNvPr id="5" name="Slide Number Placeholder 4"/>
           <p:cNvSpPr>
             <a:spLocks noGrp="1"/>
           </p:cNvSpPr>
@@ -2035,7 +1776,7 @@
     </p:spTree>
     <p:extLst>
       <p:ext uri="{BB962C8B-B14F-4D97-AF65-F5344CB8AC3E}">
-        <p14:creationId xmlns:p14="http://schemas.microsoft.com/office/powerpoint/2010/main" val="484071674"/>
+        <p14:creationId xmlns:p14="http://schemas.microsoft.com/office/powerpoint/2010/main" val="200939859"/>
       </p:ext>
     </p:extLst>
   </p:cSld>
@@ -2064,13 +1805,7 @@
       </p:grpSpPr>
       <p:sp>
         <p:nvSpPr>
-          <p:cNvPr id="2" name="Date Placeholder 1">
-            <a:extLst>
-              <a:ext uri="{FF2B5EF4-FFF2-40B4-BE49-F238E27FC236}">
-                <a16:creationId xmlns:a16="http://schemas.microsoft.com/office/drawing/2014/main" id="{7843347A-D21E-6E3F-BEEA-3CBA59CE47A1}"/>
-              </a:ext>
-            </a:extLst>
-          </p:cNvPr>
+          <p:cNvPr id="2" name="Date Placeholder 1"/>
           <p:cNvSpPr>
             <a:spLocks noGrp="1"/>
           </p:cNvSpPr>
@@ -2085,7 +1820,7 @@
           <a:p>
             <a:fld id="{FCFD76E8-DBDF-4EEF-BF39-62FDC92C57F2}" type="datetimeFigureOut">
               <a:rPr lang="ko-KR" altLang="en-US" smtClean="0"/>
-              <a:t>2024-04-05</a:t>
+              <a:t>2024-04-06</a:t>
             </a:fld>
             <a:endParaRPr lang="ko-KR" altLang="en-US"/>
           </a:p>
@@ -2093,13 +1828,7 @@
       </p:sp>
       <p:sp>
         <p:nvSpPr>
-          <p:cNvPr id="3" name="Footer Placeholder 2">
-            <a:extLst>
-              <a:ext uri="{FF2B5EF4-FFF2-40B4-BE49-F238E27FC236}">
-                <a16:creationId xmlns:a16="http://schemas.microsoft.com/office/drawing/2014/main" id="{60DEF33A-AA81-11E0-E90D-4D144F2C6FC9}"/>
-              </a:ext>
-            </a:extLst>
-          </p:cNvPr>
+          <p:cNvPr id="3" name="Footer Placeholder 2"/>
           <p:cNvSpPr>
             <a:spLocks noGrp="1"/>
           </p:cNvSpPr>
@@ -2118,13 +1847,7 @@
       </p:sp>
       <p:sp>
         <p:nvSpPr>
-          <p:cNvPr id="4" name="Slide Number Placeholder 3">
-            <a:extLst>
-              <a:ext uri="{FF2B5EF4-FFF2-40B4-BE49-F238E27FC236}">
-                <a16:creationId xmlns:a16="http://schemas.microsoft.com/office/drawing/2014/main" id="{3EB0AA2C-6F56-491F-684E-F5346CAB6B1A}"/>
-              </a:ext>
-            </a:extLst>
-          </p:cNvPr>
+          <p:cNvPr id="4" name="Slide Number Placeholder 3"/>
           <p:cNvSpPr>
             <a:spLocks noGrp="1"/>
           </p:cNvSpPr>
@@ -2148,7 +1871,7 @@
     </p:spTree>
     <p:extLst>
       <p:ext uri="{BB962C8B-B14F-4D97-AF65-F5344CB8AC3E}">
-        <p14:creationId xmlns:p14="http://schemas.microsoft.com/office/powerpoint/2010/main" val="397147780"/>
+        <p14:creationId xmlns:p14="http://schemas.microsoft.com/office/powerpoint/2010/main" val="1901007448"/>
       </p:ext>
     </p:extLst>
   </p:cSld>
@@ -2177,13 +1900,7 @@
       </p:grpSpPr>
       <p:sp>
         <p:nvSpPr>
-          <p:cNvPr id="2" name="Title 1">
-            <a:extLst>
-              <a:ext uri="{FF2B5EF4-FFF2-40B4-BE49-F238E27FC236}">
-                <a16:creationId xmlns:a16="http://schemas.microsoft.com/office/drawing/2014/main" id="{A1ABD513-801C-4741-7236-1C467CC08AD8}"/>
-              </a:ext>
-            </a:extLst>
-          </p:cNvPr>
+          <p:cNvPr id="2" name="Title 1"/>
           <p:cNvSpPr>
             <a:spLocks noGrp="1"/>
           </p:cNvSpPr>
@@ -2193,15 +1910,15 @@
         </p:nvSpPr>
         <p:spPr>
           <a:xfrm>
-            <a:off x="839788" y="457200"/>
-            <a:ext cx="3932237" cy="1600200"/>
+            <a:off x="1239890" y="1200044"/>
+            <a:ext cx="5805682" cy="4200155"/>
           </a:xfrm>
         </p:spPr>
         <p:txBody>
           <a:bodyPr anchor="b"/>
           <a:lstStyle>
             <a:lvl1pPr>
-              <a:defRPr sz="3200"/>
+              <a:defRPr sz="6300"/>
             </a:lvl1pPr>
           </a:lstStyle>
           <a:p>
@@ -2209,19 +1926,13 @@
               <a:rPr lang="en-US" altLang="ko-KR"/>
               <a:t>Click to edit Master title style</a:t>
             </a:r>
-            <a:endParaRPr lang="ko-KR" altLang="en-US"/>
-          </a:p>
-        </p:txBody>
-      </p:sp>
-      <p:sp>
-        <p:nvSpPr>
-          <p:cNvPr id="3" name="Content Placeholder 2">
-            <a:extLst>
-              <a:ext uri="{FF2B5EF4-FFF2-40B4-BE49-F238E27FC236}">
-                <a16:creationId xmlns:a16="http://schemas.microsoft.com/office/drawing/2014/main" id="{804B7C1B-6C32-C539-26BC-8B3534DC4C53}"/>
-              </a:ext>
-            </a:extLst>
-          </p:cNvPr>
+            <a:endParaRPr lang="en-US" dirty="0"/>
+          </a:p>
+        </p:txBody>
+      </p:sp>
+      <p:sp>
+        <p:nvSpPr>
+          <p:cNvPr id="3" name="Content Placeholder 2"/>
           <p:cNvSpPr>
             <a:spLocks noGrp="1"/>
           </p:cNvSpPr>
@@ -2231,39 +1942,39 @@
         </p:nvSpPr>
         <p:spPr>
           <a:xfrm>
-            <a:off x="5183188" y="987425"/>
-            <a:ext cx="6172200" cy="4873625"/>
+            <a:off x="7652626" y="2591766"/>
+            <a:ext cx="9112836" cy="12792138"/>
           </a:xfrm>
         </p:spPr>
         <p:txBody>
           <a:bodyPr/>
           <a:lstStyle>
             <a:lvl1pPr>
-              <a:defRPr sz="3200"/>
+              <a:defRPr sz="6300"/>
             </a:lvl1pPr>
             <a:lvl2pPr>
-              <a:defRPr sz="2800"/>
+              <a:defRPr sz="5512"/>
             </a:lvl2pPr>
             <a:lvl3pPr>
-              <a:defRPr sz="2400"/>
+              <a:defRPr sz="4725"/>
             </a:lvl3pPr>
             <a:lvl4pPr>
-              <a:defRPr sz="2000"/>
+              <a:defRPr sz="3937"/>
             </a:lvl4pPr>
             <a:lvl5pPr>
-              <a:defRPr sz="2000"/>
+              <a:defRPr sz="3937"/>
             </a:lvl5pPr>
             <a:lvl6pPr>
-              <a:defRPr sz="2000"/>
+              <a:defRPr sz="3937"/>
             </a:lvl6pPr>
             <a:lvl7pPr>
-              <a:defRPr sz="2000"/>
+              <a:defRPr sz="3937"/>
             </a:lvl7pPr>
             <a:lvl8pPr>
-              <a:defRPr sz="2000"/>
+              <a:defRPr sz="3937"/>
             </a:lvl8pPr>
             <a:lvl9pPr>
-              <a:defRPr sz="2000"/>
+              <a:defRPr sz="3937"/>
             </a:lvl9pPr>
           </a:lstStyle>
           <a:p>
@@ -2300,19 +2011,13 @@
               <a:rPr lang="en-US" altLang="ko-KR"/>
               <a:t>Fifth level</a:t>
             </a:r>
-            <a:endParaRPr lang="ko-KR" altLang="en-US"/>
-          </a:p>
-        </p:txBody>
-      </p:sp>
-      <p:sp>
-        <p:nvSpPr>
-          <p:cNvPr id="4" name="Text Placeholder 3">
-            <a:extLst>
-              <a:ext uri="{FF2B5EF4-FFF2-40B4-BE49-F238E27FC236}">
-                <a16:creationId xmlns:a16="http://schemas.microsoft.com/office/drawing/2014/main" id="{9273AFCE-4FC2-D762-3B3E-1D6103370005}"/>
-              </a:ext>
-            </a:extLst>
-          </p:cNvPr>
+            <a:endParaRPr lang="en-US" dirty="0"/>
+          </a:p>
+        </p:txBody>
+      </p:sp>
+      <p:sp>
+        <p:nvSpPr>
+          <p:cNvPr id="4" name="Text Placeholder 3"/>
           <p:cNvSpPr>
             <a:spLocks noGrp="1"/>
           </p:cNvSpPr>
@@ -2322,8 +2027,8 @@
         </p:nvSpPr>
         <p:spPr>
           <a:xfrm>
-            <a:off x="839788" y="2057400"/>
-            <a:ext cx="3932237" cy="3811588"/>
+            <a:off x="1239890" y="5400199"/>
+            <a:ext cx="5805682" cy="10004536"/>
           </a:xfrm>
         </p:spPr>
         <p:txBody>
@@ -2331,39 +2036,39 @@
           <a:lstStyle>
             <a:lvl1pPr marL="0" indent="0">
               <a:buNone/>
-              <a:defRPr sz="1600"/>
+              <a:defRPr sz="3150"/>
             </a:lvl1pPr>
-            <a:lvl2pPr marL="457200" indent="0">
-              <a:buNone/>
-              <a:defRPr sz="1400"/>
+            <a:lvl2pPr marL="900044" indent="0">
+              <a:buNone/>
+              <a:defRPr sz="2756"/>
             </a:lvl2pPr>
-            <a:lvl3pPr marL="914400" indent="0">
-              <a:buNone/>
-              <a:defRPr sz="1200"/>
+            <a:lvl3pPr marL="1800088" indent="0">
+              <a:buNone/>
+              <a:defRPr sz="2362"/>
             </a:lvl3pPr>
-            <a:lvl4pPr marL="1371600" indent="0">
-              <a:buNone/>
-              <a:defRPr sz="1000"/>
+            <a:lvl4pPr marL="2700132" indent="0">
+              <a:buNone/>
+              <a:defRPr sz="1969"/>
             </a:lvl4pPr>
-            <a:lvl5pPr marL="1828800" indent="0">
-              <a:buNone/>
-              <a:defRPr sz="1000"/>
+            <a:lvl5pPr marL="3600176" indent="0">
+              <a:buNone/>
+              <a:defRPr sz="1969"/>
             </a:lvl5pPr>
-            <a:lvl6pPr marL="2286000" indent="0">
-              <a:buNone/>
-              <a:defRPr sz="1000"/>
+            <a:lvl6pPr marL="4500220" indent="0">
+              <a:buNone/>
+              <a:defRPr sz="1969"/>
             </a:lvl6pPr>
-            <a:lvl7pPr marL="2743200" indent="0">
-              <a:buNone/>
-              <a:defRPr sz="1000"/>
+            <a:lvl7pPr marL="5400264" indent="0">
+              <a:buNone/>
+              <a:defRPr sz="1969"/>
             </a:lvl7pPr>
-            <a:lvl8pPr marL="3200400" indent="0">
-              <a:buNone/>
-              <a:defRPr sz="1000"/>
+            <a:lvl8pPr marL="6300307" indent="0">
+              <a:buNone/>
+              <a:defRPr sz="1969"/>
             </a:lvl8pPr>
-            <a:lvl9pPr marL="3657600" indent="0">
-              <a:buNone/>
-              <a:defRPr sz="1000"/>
+            <a:lvl9pPr marL="7200351" indent="0">
+              <a:buNone/>
+              <a:defRPr sz="1969"/>
             </a:lvl9pPr>
           </a:lstStyle>
           <a:p>
@@ -2377,13 +2082,7 @@
       </p:sp>
       <p:sp>
         <p:nvSpPr>
-          <p:cNvPr id="5" name="Date Placeholder 4">
-            <a:extLst>
-              <a:ext uri="{FF2B5EF4-FFF2-40B4-BE49-F238E27FC236}">
-                <a16:creationId xmlns:a16="http://schemas.microsoft.com/office/drawing/2014/main" id="{AEECA789-457E-4562-6A48-C0996B1819D4}"/>
-              </a:ext>
-            </a:extLst>
-          </p:cNvPr>
+          <p:cNvPr id="5" name="Date Placeholder 4"/>
           <p:cNvSpPr>
             <a:spLocks noGrp="1"/>
           </p:cNvSpPr>
@@ -2398,7 +2097,7 @@
           <a:p>
             <a:fld id="{FCFD76E8-DBDF-4EEF-BF39-62FDC92C57F2}" type="datetimeFigureOut">
               <a:rPr lang="ko-KR" altLang="en-US" smtClean="0"/>
-              <a:t>2024-04-05</a:t>
+              <a:t>2024-04-06</a:t>
             </a:fld>
             <a:endParaRPr lang="ko-KR" altLang="en-US"/>
           </a:p>
@@ -2406,13 +2105,7 @@
       </p:sp>
       <p:sp>
         <p:nvSpPr>
-          <p:cNvPr id="6" name="Footer Placeholder 5">
-            <a:extLst>
-              <a:ext uri="{FF2B5EF4-FFF2-40B4-BE49-F238E27FC236}">
-                <a16:creationId xmlns:a16="http://schemas.microsoft.com/office/drawing/2014/main" id="{8D9A0138-8BBF-F130-0667-609674E73B61}"/>
-              </a:ext>
-            </a:extLst>
-          </p:cNvPr>
+          <p:cNvPr id="6" name="Footer Placeholder 5"/>
           <p:cNvSpPr>
             <a:spLocks noGrp="1"/>
           </p:cNvSpPr>
@@ -2431,13 +2124,7 @@
       </p:sp>
       <p:sp>
         <p:nvSpPr>
-          <p:cNvPr id="7" name="Slide Number Placeholder 6">
-            <a:extLst>
-              <a:ext uri="{FF2B5EF4-FFF2-40B4-BE49-F238E27FC236}">
-                <a16:creationId xmlns:a16="http://schemas.microsoft.com/office/drawing/2014/main" id="{A49CAC45-D8DB-3CA6-7AF3-53432C42E946}"/>
-              </a:ext>
-            </a:extLst>
-          </p:cNvPr>
+          <p:cNvPr id="7" name="Slide Number Placeholder 6"/>
           <p:cNvSpPr>
             <a:spLocks noGrp="1"/>
           </p:cNvSpPr>
@@ -2461,7 +2148,7 @@
     </p:spTree>
     <p:extLst>
       <p:ext uri="{BB962C8B-B14F-4D97-AF65-F5344CB8AC3E}">
-        <p14:creationId xmlns:p14="http://schemas.microsoft.com/office/powerpoint/2010/main" val="3179583558"/>
+        <p14:creationId xmlns:p14="http://schemas.microsoft.com/office/powerpoint/2010/main" val="3936381075"/>
       </p:ext>
     </p:extLst>
   </p:cSld>
@@ -2490,13 +2177,7 @@
       </p:grpSpPr>
       <p:sp>
         <p:nvSpPr>
-          <p:cNvPr id="2" name="Title 1">
-            <a:extLst>
-              <a:ext uri="{FF2B5EF4-FFF2-40B4-BE49-F238E27FC236}">
-                <a16:creationId xmlns:a16="http://schemas.microsoft.com/office/drawing/2014/main" id="{03E2E895-A55D-FD08-C9F5-59DF266B3CC2}"/>
-              </a:ext>
-            </a:extLst>
-          </p:cNvPr>
+          <p:cNvPr id="2" name="Title 1"/>
           <p:cNvSpPr>
             <a:spLocks noGrp="1"/>
           </p:cNvSpPr>
@@ -2506,15 +2187,15 @@
         </p:nvSpPr>
         <p:spPr>
           <a:xfrm>
-            <a:off x="839788" y="457200"/>
-            <a:ext cx="3932237" cy="1600200"/>
+            <a:off x="1239890" y="1200044"/>
+            <a:ext cx="5805682" cy="4200155"/>
           </a:xfrm>
         </p:spPr>
         <p:txBody>
           <a:bodyPr anchor="b"/>
           <a:lstStyle>
             <a:lvl1pPr>
-              <a:defRPr sz="3200"/>
+              <a:defRPr sz="6300"/>
             </a:lvl1pPr>
           </a:lstStyle>
           <a:p>
@@ -2522,21 +2203,15 @@
               <a:rPr lang="en-US" altLang="ko-KR"/>
               <a:t>Click to edit Master title style</a:t>
             </a:r>
-            <a:endParaRPr lang="ko-KR" altLang="en-US"/>
-          </a:p>
-        </p:txBody>
-      </p:sp>
-      <p:sp>
-        <p:nvSpPr>
-          <p:cNvPr id="3" name="Picture Placeholder 2">
-            <a:extLst>
-              <a:ext uri="{FF2B5EF4-FFF2-40B4-BE49-F238E27FC236}">
-                <a16:creationId xmlns:a16="http://schemas.microsoft.com/office/drawing/2014/main" id="{7025DCFE-EAE4-7B09-41F8-998F35ABB3E5}"/>
-              </a:ext>
-            </a:extLst>
-          </p:cNvPr>
-          <p:cNvSpPr>
-            <a:spLocks noGrp="1"/>
+            <a:endParaRPr lang="en-US" dirty="0"/>
+          </a:p>
+        </p:txBody>
+      </p:sp>
+      <p:sp>
+        <p:nvSpPr>
+          <p:cNvPr id="3" name="Picture Placeholder 2"/>
+          <p:cNvSpPr>
+            <a:spLocks noGrp="1" noChangeAspect="1"/>
           </p:cNvSpPr>
           <p:nvPr>
             <p:ph type="pic" idx="1"/>
@@ -2544,8 +2219,73 @@
         </p:nvSpPr>
         <p:spPr>
           <a:xfrm>
-            <a:off x="5183188" y="987425"/>
-            <a:ext cx="6172200" cy="4873625"/>
+            <a:off x="7652626" y="2591766"/>
+            <a:ext cx="9112836" cy="12792138"/>
+          </a:xfrm>
+        </p:spPr>
+        <p:txBody>
+          <a:bodyPr anchor="t"/>
+          <a:lstStyle>
+            <a:lvl1pPr marL="0" indent="0">
+              <a:buNone/>
+              <a:defRPr sz="6300"/>
+            </a:lvl1pPr>
+            <a:lvl2pPr marL="900044" indent="0">
+              <a:buNone/>
+              <a:defRPr sz="5512"/>
+            </a:lvl2pPr>
+            <a:lvl3pPr marL="1800088" indent="0">
+              <a:buNone/>
+              <a:defRPr sz="4725"/>
+            </a:lvl3pPr>
+            <a:lvl4pPr marL="2700132" indent="0">
+              <a:buNone/>
+              <a:defRPr sz="3937"/>
+            </a:lvl4pPr>
+            <a:lvl5pPr marL="3600176" indent="0">
+              <a:buNone/>
+              <a:defRPr sz="3937"/>
+            </a:lvl5pPr>
+            <a:lvl6pPr marL="4500220" indent="0">
+              <a:buNone/>
+              <a:defRPr sz="3937"/>
+            </a:lvl6pPr>
+            <a:lvl7pPr marL="5400264" indent="0">
+              <a:buNone/>
+              <a:defRPr sz="3937"/>
+            </a:lvl7pPr>
+            <a:lvl8pPr marL="6300307" indent="0">
+              <a:buNone/>
+              <a:defRPr sz="3937"/>
+            </a:lvl8pPr>
+            <a:lvl9pPr marL="7200351" indent="0">
+              <a:buNone/>
+              <a:defRPr sz="3937"/>
+            </a:lvl9pPr>
+          </a:lstStyle>
+          <a:p>
+            <a:r>
+              <a:rPr lang="en-US" altLang="ko-KR"/>
+              <a:t>Click icon to add picture</a:t>
+            </a:r>
+            <a:endParaRPr lang="en-US" dirty="0"/>
+          </a:p>
+        </p:txBody>
+      </p:sp>
+      <p:sp>
+        <p:nvSpPr>
+          <p:cNvPr id="4" name="Text Placeholder 3"/>
+          <p:cNvSpPr>
+            <a:spLocks noGrp="1"/>
+          </p:cNvSpPr>
+          <p:nvPr>
+            <p:ph type="body" sz="half" idx="2"/>
+          </p:nvPr>
+        </p:nvSpPr>
+        <p:spPr>
+          <a:xfrm>
+            <a:off x="1239890" y="5400199"/>
+            <a:ext cx="5805682" cy="10004536"/>
           </a:xfrm>
         </p:spPr>
         <p:txBody>
@@ -2553,109 +2293,42 @@
           <a:lstStyle>
             <a:lvl1pPr marL="0" indent="0">
               <a:buNone/>
-              <a:defRPr sz="3200"/>
+              <a:defRPr sz="3150"/>
             </a:lvl1pPr>
-            <a:lvl2pPr marL="457200" indent="0">
-              <a:buNone/>
-              <a:defRPr sz="2800"/>
+            <a:lvl2pPr marL="900044" indent="0">
+              <a:buNone/>
+              <a:defRPr sz="2756"/>
             </a:lvl2pPr>
-            <a:lvl3pPr marL="914400" indent="0">
-              <a:buNone/>
-              <a:defRPr sz="2400"/>
+            <a:lvl3pPr marL="1800088" indent="0">
+              <a:buNone/>
+              <a:defRPr sz="2362"/>
             </a:lvl3pPr>
-            <a:lvl4pPr marL="1371600" indent="0">
-              <a:buNone/>
-              <a:defRPr sz="2000"/>
+            <a:lvl4pPr marL="2700132" indent="0">
+              <a:buNone/>
+              <a:defRPr sz="1969"/>
             </a:lvl4pPr>
-            <a:lvl5pPr marL="1828800" indent="0">
-              <a:buNone/>
-              <a:defRPr sz="2000"/>
+            <a:lvl5pPr marL="3600176" indent="0">
+              <a:buNone/>
+              <a:defRPr sz="1969"/>
             </a:lvl5pPr>
-            <a:lvl6pPr marL="2286000" indent="0">
-              <a:buNone/>
-              <a:defRPr sz="2000"/>
+            <a:lvl6pPr marL="4500220" indent="0">
+              <a:buNone/>
+              <a:defRPr sz="1969"/>
             </a:lvl6pPr>
-            <a:lvl7pPr marL="2743200" indent="0">
-              <a:buNone/>
-              <a:defRPr sz="2000"/>
+            <a:lvl7pPr marL="5400264" indent="0">
+              <a:buNone/>
+              <a:defRPr sz="1969"/>
             </a:lvl7pPr>
-            <a:lvl8pPr marL="3200400" indent="0">
-              <a:buNone/>
-              <a:defRPr sz="2000"/>
+            <a:lvl8pPr marL="6300307" indent="0">
+              <a:buNone/>
+              <a:defRPr sz="1969"/>
             </a:lvl8pPr>
-            <a:lvl9pPr marL="3657600" indent="0">
-              <a:buNone/>
-              <a:defRPr sz="2000"/>
+            <a:lvl9pPr marL="7200351" indent="0">
+              <a:buNone/>
+              <a:defRPr sz="1969"/>
             </a:lvl9pPr>
           </a:lstStyle>
           <a:p>
-            <a:endParaRPr lang="ko-KR" altLang="en-US"/>
-          </a:p>
-        </p:txBody>
-      </p:sp>
-      <p:sp>
-        <p:nvSpPr>
-          <p:cNvPr id="4" name="Text Placeholder 3">
-            <a:extLst>
-              <a:ext uri="{FF2B5EF4-FFF2-40B4-BE49-F238E27FC236}">
-                <a16:creationId xmlns:a16="http://schemas.microsoft.com/office/drawing/2014/main" id="{AF9D42FC-AB90-6243-3618-6B634E9DD538}"/>
-              </a:ext>
-            </a:extLst>
-          </p:cNvPr>
-          <p:cNvSpPr>
-            <a:spLocks noGrp="1"/>
-          </p:cNvSpPr>
-          <p:nvPr>
-            <p:ph type="body" sz="half" idx="2"/>
-          </p:nvPr>
-        </p:nvSpPr>
-        <p:spPr>
-          <a:xfrm>
-            <a:off x="839788" y="2057400"/>
-            <a:ext cx="3932237" cy="3811588"/>
-          </a:xfrm>
-        </p:spPr>
-        <p:txBody>
-          <a:bodyPr/>
-          <a:lstStyle>
-            <a:lvl1pPr marL="0" indent="0">
-              <a:buNone/>
-              <a:defRPr sz="1600"/>
-            </a:lvl1pPr>
-            <a:lvl2pPr marL="457200" indent="0">
-              <a:buNone/>
-              <a:defRPr sz="1400"/>
-            </a:lvl2pPr>
-            <a:lvl3pPr marL="914400" indent="0">
-              <a:buNone/>
-              <a:defRPr sz="1200"/>
-            </a:lvl3pPr>
-            <a:lvl4pPr marL="1371600" indent="0">
-              <a:buNone/>
-              <a:defRPr sz="1000"/>
-            </a:lvl4pPr>
-            <a:lvl5pPr marL="1828800" indent="0">
-              <a:buNone/>
-              <a:defRPr sz="1000"/>
-            </a:lvl5pPr>
-            <a:lvl6pPr marL="2286000" indent="0">
-              <a:buNone/>
-              <a:defRPr sz="1000"/>
-            </a:lvl6pPr>
-            <a:lvl7pPr marL="2743200" indent="0">
-              <a:buNone/>
-              <a:defRPr sz="1000"/>
-            </a:lvl7pPr>
-            <a:lvl8pPr marL="3200400" indent="0">
-              <a:buNone/>
-              <a:defRPr sz="1000"/>
-            </a:lvl8pPr>
-            <a:lvl9pPr marL="3657600" indent="0">
-              <a:buNone/>
-              <a:defRPr sz="1000"/>
-            </a:lvl9pPr>
-          </a:lstStyle>
-          <a:p>
             <a:pPr lvl="0"/>
             <a:r>
               <a:rPr lang="en-US" altLang="ko-KR"/>
@@ -2666,13 +2339,7 @@
       </p:sp>
       <p:sp>
         <p:nvSpPr>
-          <p:cNvPr id="5" name="Date Placeholder 4">
-            <a:extLst>
-              <a:ext uri="{FF2B5EF4-FFF2-40B4-BE49-F238E27FC236}">
-                <a16:creationId xmlns:a16="http://schemas.microsoft.com/office/drawing/2014/main" id="{42A55AF6-92A6-2DBB-A70A-9A9D727A6125}"/>
-              </a:ext>
-            </a:extLst>
-          </p:cNvPr>
+          <p:cNvPr id="5" name="Date Placeholder 4"/>
           <p:cNvSpPr>
             <a:spLocks noGrp="1"/>
           </p:cNvSpPr>
@@ -2687,7 +2354,7 @@
           <a:p>
             <a:fld id="{FCFD76E8-DBDF-4EEF-BF39-62FDC92C57F2}" type="datetimeFigureOut">
               <a:rPr lang="ko-KR" altLang="en-US" smtClean="0"/>
-              <a:t>2024-04-05</a:t>
+              <a:t>2024-04-06</a:t>
             </a:fld>
             <a:endParaRPr lang="ko-KR" altLang="en-US"/>
           </a:p>
@@ -2695,13 +2362,7 @@
       </p:sp>
       <p:sp>
         <p:nvSpPr>
-          <p:cNvPr id="6" name="Footer Placeholder 5">
-            <a:extLst>
-              <a:ext uri="{FF2B5EF4-FFF2-40B4-BE49-F238E27FC236}">
-                <a16:creationId xmlns:a16="http://schemas.microsoft.com/office/drawing/2014/main" id="{50414317-2DBC-09A0-1328-EF56300158BB}"/>
-              </a:ext>
-            </a:extLst>
-          </p:cNvPr>
+          <p:cNvPr id="6" name="Footer Placeholder 5"/>
           <p:cNvSpPr>
             <a:spLocks noGrp="1"/>
           </p:cNvSpPr>
@@ -2720,13 +2381,7 @@
       </p:sp>
       <p:sp>
         <p:nvSpPr>
-          <p:cNvPr id="7" name="Slide Number Placeholder 6">
-            <a:extLst>
-              <a:ext uri="{FF2B5EF4-FFF2-40B4-BE49-F238E27FC236}">
-                <a16:creationId xmlns:a16="http://schemas.microsoft.com/office/drawing/2014/main" id="{E27E2DBE-DF37-CF02-DCED-4B5FEEB6924A}"/>
-              </a:ext>
-            </a:extLst>
-          </p:cNvPr>
+          <p:cNvPr id="7" name="Slide Number Placeholder 6"/>
           <p:cNvSpPr>
             <a:spLocks noGrp="1"/>
           </p:cNvSpPr>
@@ -2750,7 +2405,7 @@
     </p:spTree>
     <p:extLst>
       <p:ext uri="{BB962C8B-B14F-4D97-AF65-F5344CB8AC3E}">
-        <p14:creationId xmlns:p14="http://schemas.microsoft.com/office/powerpoint/2010/main" val="1256087188"/>
+        <p14:creationId xmlns:p14="http://schemas.microsoft.com/office/powerpoint/2010/main" val="2686466592"/>
       </p:ext>
     </p:extLst>
   </p:cSld>
@@ -2784,13 +2439,7 @@
       </p:grpSpPr>
       <p:sp>
         <p:nvSpPr>
-          <p:cNvPr id="2" name="Title Placeholder 1">
-            <a:extLst>
-              <a:ext uri="{FF2B5EF4-FFF2-40B4-BE49-F238E27FC236}">
-                <a16:creationId xmlns:a16="http://schemas.microsoft.com/office/drawing/2014/main" id="{1E90ADF8-CC10-F97D-2A7E-0FCA721FE04C}"/>
-              </a:ext>
-            </a:extLst>
-          </p:cNvPr>
+          <p:cNvPr id="2" name="Title Placeholder 1"/>
           <p:cNvSpPr>
             <a:spLocks noGrp="1"/>
           </p:cNvSpPr>
@@ -2800,8 +2449,8 @@
         </p:nvSpPr>
         <p:spPr>
           <a:xfrm>
-            <a:off x="838200" y="365125"/>
-            <a:ext cx="10515600" cy="1325563"/>
+            <a:off x="1237546" y="958373"/>
+            <a:ext cx="15525572" cy="3479296"/>
           </a:xfrm>
           <a:prstGeom prst="rect">
             <a:avLst/>
@@ -2817,19 +2466,13 @@
               <a:rPr lang="en-US" altLang="ko-KR"/>
               <a:t>Click to edit Master title style</a:t>
             </a:r>
-            <a:endParaRPr lang="ko-KR" altLang="en-US"/>
-          </a:p>
-        </p:txBody>
-      </p:sp>
-      <p:sp>
-        <p:nvSpPr>
-          <p:cNvPr id="3" name="Text Placeholder 2">
-            <a:extLst>
-              <a:ext uri="{FF2B5EF4-FFF2-40B4-BE49-F238E27FC236}">
-                <a16:creationId xmlns:a16="http://schemas.microsoft.com/office/drawing/2014/main" id="{BF380DDD-9534-0215-4676-EDEE1B5FFCDF}"/>
-              </a:ext>
-            </a:extLst>
-          </p:cNvPr>
+            <a:endParaRPr lang="en-US" dirty="0"/>
+          </a:p>
+        </p:txBody>
+      </p:sp>
+      <p:sp>
+        <p:nvSpPr>
+          <p:cNvPr id="3" name="Text Placeholder 2"/>
           <p:cNvSpPr>
             <a:spLocks noGrp="1"/>
           </p:cNvSpPr>
@@ -2839,8 +2482,8 @@
         </p:nvSpPr>
         <p:spPr>
           <a:xfrm>
-            <a:off x="838200" y="1825625"/>
-            <a:ext cx="10515600" cy="4351338"/>
+            <a:off x="1237546" y="4791843"/>
+            <a:ext cx="15525572" cy="11421255"/>
           </a:xfrm>
           <a:prstGeom prst="rect">
             <a:avLst/>
@@ -2885,19 +2528,13 @@
               <a:rPr lang="en-US" altLang="ko-KR"/>
               <a:t>Fifth level</a:t>
             </a:r>
-            <a:endParaRPr lang="ko-KR" altLang="en-US"/>
-          </a:p>
-        </p:txBody>
-      </p:sp>
-      <p:sp>
-        <p:nvSpPr>
-          <p:cNvPr id="4" name="Date Placeholder 3">
-            <a:extLst>
-              <a:ext uri="{FF2B5EF4-FFF2-40B4-BE49-F238E27FC236}">
-                <a16:creationId xmlns:a16="http://schemas.microsoft.com/office/drawing/2014/main" id="{6CC14078-54CE-354A-3DC0-6BDF2DDCD3C9}"/>
-              </a:ext>
-            </a:extLst>
-          </p:cNvPr>
+            <a:endParaRPr lang="en-US" dirty="0"/>
+          </a:p>
+        </p:txBody>
+      </p:sp>
+      <p:sp>
+        <p:nvSpPr>
+          <p:cNvPr id="4" name="Date Placeholder 3"/>
           <p:cNvSpPr>
             <a:spLocks noGrp="1"/>
           </p:cNvSpPr>
@@ -2907,8 +2544,8 @@
         </p:nvSpPr>
         <p:spPr>
           <a:xfrm>
-            <a:off x="838200" y="6356350"/>
-            <a:ext cx="2743200" cy="365125"/>
+            <a:off x="1237546" y="16683952"/>
+            <a:ext cx="4050149" cy="958369"/>
           </a:xfrm>
           <a:prstGeom prst="rect">
             <a:avLst/>
@@ -2918,7 +2555,7 @@
           <a:bodyPr vert="horz" lIns="91440" tIns="45720" rIns="91440" bIns="45720" rtlCol="0" anchor="ctr"/>
           <a:lstStyle>
             <a:lvl1pPr algn="l">
-              <a:defRPr sz="1200">
+              <a:defRPr sz="2362">
                 <a:solidFill>
                   <a:schemeClr val="tx1">
                     <a:tint val="75000"/>
@@ -2930,7 +2567,7 @@
           <a:p>
             <a:fld id="{FCFD76E8-DBDF-4EEF-BF39-62FDC92C57F2}" type="datetimeFigureOut">
               <a:rPr lang="ko-KR" altLang="en-US" smtClean="0"/>
-              <a:t>2024-04-05</a:t>
+              <a:t>2024-04-06</a:t>
             </a:fld>
             <a:endParaRPr lang="ko-KR" altLang="en-US"/>
           </a:p>
@@ -2938,13 +2575,7 @@
       </p:sp>
       <p:sp>
         <p:nvSpPr>
-          <p:cNvPr id="5" name="Footer Placeholder 4">
-            <a:extLst>
-              <a:ext uri="{FF2B5EF4-FFF2-40B4-BE49-F238E27FC236}">
-                <a16:creationId xmlns:a16="http://schemas.microsoft.com/office/drawing/2014/main" id="{16A3AEF0-5F07-3A31-86BD-8FE56D4A3F2C}"/>
-              </a:ext>
-            </a:extLst>
-          </p:cNvPr>
+          <p:cNvPr id="5" name="Footer Placeholder 4"/>
           <p:cNvSpPr>
             <a:spLocks noGrp="1"/>
           </p:cNvSpPr>
@@ -2954,8 +2585,8 @@
         </p:nvSpPr>
         <p:spPr>
           <a:xfrm>
-            <a:off x="4038600" y="6356350"/>
-            <a:ext cx="4114800" cy="365125"/>
+            <a:off x="5962720" y="16683952"/>
+            <a:ext cx="6075224" cy="958369"/>
           </a:xfrm>
           <a:prstGeom prst="rect">
             <a:avLst/>
@@ -2965,7 +2596,7 @@
           <a:bodyPr vert="horz" lIns="91440" tIns="45720" rIns="91440" bIns="45720" rtlCol="0" anchor="ctr"/>
           <a:lstStyle>
             <a:lvl1pPr algn="ctr">
-              <a:defRPr sz="1200">
+              <a:defRPr sz="2362">
                 <a:solidFill>
                   <a:schemeClr val="tx1">
                     <a:tint val="75000"/>
@@ -2981,13 +2612,7 @@
       </p:sp>
       <p:sp>
         <p:nvSpPr>
-          <p:cNvPr id="6" name="Slide Number Placeholder 5">
-            <a:extLst>
-              <a:ext uri="{FF2B5EF4-FFF2-40B4-BE49-F238E27FC236}">
-                <a16:creationId xmlns:a16="http://schemas.microsoft.com/office/drawing/2014/main" id="{39A406EE-27C3-79AE-EE70-7604C5759ADD}"/>
-              </a:ext>
-            </a:extLst>
-          </p:cNvPr>
+          <p:cNvPr id="6" name="Slide Number Placeholder 5"/>
           <p:cNvSpPr>
             <a:spLocks noGrp="1"/>
           </p:cNvSpPr>
@@ -2997,8 +2622,8 @@
         </p:nvSpPr>
         <p:spPr>
           <a:xfrm>
-            <a:off x="8610600" y="6356350"/>
-            <a:ext cx="2743200" cy="365125"/>
+            <a:off x="12712968" y="16683952"/>
+            <a:ext cx="4050149" cy="958369"/>
           </a:xfrm>
           <a:prstGeom prst="rect">
             <a:avLst/>
@@ -3008,7 +2633,7 @@
           <a:bodyPr vert="horz" lIns="91440" tIns="45720" rIns="91440" bIns="45720" rtlCol="0" anchor="ctr"/>
           <a:lstStyle>
             <a:lvl1pPr algn="r">
-              <a:defRPr sz="1200">
+              <a:defRPr sz="2362">
                 <a:solidFill>
                   <a:schemeClr val="tx1">
                     <a:tint val="75000"/>
@@ -3029,27 +2654,27 @@
     </p:spTree>
     <p:extLst>
       <p:ext uri="{BB962C8B-B14F-4D97-AF65-F5344CB8AC3E}">
-        <p14:creationId xmlns:p14="http://schemas.microsoft.com/office/powerpoint/2010/main" val="2054681401"/>
+        <p14:creationId xmlns:p14="http://schemas.microsoft.com/office/powerpoint/2010/main" val="3627015945"/>
       </p:ext>
     </p:extLst>
   </p:cSld>
   <p:clrMap bg1="lt1" tx1="dk1" bg2="lt2" tx2="dk2" accent1="accent1" accent2="accent2" accent3="accent3" accent4="accent4" accent5="accent5" accent6="accent6" hlink="hlink" folHlink="folHlink"/>
   <p:sldLayoutIdLst>
-    <p:sldLayoutId id="2147483649" r:id="rId1"/>
-    <p:sldLayoutId id="2147483650" r:id="rId2"/>
-    <p:sldLayoutId id="2147483651" r:id="rId3"/>
-    <p:sldLayoutId id="2147483652" r:id="rId4"/>
-    <p:sldLayoutId id="2147483653" r:id="rId5"/>
-    <p:sldLayoutId id="2147483654" r:id="rId6"/>
-    <p:sldLayoutId id="2147483655" r:id="rId7"/>
-    <p:sldLayoutId id="2147483656" r:id="rId8"/>
-    <p:sldLayoutId id="2147483657" r:id="rId9"/>
-    <p:sldLayoutId id="2147483658" r:id="rId10"/>
-    <p:sldLayoutId id="2147483659" r:id="rId11"/>
+    <p:sldLayoutId id="2147483661" r:id="rId1"/>
+    <p:sldLayoutId id="2147483662" r:id="rId2"/>
+    <p:sldLayoutId id="2147483663" r:id="rId3"/>
+    <p:sldLayoutId id="2147483664" r:id="rId4"/>
+    <p:sldLayoutId id="2147483665" r:id="rId5"/>
+    <p:sldLayoutId id="2147483666" r:id="rId6"/>
+    <p:sldLayoutId id="2147483667" r:id="rId7"/>
+    <p:sldLayoutId id="2147483668" r:id="rId8"/>
+    <p:sldLayoutId id="2147483669" r:id="rId9"/>
+    <p:sldLayoutId id="2147483670" r:id="rId10"/>
+    <p:sldLayoutId id="2147483671" r:id="rId11"/>
   </p:sldLayoutIdLst>
   <p:txStyles>
     <p:titleStyle>
-      <a:lvl1pPr algn="l" defTabSz="914400" rtl="0" eaLnBrk="1" latinLnBrk="1" hangingPunct="1">
+      <a:lvl1pPr algn="l" defTabSz="1800088" rtl="0" eaLnBrk="1" latinLnBrk="1" hangingPunct="1">
         <a:lnSpc>
           <a:spcPct val="90000"/>
         </a:lnSpc>
@@ -3057,7 +2682,7 @@
           <a:spcPct val="0"/>
         </a:spcBef>
         <a:buNone/>
-        <a:defRPr sz="4400" kern="1200">
+        <a:defRPr sz="8662" kern="1200">
           <a:solidFill>
             <a:schemeClr val="tx1"/>
           </a:solidFill>
@@ -3068,16 +2693,16 @@
       </a:lvl1pPr>
     </p:titleStyle>
     <p:bodyStyle>
-      <a:lvl1pPr marL="228600" indent="-228600" algn="l" defTabSz="914400" rtl="0" eaLnBrk="1" latinLnBrk="1" hangingPunct="1">
+      <a:lvl1pPr marL="450022" indent="-450022" algn="l" defTabSz="1800088" rtl="0" eaLnBrk="1" latinLnBrk="1" hangingPunct="1">
         <a:lnSpc>
           <a:spcPct val="90000"/>
         </a:lnSpc>
         <a:spcBef>
-          <a:spcPts val="1000"/>
+          <a:spcPts val="1969"/>
         </a:spcBef>
         <a:buFont typeface="Arial" panose="020B0604020202020204" pitchFamily="34" charset="0"/>
         <a:buChar char="•"/>
-        <a:defRPr sz="2800" kern="1200">
+        <a:defRPr sz="5512" kern="1200">
           <a:solidFill>
             <a:schemeClr val="tx1"/>
           </a:solidFill>
@@ -3086,16 +2711,16 @@
           <a:cs typeface="+mn-cs"/>
         </a:defRPr>
       </a:lvl1pPr>
-      <a:lvl2pPr marL="685800" indent="-228600" algn="l" defTabSz="914400" rtl="0" eaLnBrk="1" latinLnBrk="1" hangingPunct="1">
+      <a:lvl2pPr marL="1350066" indent="-450022" algn="l" defTabSz="1800088" rtl="0" eaLnBrk="1" latinLnBrk="1" hangingPunct="1">
         <a:lnSpc>
           <a:spcPct val="90000"/>
         </a:lnSpc>
         <a:spcBef>
-          <a:spcPts val="500"/>
+          <a:spcPts val="984"/>
         </a:spcBef>
         <a:buFont typeface="Arial" panose="020B0604020202020204" pitchFamily="34" charset="0"/>
         <a:buChar char="•"/>
-        <a:defRPr sz="2400" kern="1200">
+        <a:defRPr sz="4725" kern="1200">
           <a:solidFill>
             <a:schemeClr val="tx1"/>
           </a:solidFill>
@@ -3104,16 +2729,16 @@
           <a:cs typeface="+mn-cs"/>
         </a:defRPr>
       </a:lvl2pPr>
-      <a:lvl3pPr marL="1143000" indent="-228600" algn="l" defTabSz="914400" rtl="0" eaLnBrk="1" latinLnBrk="1" hangingPunct="1">
+      <a:lvl3pPr marL="2250110" indent="-450022" algn="l" defTabSz="1800088" rtl="0" eaLnBrk="1" latinLnBrk="1" hangingPunct="1">
         <a:lnSpc>
           <a:spcPct val="90000"/>
         </a:lnSpc>
         <a:spcBef>
-          <a:spcPts val="500"/>
+          <a:spcPts val="984"/>
         </a:spcBef>
         <a:buFont typeface="Arial" panose="020B0604020202020204" pitchFamily="34" charset="0"/>
         <a:buChar char="•"/>
-        <a:defRPr sz="2000" kern="1200">
+        <a:defRPr sz="3937" kern="1200">
           <a:solidFill>
             <a:schemeClr val="tx1"/>
           </a:solidFill>
@@ -3122,16 +2747,16 @@
           <a:cs typeface="+mn-cs"/>
         </a:defRPr>
       </a:lvl3pPr>
-      <a:lvl4pPr marL="1600200" indent="-228600" algn="l" defTabSz="914400" rtl="0" eaLnBrk="1" latinLnBrk="1" hangingPunct="1">
+      <a:lvl4pPr marL="3150154" indent="-450022" algn="l" defTabSz="1800088" rtl="0" eaLnBrk="1" latinLnBrk="1" hangingPunct="1">
         <a:lnSpc>
           <a:spcPct val="90000"/>
         </a:lnSpc>
         <a:spcBef>
-          <a:spcPts val="500"/>
+          <a:spcPts val="984"/>
         </a:spcBef>
         <a:buFont typeface="Arial" panose="020B0604020202020204" pitchFamily="34" charset="0"/>
         <a:buChar char="•"/>
-        <a:defRPr sz="1800" kern="1200">
+        <a:defRPr sz="3543" kern="1200">
           <a:solidFill>
             <a:schemeClr val="tx1"/>
           </a:solidFill>
@@ -3140,16 +2765,16 @@
           <a:cs typeface="+mn-cs"/>
         </a:defRPr>
       </a:lvl4pPr>
-      <a:lvl5pPr marL="2057400" indent="-228600" algn="l" defTabSz="914400" rtl="0" eaLnBrk="1" latinLnBrk="1" hangingPunct="1">
+      <a:lvl5pPr marL="4050198" indent="-450022" algn="l" defTabSz="1800088" rtl="0" eaLnBrk="1" latinLnBrk="1" hangingPunct="1">
         <a:lnSpc>
           <a:spcPct val="90000"/>
         </a:lnSpc>
         <a:spcBef>
-          <a:spcPts val="500"/>
+          <a:spcPts val="984"/>
         </a:spcBef>
         <a:buFont typeface="Arial" panose="020B0604020202020204" pitchFamily="34" charset="0"/>
         <a:buChar char="•"/>
-        <a:defRPr sz="1800" kern="1200">
+        <a:defRPr sz="3543" kern="1200">
           <a:solidFill>
             <a:schemeClr val="tx1"/>
           </a:solidFill>
@@ -3158,16 +2783,16 @@
           <a:cs typeface="+mn-cs"/>
         </a:defRPr>
       </a:lvl5pPr>
-      <a:lvl6pPr marL="2514600" indent="-228600" algn="l" defTabSz="914400" rtl="0" eaLnBrk="1" latinLnBrk="1" hangingPunct="1">
+      <a:lvl6pPr marL="4950242" indent="-450022" algn="l" defTabSz="1800088" rtl="0" eaLnBrk="1" latinLnBrk="1" hangingPunct="1">
         <a:lnSpc>
           <a:spcPct val="90000"/>
         </a:lnSpc>
         <a:spcBef>
-          <a:spcPts val="500"/>
+          <a:spcPts val="984"/>
         </a:spcBef>
         <a:buFont typeface="Arial" panose="020B0604020202020204" pitchFamily="34" charset="0"/>
         <a:buChar char="•"/>
-        <a:defRPr sz="1800" kern="1200">
+        <a:defRPr sz="3543" kern="1200">
           <a:solidFill>
             <a:schemeClr val="tx1"/>
           </a:solidFill>
@@ -3176,16 +2801,16 @@
           <a:cs typeface="+mn-cs"/>
         </a:defRPr>
       </a:lvl6pPr>
-      <a:lvl7pPr marL="2971800" indent="-228600" algn="l" defTabSz="914400" rtl="0" eaLnBrk="1" latinLnBrk="1" hangingPunct="1">
+      <a:lvl7pPr marL="5850285" indent="-450022" algn="l" defTabSz="1800088" rtl="0" eaLnBrk="1" latinLnBrk="1" hangingPunct="1">
         <a:lnSpc>
           <a:spcPct val="90000"/>
         </a:lnSpc>
         <a:spcBef>
-          <a:spcPts val="500"/>
+          <a:spcPts val="984"/>
         </a:spcBef>
         <a:buFont typeface="Arial" panose="020B0604020202020204" pitchFamily="34" charset="0"/>
         <a:buChar char="•"/>
-        <a:defRPr sz="1800" kern="1200">
+        <a:defRPr sz="3543" kern="1200">
           <a:solidFill>
             <a:schemeClr val="tx1"/>
           </a:solidFill>
@@ -3194,16 +2819,16 @@
           <a:cs typeface="+mn-cs"/>
         </a:defRPr>
       </a:lvl7pPr>
-      <a:lvl8pPr marL="3429000" indent="-228600" algn="l" defTabSz="914400" rtl="0" eaLnBrk="1" latinLnBrk="1" hangingPunct="1">
+      <a:lvl8pPr marL="6750329" indent="-450022" algn="l" defTabSz="1800088" rtl="0" eaLnBrk="1" latinLnBrk="1" hangingPunct="1">
         <a:lnSpc>
           <a:spcPct val="90000"/>
         </a:lnSpc>
         <a:spcBef>
-          <a:spcPts val="500"/>
+          <a:spcPts val="984"/>
         </a:spcBef>
         <a:buFont typeface="Arial" panose="020B0604020202020204" pitchFamily="34" charset="0"/>
         <a:buChar char="•"/>
-        <a:defRPr sz="1800" kern="1200">
+        <a:defRPr sz="3543" kern="1200">
           <a:solidFill>
             <a:schemeClr val="tx1"/>
           </a:solidFill>
@@ -3212,16 +2837,16 @@
           <a:cs typeface="+mn-cs"/>
         </a:defRPr>
       </a:lvl8pPr>
-      <a:lvl9pPr marL="3886200" indent="-228600" algn="l" defTabSz="914400" rtl="0" eaLnBrk="1" latinLnBrk="1" hangingPunct="1">
+      <a:lvl9pPr marL="7650373" indent="-450022" algn="l" defTabSz="1800088" rtl="0" eaLnBrk="1" latinLnBrk="1" hangingPunct="1">
         <a:lnSpc>
           <a:spcPct val="90000"/>
         </a:lnSpc>
         <a:spcBef>
-          <a:spcPts val="500"/>
+          <a:spcPts val="984"/>
         </a:spcBef>
         <a:buFont typeface="Arial" panose="020B0604020202020204" pitchFamily="34" charset="0"/>
         <a:buChar char="•"/>
-        <a:defRPr sz="1800" kern="1200">
+        <a:defRPr sz="3543" kern="1200">
           <a:solidFill>
             <a:schemeClr val="tx1"/>
           </a:solidFill>
@@ -3233,10 +2858,10 @@
     </p:bodyStyle>
     <p:otherStyle>
       <a:defPPr>
-        <a:defRPr lang="ko-KR"/>
+        <a:defRPr lang="en-US"/>
       </a:defPPr>
-      <a:lvl1pPr marL="0" algn="l" defTabSz="914400" rtl="0" eaLnBrk="1" latinLnBrk="1" hangingPunct="1">
-        <a:defRPr sz="1800" kern="1200">
+      <a:lvl1pPr marL="0" algn="l" defTabSz="1800088" rtl="0" eaLnBrk="1" latinLnBrk="1" hangingPunct="1">
+        <a:defRPr sz="3543" kern="1200">
           <a:solidFill>
             <a:schemeClr val="tx1"/>
           </a:solidFill>
@@ -3245,8 +2870,8 @@
           <a:cs typeface="+mn-cs"/>
         </a:defRPr>
       </a:lvl1pPr>
-      <a:lvl2pPr marL="457200" algn="l" defTabSz="914400" rtl="0" eaLnBrk="1" latinLnBrk="1" hangingPunct="1">
-        <a:defRPr sz="1800" kern="1200">
+      <a:lvl2pPr marL="900044" algn="l" defTabSz="1800088" rtl="0" eaLnBrk="1" latinLnBrk="1" hangingPunct="1">
+        <a:defRPr sz="3543" kern="1200">
           <a:solidFill>
             <a:schemeClr val="tx1"/>
           </a:solidFill>
@@ -3255,8 +2880,8 @@
           <a:cs typeface="+mn-cs"/>
         </a:defRPr>
       </a:lvl2pPr>
-      <a:lvl3pPr marL="914400" algn="l" defTabSz="914400" rtl="0" eaLnBrk="1" latinLnBrk="1" hangingPunct="1">
-        <a:defRPr sz="1800" kern="1200">
+      <a:lvl3pPr marL="1800088" algn="l" defTabSz="1800088" rtl="0" eaLnBrk="1" latinLnBrk="1" hangingPunct="1">
+        <a:defRPr sz="3543" kern="1200">
           <a:solidFill>
             <a:schemeClr val="tx1"/>
           </a:solidFill>
@@ -3265,8 +2890,8 @@
           <a:cs typeface="+mn-cs"/>
         </a:defRPr>
       </a:lvl3pPr>
-      <a:lvl4pPr marL="1371600" algn="l" defTabSz="914400" rtl="0" eaLnBrk="1" latinLnBrk="1" hangingPunct="1">
-        <a:defRPr sz="1800" kern="1200">
+      <a:lvl4pPr marL="2700132" algn="l" defTabSz="1800088" rtl="0" eaLnBrk="1" latinLnBrk="1" hangingPunct="1">
+        <a:defRPr sz="3543" kern="1200">
           <a:solidFill>
             <a:schemeClr val="tx1"/>
           </a:solidFill>
@@ -3275,8 +2900,8 @@
           <a:cs typeface="+mn-cs"/>
         </a:defRPr>
       </a:lvl4pPr>
-      <a:lvl5pPr marL="1828800" algn="l" defTabSz="914400" rtl="0" eaLnBrk="1" latinLnBrk="1" hangingPunct="1">
-        <a:defRPr sz="1800" kern="1200">
+      <a:lvl5pPr marL="3600176" algn="l" defTabSz="1800088" rtl="0" eaLnBrk="1" latinLnBrk="1" hangingPunct="1">
+        <a:defRPr sz="3543" kern="1200">
           <a:solidFill>
             <a:schemeClr val="tx1"/>
           </a:solidFill>
@@ -3285,8 +2910,8 @@
           <a:cs typeface="+mn-cs"/>
         </a:defRPr>
       </a:lvl5pPr>
-      <a:lvl6pPr marL="2286000" algn="l" defTabSz="914400" rtl="0" eaLnBrk="1" latinLnBrk="1" hangingPunct="1">
-        <a:defRPr sz="1800" kern="1200">
+      <a:lvl6pPr marL="4500220" algn="l" defTabSz="1800088" rtl="0" eaLnBrk="1" latinLnBrk="1" hangingPunct="1">
+        <a:defRPr sz="3543" kern="1200">
           <a:solidFill>
             <a:schemeClr val="tx1"/>
           </a:solidFill>
@@ -3295,8 +2920,8 @@
           <a:cs typeface="+mn-cs"/>
         </a:defRPr>
       </a:lvl6pPr>
-      <a:lvl7pPr marL="2743200" algn="l" defTabSz="914400" rtl="0" eaLnBrk="1" latinLnBrk="1" hangingPunct="1">
-        <a:defRPr sz="1800" kern="1200">
+      <a:lvl7pPr marL="5400264" algn="l" defTabSz="1800088" rtl="0" eaLnBrk="1" latinLnBrk="1" hangingPunct="1">
+        <a:defRPr sz="3543" kern="1200">
           <a:solidFill>
             <a:schemeClr val="tx1"/>
           </a:solidFill>
@@ -3305,8 +2930,8 @@
           <a:cs typeface="+mn-cs"/>
         </a:defRPr>
       </a:lvl7pPr>
-      <a:lvl8pPr marL="3200400" algn="l" defTabSz="914400" rtl="0" eaLnBrk="1" latinLnBrk="1" hangingPunct="1">
-        <a:defRPr sz="1800" kern="1200">
+      <a:lvl8pPr marL="6300307" algn="l" defTabSz="1800088" rtl="0" eaLnBrk="1" latinLnBrk="1" hangingPunct="1">
+        <a:defRPr sz="3543" kern="1200">
           <a:solidFill>
             <a:schemeClr val="tx1"/>
           </a:solidFill>
@@ -3315,8 +2940,8 @@
           <a:cs typeface="+mn-cs"/>
         </a:defRPr>
       </a:lvl8pPr>
-      <a:lvl9pPr marL="3657600" algn="l" defTabSz="914400" rtl="0" eaLnBrk="1" latinLnBrk="1" hangingPunct="1">
-        <a:defRPr sz="1800" kern="1200">
+      <a:lvl9pPr marL="7200351" algn="l" defTabSz="1800088" rtl="0" eaLnBrk="1" latinLnBrk="1" hangingPunct="1">
+        <a:defRPr sz="3543" kern="1200">
           <a:solidFill>
             <a:schemeClr val="tx1"/>
           </a:solidFill>
@@ -3347,6 +2972,688 @@
           <a:chExt cx="0" cy="0"/>
         </a:xfrm>
       </p:grpSpPr>
+      <p:pic>
+        <p:nvPicPr>
+          <p:cNvPr id="5" name="Picture 4">
+            <a:extLst>
+              <a:ext uri="{FF2B5EF4-FFF2-40B4-BE49-F238E27FC236}">
+                <a16:creationId xmlns:a16="http://schemas.microsoft.com/office/drawing/2014/main" id="{04E8EEAF-0BC0-7431-3EF7-EF49FBF9310E}"/>
+              </a:ext>
+            </a:extLst>
+          </p:cNvPr>
+          <p:cNvPicPr>
+            <a:picLocks noChangeAspect="1"/>
+          </p:cNvPicPr>
+          <p:nvPr/>
+        </p:nvPicPr>
+        <p:blipFill>
+          <a:blip r:embed="rId2"/>
+          <a:stretch>
+            <a:fillRect/>
+          </a:stretch>
+        </p:blipFill>
+        <p:spPr>
+          <a:xfrm>
+            <a:off x="-3544683" y="2753758"/>
+            <a:ext cx="12113726" cy="5964692"/>
+          </a:xfrm>
+          <a:prstGeom prst="rect">
+            <a:avLst/>
+          </a:prstGeom>
+          <a:ln w="28575">
+            <a:solidFill>
+              <a:schemeClr val="tx1"/>
+            </a:solidFill>
+          </a:ln>
+        </p:spPr>
+      </p:pic>
+      <p:pic>
+        <p:nvPicPr>
+          <p:cNvPr id="7" name="Picture 6">
+            <a:extLst>
+              <a:ext uri="{FF2B5EF4-FFF2-40B4-BE49-F238E27FC236}">
+                <a16:creationId xmlns:a16="http://schemas.microsoft.com/office/drawing/2014/main" id="{23F5F84B-0104-9E93-7115-F816755941D1}"/>
+              </a:ext>
+            </a:extLst>
+          </p:cNvPr>
+          <p:cNvPicPr>
+            <a:picLocks noChangeAspect="1"/>
+          </p:cNvPicPr>
+          <p:nvPr/>
+        </p:nvPicPr>
+        <p:blipFill>
+          <a:blip r:embed="rId3"/>
+          <a:stretch>
+            <a:fillRect/>
+          </a:stretch>
+        </p:blipFill>
+        <p:spPr>
+          <a:xfrm>
+            <a:off x="-3544683" y="9000331"/>
+            <a:ext cx="12113727" cy="5415774"/>
+          </a:xfrm>
+          <a:prstGeom prst="rect">
+            <a:avLst/>
+          </a:prstGeom>
+          <a:ln w="28575">
+            <a:solidFill>
+              <a:schemeClr val="tx1"/>
+            </a:solidFill>
+          </a:ln>
+        </p:spPr>
+      </p:pic>
+      <p:sp>
+        <p:nvSpPr>
+          <p:cNvPr id="8" name="TextBox 7">
+            <a:extLst>
+              <a:ext uri="{FF2B5EF4-FFF2-40B4-BE49-F238E27FC236}">
+                <a16:creationId xmlns:a16="http://schemas.microsoft.com/office/drawing/2014/main" id="{DD9AE99C-97AD-FBFD-6C93-990AF7970FB9}"/>
+              </a:ext>
+            </a:extLst>
+          </p:cNvPr>
+          <p:cNvSpPr txBox="1"/>
+          <p:nvPr/>
+        </p:nvSpPr>
+        <p:spPr>
+          <a:xfrm flipH="1">
+            <a:off x="2512180" y="5229187"/>
+            <a:ext cx="4349268" cy="369332"/>
+          </a:xfrm>
+          <a:prstGeom prst="rect">
+            <a:avLst/>
+          </a:prstGeom>
+          <a:noFill/>
+        </p:spPr>
+        <p:txBody>
+          <a:bodyPr wrap="none" rtlCol="0">
+            <a:spAutoFit/>
+          </a:bodyPr>
+          <a:lstStyle/>
+          <a:p>
+            <a:r>
+              <a:rPr lang="en-US" altLang="ko-KR" b="1" dirty="0">
+                <a:solidFill>
+                  <a:srgbClr val="FF0000"/>
+                </a:solidFill>
+                <a:latin typeface="Roboto" panose="02000000000000000000" pitchFamily="2" charset="0"/>
+                <a:ea typeface="Roboto" panose="02000000000000000000" pitchFamily="2" charset="0"/>
+              </a:rPr>
+              <a:t>2. Select</a:t>
+            </a:r>
+            <a:r>
+              <a:rPr lang="ko-KR" altLang="en-US" b="1" dirty="0">
+                <a:solidFill>
+                  <a:srgbClr val="FF0000"/>
+                </a:solidFill>
+                <a:latin typeface="Roboto" panose="02000000000000000000" pitchFamily="2" charset="0"/>
+                <a:ea typeface="Roboto" panose="02000000000000000000" pitchFamily="2" charset="0"/>
+              </a:rPr>
+              <a:t> </a:t>
+            </a:r>
+            <a:r>
+              <a:rPr lang="en-US" altLang="ko-KR" b="1" dirty="0">
+                <a:solidFill>
+                  <a:srgbClr val="FF0000"/>
+                </a:solidFill>
+                <a:latin typeface="Roboto" panose="02000000000000000000" pitchFamily="2" charset="0"/>
+                <a:ea typeface="Roboto" panose="02000000000000000000" pitchFamily="2" charset="0"/>
+              </a:rPr>
+              <a:t>the</a:t>
+            </a:r>
+            <a:r>
+              <a:rPr lang="ko-KR" altLang="en-US" b="1" dirty="0">
+                <a:solidFill>
+                  <a:srgbClr val="FF0000"/>
+                </a:solidFill>
+                <a:latin typeface="Roboto" panose="02000000000000000000" pitchFamily="2" charset="0"/>
+                <a:ea typeface="Roboto" panose="02000000000000000000" pitchFamily="2" charset="0"/>
+              </a:rPr>
+              <a:t> </a:t>
+            </a:r>
+            <a:r>
+              <a:rPr lang="en-US" altLang="ko-KR" b="1" dirty="0">
+                <a:solidFill>
+                  <a:srgbClr val="FF0000"/>
+                </a:solidFill>
+                <a:latin typeface="Roboto" panose="02000000000000000000" pitchFamily="2" charset="0"/>
+                <a:ea typeface="Roboto" panose="02000000000000000000" pitchFamily="2" charset="0"/>
+              </a:rPr>
+              <a:t>species</a:t>
+            </a:r>
+            <a:r>
+              <a:rPr lang="ko-KR" altLang="en-US" b="1" dirty="0">
+                <a:solidFill>
+                  <a:srgbClr val="FF0000"/>
+                </a:solidFill>
+                <a:latin typeface="Roboto" panose="02000000000000000000" pitchFamily="2" charset="0"/>
+                <a:ea typeface="Roboto" panose="02000000000000000000" pitchFamily="2" charset="0"/>
+              </a:rPr>
+              <a:t> </a:t>
+            </a:r>
+            <a:r>
+              <a:rPr lang="en-US" altLang="ko-KR" b="1" dirty="0">
+                <a:solidFill>
+                  <a:srgbClr val="FF0000"/>
+                </a:solidFill>
+                <a:latin typeface="Roboto" panose="02000000000000000000" pitchFamily="2" charset="0"/>
+                <a:ea typeface="Roboto" panose="02000000000000000000" pitchFamily="2" charset="0"/>
+              </a:rPr>
+              <a:t>&amp;</a:t>
+            </a:r>
+            <a:r>
+              <a:rPr lang="ko-KR" altLang="en-US" b="1" dirty="0">
+                <a:solidFill>
+                  <a:srgbClr val="FF0000"/>
+                </a:solidFill>
+                <a:latin typeface="Roboto" panose="02000000000000000000" pitchFamily="2" charset="0"/>
+                <a:ea typeface="Roboto" panose="02000000000000000000" pitchFamily="2" charset="0"/>
+              </a:rPr>
+              <a:t> </a:t>
+            </a:r>
+            <a:r>
+              <a:rPr lang="en-US" altLang="ko-KR" b="1" dirty="0">
+                <a:solidFill>
+                  <a:srgbClr val="FF0000"/>
+                </a:solidFill>
+                <a:latin typeface="Roboto" panose="02000000000000000000" pitchFamily="2" charset="0"/>
+                <a:ea typeface="Roboto" panose="02000000000000000000" pitchFamily="2" charset="0"/>
+              </a:rPr>
+              <a:t>genome assembly</a:t>
+            </a:r>
+          </a:p>
+        </p:txBody>
+      </p:sp>
+      <p:sp>
+        <p:nvSpPr>
+          <p:cNvPr id="11" name="TextBox 10">
+            <a:extLst>
+              <a:ext uri="{FF2B5EF4-FFF2-40B4-BE49-F238E27FC236}">
+                <a16:creationId xmlns:a16="http://schemas.microsoft.com/office/drawing/2014/main" id="{6667C599-F6F7-3C47-E4E9-EED4DEDD0A91}"/>
+              </a:ext>
+            </a:extLst>
+          </p:cNvPr>
+          <p:cNvSpPr txBox="1"/>
+          <p:nvPr/>
+        </p:nvSpPr>
+        <p:spPr>
+          <a:xfrm flipH="1">
+            <a:off x="-3120244" y="3219117"/>
+            <a:ext cx="3183885" cy="369332"/>
+          </a:xfrm>
+          <a:prstGeom prst="rect">
+            <a:avLst/>
+          </a:prstGeom>
+          <a:solidFill>
+            <a:schemeClr val="bg1"/>
+          </a:solidFill>
+        </p:spPr>
+        <p:txBody>
+          <a:bodyPr wrap="none" rtlCol="0">
+            <a:spAutoFit/>
+          </a:bodyPr>
+          <a:lstStyle/>
+          <a:p>
+            <a:r>
+              <a:rPr lang="en-US" altLang="ko-KR" b="1" dirty="0">
+                <a:solidFill>
+                  <a:srgbClr val="FF0000"/>
+                </a:solidFill>
+                <a:latin typeface="Roboto" panose="02000000000000000000" pitchFamily="2" charset="0"/>
+                <a:ea typeface="Roboto" panose="02000000000000000000" pitchFamily="2" charset="0"/>
+              </a:rPr>
+              <a:t>1. Click the “Genomes” button</a:t>
+            </a:r>
+          </a:p>
+        </p:txBody>
+      </p:sp>
+      <p:sp>
+        <p:nvSpPr>
+          <p:cNvPr id="17" name="Rectangle 16">
+            <a:extLst>
+              <a:ext uri="{FF2B5EF4-FFF2-40B4-BE49-F238E27FC236}">
+                <a16:creationId xmlns:a16="http://schemas.microsoft.com/office/drawing/2014/main" id="{4FABB99D-1812-D047-388B-2809A5EF6C07}"/>
+              </a:ext>
+            </a:extLst>
+          </p:cNvPr>
+          <p:cNvSpPr/>
+          <p:nvPr/>
+        </p:nvSpPr>
+        <p:spPr>
+          <a:xfrm>
+            <a:off x="-2554326" y="3689666"/>
+            <a:ext cx="1019175" cy="279308"/>
+          </a:xfrm>
+          <a:prstGeom prst="rect">
+            <a:avLst/>
+          </a:prstGeom>
+          <a:solidFill>
+            <a:srgbClr val="FF0000">
+              <a:alpha val="30000"/>
+            </a:srgbClr>
+          </a:solidFill>
+          <a:ln>
+            <a:noFill/>
+          </a:ln>
+        </p:spPr>
+        <p:style>
+          <a:lnRef idx="2">
+            <a:schemeClr val="accent1">
+              <a:shade val="15000"/>
+            </a:schemeClr>
+          </a:lnRef>
+          <a:fillRef idx="1">
+            <a:schemeClr val="accent1"/>
+          </a:fillRef>
+          <a:effectRef idx="0">
+            <a:schemeClr val="accent1"/>
+          </a:effectRef>
+          <a:fontRef idx="minor">
+            <a:schemeClr val="lt1"/>
+          </a:fontRef>
+        </p:style>
+        <p:txBody>
+          <a:bodyPr rtlCol="0" anchor="ctr"/>
+          <a:lstStyle/>
+          <a:p>
+            <a:pPr algn="ctr"/>
+            <a:endParaRPr lang="ko-KR" altLang="en-US"/>
+          </a:p>
+        </p:txBody>
+      </p:sp>
+      <p:sp>
+        <p:nvSpPr>
+          <p:cNvPr id="19" name="Rectangle 18">
+            <a:extLst>
+              <a:ext uri="{FF2B5EF4-FFF2-40B4-BE49-F238E27FC236}">
+                <a16:creationId xmlns:a16="http://schemas.microsoft.com/office/drawing/2014/main" id="{AA5E0F57-4A21-1EE3-007B-072942485057}"/>
+              </a:ext>
+            </a:extLst>
+          </p:cNvPr>
+          <p:cNvSpPr/>
+          <p:nvPr/>
+        </p:nvSpPr>
+        <p:spPr>
+          <a:xfrm>
+            <a:off x="2559805" y="4931958"/>
+            <a:ext cx="4439444" cy="302451"/>
+          </a:xfrm>
+          <a:prstGeom prst="rect">
+            <a:avLst/>
+          </a:prstGeom>
+          <a:solidFill>
+            <a:srgbClr val="FF0000">
+              <a:alpha val="30000"/>
+            </a:srgbClr>
+          </a:solidFill>
+          <a:ln>
+            <a:noFill/>
+          </a:ln>
+        </p:spPr>
+        <p:style>
+          <a:lnRef idx="2">
+            <a:schemeClr val="accent1">
+              <a:shade val="15000"/>
+            </a:schemeClr>
+          </a:lnRef>
+          <a:fillRef idx="1">
+            <a:schemeClr val="accent1"/>
+          </a:fillRef>
+          <a:effectRef idx="0">
+            <a:schemeClr val="accent1"/>
+          </a:effectRef>
+          <a:fontRef idx="minor">
+            <a:schemeClr val="lt1"/>
+          </a:fontRef>
+        </p:style>
+        <p:txBody>
+          <a:bodyPr rtlCol="0" anchor="ctr"/>
+          <a:lstStyle/>
+          <a:p>
+            <a:pPr algn="ctr"/>
+            <a:endParaRPr lang="ko-KR" altLang="en-US"/>
+          </a:p>
+        </p:txBody>
+      </p:sp>
+      <p:sp>
+        <p:nvSpPr>
+          <p:cNvPr id="20" name="TextBox 19">
+            <a:extLst>
+              <a:ext uri="{FF2B5EF4-FFF2-40B4-BE49-F238E27FC236}">
+                <a16:creationId xmlns:a16="http://schemas.microsoft.com/office/drawing/2014/main" id="{25B90D67-8D0D-536F-0C43-CC6759C32972}"/>
+              </a:ext>
+            </a:extLst>
+          </p:cNvPr>
+          <p:cNvSpPr txBox="1"/>
+          <p:nvPr/>
+        </p:nvSpPr>
+        <p:spPr>
+          <a:xfrm flipH="1">
+            <a:off x="7071480" y="5811159"/>
+            <a:ext cx="917239" cy="369332"/>
+          </a:xfrm>
+          <a:prstGeom prst="rect">
+            <a:avLst/>
+          </a:prstGeom>
+          <a:noFill/>
+        </p:spPr>
+        <p:txBody>
+          <a:bodyPr wrap="none" rtlCol="0">
+            <a:spAutoFit/>
+          </a:bodyPr>
+          <a:lstStyle/>
+          <a:p>
+            <a:r>
+              <a:rPr lang="en-US" altLang="ko-KR" b="1" dirty="0">
+                <a:solidFill>
+                  <a:srgbClr val="FF0000"/>
+                </a:solidFill>
+                <a:latin typeface="Roboto" panose="02000000000000000000" pitchFamily="2" charset="0"/>
+                <a:ea typeface="Roboto" panose="02000000000000000000" pitchFamily="2" charset="0"/>
+              </a:rPr>
+              <a:t>3. Click</a:t>
+            </a:r>
+          </a:p>
+        </p:txBody>
+      </p:sp>
+      <p:cxnSp>
+        <p:nvCxnSpPr>
+          <p:cNvPr id="23" name="Straight Arrow Connector 22">
+            <a:extLst>
+              <a:ext uri="{FF2B5EF4-FFF2-40B4-BE49-F238E27FC236}">
+                <a16:creationId xmlns:a16="http://schemas.microsoft.com/office/drawing/2014/main" id="{38CCA508-D46E-C5FF-5A8A-90E9B9635B02}"/>
+              </a:ext>
+            </a:extLst>
+          </p:cNvPr>
+          <p:cNvCxnSpPr/>
+          <p:nvPr/>
+        </p:nvCxnSpPr>
+        <p:spPr>
+          <a:xfrm>
+            <a:off x="-1275252" y="3960612"/>
+            <a:ext cx="3552933" cy="995617"/>
+          </a:xfrm>
+          <a:prstGeom prst="straightConnector1">
+            <a:avLst/>
+          </a:prstGeom>
+          <a:ln w="28575">
+            <a:solidFill>
+              <a:srgbClr val="FF0000"/>
+            </a:solidFill>
+            <a:prstDash val="sysDot"/>
+            <a:tailEnd type="triangle"/>
+          </a:ln>
+        </p:spPr>
+        <p:style>
+          <a:lnRef idx="1">
+            <a:schemeClr val="accent1"/>
+          </a:lnRef>
+          <a:fillRef idx="0">
+            <a:schemeClr val="accent1"/>
+          </a:fillRef>
+          <a:effectRef idx="0">
+            <a:schemeClr val="accent1"/>
+          </a:effectRef>
+          <a:fontRef idx="minor">
+            <a:schemeClr val="tx1"/>
+          </a:fontRef>
+        </p:style>
+      </p:cxnSp>
+      <p:sp>
+        <p:nvSpPr>
+          <p:cNvPr id="27" name="Rectangle 26">
+            <a:extLst>
+              <a:ext uri="{FF2B5EF4-FFF2-40B4-BE49-F238E27FC236}">
+                <a16:creationId xmlns:a16="http://schemas.microsoft.com/office/drawing/2014/main" id="{FC34A1DC-5B20-9B59-9F11-1C0728EC6C1B}"/>
+              </a:ext>
+            </a:extLst>
+          </p:cNvPr>
+          <p:cNvSpPr/>
+          <p:nvPr/>
+        </p:nvSpPr>
+        <p:spPr>
+          <a:xfrm>
+            <a:off x="7177085" y="5389669"/>
+            <a:ext cx="556346" cy="369332"/>
+          </a:xfrm>
+          <a:prstGeom prst="rect">
+            <a:avLst/>
+          </a:prstGeom>
+          <a:solidFill>
+            <a:srgbClr val="FF0000">
+              <a:alpha val="30000"/>
+            </a:srgbClr>
+          </a:solidFill>
+          <a:ln>
+            <a:noFill/>
+          </a:ln>
+        </p:spPr>
+        <p:style>
+          <a:lnRef idx="2">
+            <a:schemeClr val="accent1">
+              <a:shade val="15000"/>
+            </a:schemeClr>
+          </a:lnRef>
+          <a:fillRef idx="1">
+            <a:schemeClr val="accent1"/>
+          </a:fillRef>
+          <a:effectRef idx="0">
+            <a:schemeClr val="accent1"/>
+          </a:effectRef>
+          <a:fontRef idx="minor">
+            <a:schemeClr val="lt1"/>
+          </a:fontRef>
+        </p:style>
+        <p:txBody>
+          <a:bodyPr rtlCol="0" anchor="ctr"/>
+          <a:lstStyle/>
+          <a:p>
+            <a:pPr algn="ctr"/>
+            <a:endParaRPr lang="ko-KR" altLang="en-US"/>
+          </a:p>
+        </p:txBody>
+      </p:sp>
+      <p:cxnSp>
+        <p:nvCxnSpPr>
+          <p:cNvPr id="28" name="Straight Arrow Connector 27">
+            <a:extLst>
+              <a:ext uri="{FF2B5EF4-FFF2-40B4-BE49-F238E27FC236}">
+                <a16:creationId xmlns:a16="http://schemas.microsoft.com/office/drawing/2014/main" id="{A62E1A19-3B88-57AB-C198-B00E5F772D4B}"/>
+              </a:ext>
+            </a:extLst>
+          </p:cNvPr>
+          <p:cNvCxnSpPr>
+            <a:cxnSpLocks/>
+          </p:cNvCxnSpPr>
+          <p:nvPr/>
+        </p:nvCxnSpPr>
+        <p:spPr>
+          <a:xfrm flipH="1">
+            <a:off x="3033220" y="6232649"/>
+            <a:ext cx="4422038" cy="7850623"/>
+          </a:xfrm>
+          <a:prstGeom prst="straightConnector1">
+            <a:avLst/>
+          </a:prstGeom>
+          <a:ln w="28575">
+            <a:solidFill>
+              <a:srgbClr val="FF0000"/>
+            </a:solidFill>
+            <a:prstDash val="sysDot"/>
+            <a:tailEnd type="triangle"/>
+          </a:ln>
+        </p:spPr>
+        <p:style>
+          <a:lnRef idx="1">
+            <a:schemeClr val="accent1"/>
+          </a:lnRef>
+          <a:fillRef idx="0">
+            <a:schemeClr val="accent1"/>
+          </a:fillRef>
+          <a:effectRef idx="0">
+            <a:schemeClr val="accent1"/>
+          </a:effectRef>
+          <a:fontRef idx="minor">
+            <a:schemeClr val="tx1"/>
+          </a:fontRef>
+        </p:style>
+      </p:cxnSp>
+      <p:sp>
+        <p:nvSpPr>
+          <p:cNvPr id="30" name="TextBox 29">
+            <a:extLst>
+              <a:ext uri="{FF2B5EF4-FFF2-40B4-BE49-F238E27FC236}">
+                <a16:creationId xmlns:a16="http://schemas.microsoft.com/office/drawing/2014/main" id="{185EA727-D8B6-98CC-DFEF-3AB1707DEF8E}"/>
+              </a:ext>
+            </a:extLst>
+          </p:cNvPr>
+          <p:cNvSpPr txBox="1"/>
+          <p:nvPr/>
+        </p:nvSpPr>
+        <p:spPr>
+          <a:xfrm flipH="1">
+            <a:off x="3283252" y="13901024"/>
+            <a:ext cx="3174267" cy="369332"/>
+          </a:xfrm>
+          <a:prstGeom prst="rect">
+            <a:avLst/>
+          </a:prstGeom>
+          <a:solidFill>
+            <a:schemeClr val="bg1"/>
+          </a:solidFill>
+        </p:spPr>
+        <p:txBody>
+          <a:bodyPr wrap="none" rtlCol="0">
+            <a:spAutoFit/>
+          </a:bodyPr>
+          <a:lstStyle/>
+          <a:p>
+            <a:r>
+              <a:rPr lang="en-US" altLang="ko-KR" b="1" dirty="0">
+                <a:solidFill>
+                  <a:srgbClr val="FF0000"/>
+                </a:solidFill>
+                <a:latin typeface="Roboto" panose="02000000000000000000" pitchFamily="2" charset="0"/>
+                <a:ea typeface="Roboto" panose="02000000000000000000" pitchFamily="2" charset="0"/>
+              </a:rPr>
+              <a:t>3. Click the “configure” button</a:t>
+            </a:r>
+          </a:p>
+        </p:txBody>
+      </p:sp>
+      <p:pic>
+        <p:nvPicPr>
+          <p:cNvPr id="32" name="Picture 31">
+            <a:extLst>
+              <a:ext uri="{FF2B5EF4-FFF2-40B4-BE49-F238E27FC236}">
+                <a16:creationId xmlns:a16="http://schemas.microsoft.com/office/drawing/2014/main" id="{D47D7BF0-B940-7C3B-1F4F-BAFC0A2C53E7}"/>
+              </a:ext>
+            </a:extLst>
+          </p:cNvPr>
+          <p:cNvPicPr>
+            <a:picLocks noChangeAspect="1"/>
+          </p:cNvPicPr>
+          <p:nvPr/>
+        </p:nvPicPr>
+        <p:blipFill>
+          <a:blip r:embed="rId4"/>
+          <a:stretch>
+            <a:fillRect/>
+          </a:stretch>
+        </p:blipFill>
+        <p:spPr>
+          <a:xfrm>
+            <a:off x="9000331" y="1147418"/>
+            <a:ext cx="12113726" cy="15134825"/>
+          </a:xfrm>
+          <a:prstGeom prst="rect">
+            <a:avLst/>
+          </a:prstGeom>
+        </p:spPr>
+      </p:pic>
+      <p:sp>
+        <p:nvSpPr>
+          <p:cNvPr id="33" name="Rectangle 32">
+            <a:extLst>
+              <a:ext uri="{FF2B5EF4-FFF2-40B4-BE49-F238E27FC236}">
+                <a16:creationId xmlns:a16="http://schemas.microsoft.com/office/drawing/2014/main" id="{C7BBC08C-8AF3-640F-9247-A0B8C8C4EBF3}"/>
+              </a:ext>
+            </a:extLst>
+          </p:cNvPr>
+          <p:cNvSpPr/>
+          <p:nvPr/>
+        </p:nvSpPr>
+        <p:spPr>
+          <a:xfrm>
+            <a:off x="2805868" y="14243824"/>
+            <a:ext cx="438150" cy="152436"/>
+          </a:xfrm>
+          <a:prstGeom prst="rect">
+            <a:avLst/>
+          </a:prstGeom>
+          <a:solidFill>
+            <a:srgbClr val="FF0000">
+              <a:alpha val="30000"/>
+            </a:srgbClr>
+          </a:solidFill>
+          <a:ln>
+            <a:noFill/>
+          </a:ln>
+        </p:spPr>
+        <p:style>
+          <a:lnRef idx="2">
+            <a:schemeClr val="accent1">
+              <a:shade val="15000"/>
+            </a:schemeClr>
+          </a:lnRef>
+          <a:fillRef idx="1">
+            <a:schemeClr val="accent1"/>
+          </a:fillRef>
+          <a:effectRef idx="0">
+            <a:schemeClr val="accent1"/>
+          </a:effectRef>
+          <a:fontRef idx="minor">
+            <a:schemeClr val="lt1"/>
+          </a:fontRef>
+        </p:style>
+        <p:txBody>
+          <a:bodyPr rtlCol="0" anchor="ctr"/>
+          <a:lstStyle/>
+          <a:p>
+            <a:pPr algn="ctr"/>
+            <a:endParaRPr lang="ko-KR" altLang="en-US"/>
+          </a:p>
+        </p:txBody>
+      </p:sp>
+    </p:spTree>
+    <p:extLst>
+      <p:ext uri="{BB962C8B-B14F-4D97-AF65-F5344CB8AC3E}">
+        <p14:creationId xmlns:p14="http://schemas.microsoft.com/office/powerpoint/2010/main" val="899137376"/>
+      </p:ext>
+    </p:extLst>
+  </p:cSld>
+  <p:clrMapOvr>
+    <a:masterClrMapping/>
+  </p:clrMapOvr>
+</p:sld>
+</file>
+
+<file path=ppt/slides/slide2.xml><?xml version="1.0" encoding="utf-8"?>
+<p:sld xmlns:a="http://schemas.openxmlformats.org/drawingml/2006/main" xmlns:r="http://schemas.openxmlformats.org/officeDocument/2006/relationships" xmlns:p="http://schemas.openxmlformats.org/presentationml/2006/main">
+  <p:cSld>
+    <p:spTree>
+      <p:nvGrpSpPr>
+        <p:cNvPr id="1" name=""/>
+        <p:cNvGrpSpPr/>
+        <p:nvPr/>
+      </p:nvGrpSpPr>
+      <p:grpSpPr>
+        <a:xfrm>
+          <a:off x="0" y="0"/>
+          <a:ext cx="0" cy="0"/>
+          <a:chOff x="0" y="0"/>
+          <a:chExt cx="0" cy="0"/>
+        </a:xfrm>
+      </p:grpSpPr>
       <p:grpSp>
         <p:nvGrpSpPr>
           <p:cNvPr id="96" name="Group 95">
@@ -3361,7 +3668,7 @@
         </p:nvGrpSpPr>
         <p:grpSpPr>
           <a:xfrm>
-            <a:off x="388257" y="870312"/>
+            <a:off x="3912020" y="6205670"/>
             <a:ext cx="11176000" cy="9950672"/>
             <a:chOff x="388257" y="870312"/>
             <a:chExt cx="11176000" cy="9950672"/>
@@ -3468,8 +3775,8 @@
           </p:nvSpPr>
           <p:spPr>
             <a:xfrm flipH="1">
-              <a:off x="388257" y="886175"/>
-              <a:ext cx="1776448" cy="369332"/>
+              <a:off x="388257" y="886176"/>
+              <a:ext cx="3198311" cy="615874"/>
             </a:xfrm>
             <a:prstGeom prst="rect">
               <a:avLst/>
@@ -3574,7 +3881,7 @@
           </p:blipFill>
           <p:spPr>
             <a:xfrm>
-              <a:off x="531959" y="4886584"/>
+              <a:off x="531959" y="4886583"/>
               <a:ext cx="9402487" cy="2619741"/>
             </a:xfrm>
             <a:prstGeom prst="rect">
@@ -3657,8 +3964,8 @@
           </p:blipFill>
           <p:spPr>
             <a:xfrm>
-              <a:off x="473903" y="7641973"/>
-              <a:ext cx="11032298" cy="3179011"/>
+              <a:off x="473904" y="7641973"/>
+              <a:ext cx="11032298" cy="3179010"/>
             </a:xfrm>
             <a:prstGeom prst="rect">
               <a:avLst/>
@@ -3795,8 +4102,8 @@
           </p:nvCxnSpPr>
           <p:spPr>
             <a:xfrm>
-              <a:off x="10551886" y="4540173"/>
-              <a:ext cx="0" cy="3815361"/>
+              <a:off x="10551886" y="4540172"/>
+              <a:ext cx="0" cy="3815360"/>
             </a:xfrm>
             <a:prstGeom prst="straightConnector1">
               <a:avLst/>
@@ -3840,7 +4147,7 @@
           </p:nvCxnSpPr>
           <p:spPr>
             <a:xfrm>
-              <a:off x="9603014" y="6460615"/>
+              <a:off x="9603014" y="6460616"/>
               <a:ext cx="0" cy="2818165"/>
             </a:xfrm>
             <a:prstGeom prst="straightConnector1">
@@ -3883,7 +4190,7 @@
           </p:nvSpPr>
           <p:spPr>
             <a:xfrm>
-              <a:off x="531960" y="4886584"/>
+              <a:off x="531960" y="4886583"/>
               <a:ext cx="9402486" cy="1574031"/>
             </a:xfrm>
             <a:prstGeom prst="rect">
@@ -3998,10 +4305,10 @@
         </p:nvGrpSpPr>
         <p:grpSpPr>
           <a:xfrm>
-            <a:off x="388257" y="-3493322"/>
+            <a:off x="3912020" y="1842036"/>
             <a:ext cx="11176000" cy="4046119"/>
-            <a:chOff x="388257" y="-3493322"/>
-            <a:chExt cx="11176000" cy="4046119"/>
+            <a:chOff x="573235" y="-3493323"/>
+            <a:chExt cx="16500607" cy="4046120"/>
           </a:xfrm>
         </p:grpSpPr>
         <p:sp>
@@ -4018,8 +4325,8 @@
           </p:nvSpPr>
           <p:spPr>
             <a:xfrm>
-              <a:off x="388257" y="-3493322"/>
-              <a:ext cx="11176000" cy="4046119"/>
+              <a:off x="573235" y="-3493323"/>
+              <a:ext cx="16500607" cy="4046120"/>
             </a:xfrm>
             <a:prstGeom prst="rect">
               <a:avLst/>
@@ -4070,8 +4377,8 @@
           </p:nvSpPr>
           <p:spPr>
             <a:xfrm flipH="1">
-              <a:off x="388257" y="-3477459"/>
-              <a:ext cx="1776448" cy="369332"/>
+              <a:off x="573235" y="-3477460"/>
+              <a:ext cx="4722090" cy="615874"/>
             </a:xfrm>
             <a:prstGeom prst="rect">
               <a:avLst/>
@@ -4127,8 +4434,8 @@
           </p:nvSpPr>
           <p:spPr>
             <a:xfrm flipH="1">
-              <a:off x="388257" y="-3112862"/>
-              <a:ext cx="2047355" cy="338554"/>
+              <a:off x="573235" y="-3112863"/>
+              <a:ext cx="3022781" cy="338554"/>
             </a:xfrm>
             <a:prstGeom prst="rect">
               <a:avLst/>
@@ -4168,8 +4475,8 @@
           </p:nvSpPr>
           <p:spPr>
             <a:xfrm flipH="1">
-              <a:off x="388257" y="-1951839"/>
-              <a:ext cx="1229824" cy="338554"/>
+              <a:off x="573235" y="-1951840"/>
+              <a:ext cx="1815752" cy="338554"/>
             </a:xfrm>
             <a:prstGeom prst="rect">
               <a:avLst/>
@@ -4224,8 +4531,8 @@
           </p:blipFill>
           <p:spPr>
             <a:xfrm>
-              <a:off x="531959" y="-2767877"/>
-              <a:ext cx="7944959" cy="752580"/>
+              <a:off x="785401" y="-2767878"/>
+              <a:ext cx="11730194" cy="752580"/>
             </a:xfrm>
             <a:prstGeom prst="rect">
               <a:avLst/>
@@ -4259,8 +4566,8 @@
           </p:blipFill>
           <p:spPr>
             <a:xfrm>
-              <a:off x="531958" y="-1598770"/>
-              <a:ext cx="6239746" cy="581106"/>
+              <a:off x="785400" y="-1598770"/>
+              <a:ext cx="9212562" cy="581106"/>
             </a:xfrm>
             <a:prstGeom prst="rect">
               <a:avLst/>
@@ -4294,8 +4601,8 @@
           </p:blipFill>
           <p:spPr>
             <a:xfrm>
-              <a:off x="473903" y="-887779"/>
-              <a:ext cx="11026855" cy="1440576"/>
+              <a:off x="699686" y="-887779"/>
+              <a:ext cx="16280405" cy="1440576"/>
             </a:xfrm>
             <a:prstGeom prst="rect">
               <a:avLst/>
@@ -4316,8 +4623,8 @@
           </p:nvSpPr>
           <p:spPr>
             <a:xfrm>
-              <a:off x="1306288" y="-311190"/>
-              <a:ext cx="10199914" cy="282750"/>
+              <a:off x="1928646" y="-311190"/>
+              <a:ext cx="15059482" cy="282750"/>
             </a:xfrm>
             <a:prstGeom prst="rect">
               <a:avLst/>
@@ -4373,8 +4680,8 @@
           </p:nvSpPr>
           <p:spPr>
             <a:xfrm>
-              <a:off x="1306288" y="13965"/>
-              <a:ext cx="10194469" cy="531536"/>
+              <a:off x="1928646" y="13965"/>
+              <a:ext cx="15051443" cy="531536"/>
             </a:xfrm>
             <a:prstGeom prst="rect">
               <a:avLst/>
@@ -4430,8 +4737,8 @@
           </p:nvSpPr>
           <p:spPr>
             <a:xfrm>
-              <a:off x="531958" y="-2764767"/>
-              <a:ext cx="7944959" cy="752580"/>
+              <a:off x="785400" y="-2764768"/>
+              <a:ext cx="11730194" cy="752580"/>
             </a:xfrm>
             <a:prstGeom prst="rect">
               <a:avLst/>
@@ -4487,8 +4794,8 @@
           </p:nvSpPr>
           <p:spPr>
             <a:xfrm>
-              <a:off x="531958" y="-1592800"/>
-              <a:ext cx="6239746" cy="589651"/>
+              <a:off x="785400" y="-1592801"/>
+              <a:ext cx="9212562" cy="589651"/>
             </a:xfrm>
             <a:prstGeom prst="rect">
               <a:avLst/>
@@ -4546,8 +4853,8 @@
           </p:nvCxnSpPr>
           <p:spPr>
             <a:xfrm>
-              <a:off x="8215086" y="-2015297"/>
-              <a:ext cx="0" cy="1704107"/>
+              <a:off x="12129018" y="-2015297"/>
+              <a:ext cx="0" cy="1704108"/>
             </a:xfrm>
             <a:prstGeom prst="straightConnector1">
               <a:avLst/>
@@ -4635,9 +4942,9 @@
 </file>
 
 <file path=ppt/theme/theme1.xml><?xml version="1.0" encoding="utf-8"?>
-<a:theme xmlns:a="http://schemas.openxmlformats.org/drawingml/2006/main" name="Office Theme">
+<a:theme xmlns:a="http://schemas.openxmlformats.org/drawingml/2006/main" name="Office 2013 - 2022 Theme">
   <a:themeElements>
-    <a:clrScheme name="Office">
+    <a:clrScheme name="Office 2013 - 2022 Theme">
       <a:dk1>
         <a:sysClr val="windowText" lastClr="000000"/>
       </a:dk1>
@@ -4675,9 +4982,9 @@
         <a:srgbClr val="954F72"/>
       </a:folHlink>
     </a:clrScheme>
-    <a:fontScheme name="Office">
+    <a:fontScheme name="Office 2013 - 2022 Theme">
       <a:majorFont>
-        <a:latin typeface="맑은 고딕" panose="020F0302020204030204"/>
+        <a:latin typeface="Calibri Light" panose="020F0302020204030204"/>
         <a:ea typeface=""/>
         <a:cs typeface=""/>
         <a:font script="Jpan" typeface="游ゴシック Light"/>
@@ -4710,26 +5017,9 @@
         <a:font script="Viet" typeface="Times New Roman"/>
         <a:font script="Uigh" typeface="Microsoft Uighur"/>
         <a:font script="Geor" typeface="Sylfaen"/>
-        <a:font script="Armn" typeface="Arial"/>
-        <a:font script="Bugi" typeface="Leelawadee UI"/>
-        <a:font script="Bopo" typeface="Microsoft JhengHei"/>
-        <a:font script="Java" typeface="Javanese Text"/>
-        <a:font script="Lisu" typeface="Segoe UI"/>
-        <a:font script="Mymr" typeface="Myanmar Text"/>
-        <a:font script="Nkoo" typeface="Ebrima"/>
-        <a:font script="Olck" typeface="Nirmala UI"/>
-        <a:font script="Osma" typeface="Ebrima"/>
-        <a:font script="Phag" typeface="Phagspa"/>
-        <a:font script="Syrn" typeface="Estrangelo Edessa"/>
-        <a:font script="Syrj" typeface="Estrangelo Edessa"/>
-        <a:font script="Syre" typeface="Estrangelo Edessa"/>
-        <a:font script="Sora" typeface="Nirmala UI"/>
-        <a:font script="Tale" typeface="Microsoft Tai Le"/>
-        <a:font script="Talu" typeface="Microsoft New Tai Lue"/>
-        <a:font script="Tfng" typeface="Ebrima"/>
       </a:majorFont>
       <a:minorFont>
-        <a:latin typeface="맑은 고딕" panose="020F0502020204030204"/>
+        <a:latin typeface="Calibri" panose="020F0502020204030204"/>
         <a:ea typeface=""/>
         <a:cs typeface=""/>
         <a:font script="Jpan" typeface="游ゴシック"/>
@@ -4762,26 +5052,9 @@
         <a:font script="Viet" typeface="Arial"/>
         <a:font script="Uigh" typeface="Microsoft Uighur"/>
         <a:font script="Geor" typeface="Sylfaen"/>
-        <a:font script="Armn" typeface="Arial"/>
-        <a:font script="Bugi" typeface="Leelawadee UI"/>
-        <a:font script="Bopo" typeface="Microsoft JhengHei"/>
-        <a:font script="Java" typeface="Javanese Text"/>
-        <a:font script="Lisu" typeface="Segoe UI"/>
-        <a:font script="Mymr" typeface="Myanmar Text"/>
-        <a:font script="Nkoo" typeface="Ebrima"/>
-        <a:font script="Olck" typeface="Nirmala UI"/>
-        <a:font script="Osma" typeface="Ebrima"/>
-        <a:font script="Phag" typeface="Phagspa"/>
-        <a:font script="Syrn" typeface="Estrangelo Edessa"/>
-        <a:font script="Syrj" typeface="Estrangelo Edessa"/>
-        <a:font script="Syre" typeface="Estrangelo Edessa"/>
-        <a:font script="Sora" typeface="Nirmala UI"/>
-        <a:font script="Tale" typeface="Microsoft Tai Le"/>
-        <a:font script="Talu" typeface="Microsoft New Tai Lue"/>
-        <a:font script="Tfng" typeface="Ebrima"/>
       </a:minorFont>
     </a:fontScheme>
-    <a:fmtScheme name="Office">
+    <a:fmtScheme name="Office 2013 - 2022 Theme">
       <a:fillStyleLst>
         <a:solidFill>
           <a:schemeClr val="phClr"/>
@@ -4923,7 +5196,7 @@
   <a:extraClrSchemeLst/>
   <a:extLst>
     <a:ext uri="{05A4C25C-085E-4340-85A3-A5531E510DB2}">
-      <thm15:themeFamily xmlns:thm15="http://schemas.microsoft.com/office/thememl/2012/main" name="Office Theme" id="{62F939B6-93AF-4DB8-9C6B-D6C7DFDC589F}" vid="{4A3C46E8-61CC-4603-A589-7422A47A8E4A}"/>
+      <thm15:themeFamily xmlns:thm15="http://schemas.microsoft.com/office/thememl/2012/main" name="Office 2013 - 2022 Theme" id="{62F939B6-93AF-4DB8-9C6B-D6C7DFDC589F}" vid="{4A3C46E8-61CC-4603-A589-7422A47A8E4A}"/>
     </a:ext>
   </a:extLst>
 </a:theme>

--- a/images/00_post_prep/ppt_240405.pptx
+++ b/images/00_post_prep/ppt_240405.pptx
@@ -5,8 +5,9 @@
     <p:sldMasterId id="2147483660" r:id="rId1"/>
   </p:sldMasterIdLst>
   <p:sldIdLst>
-    <p:sldId id="293" r:id="rId2"/>
-    <p:sldId id="292" r:id="rId3"/>
+    <p:sldId id="294" r:id="rId2"/>
+    <p:sldId id="293" r:id="rId3"/>
+    <p:sldId id="292" r:id="rId4"/>
   </p:sldIdLst>
   <p:sldSz cx="18000663" cy="18000663"/>
   <p:notesSz cx="6858000" cy="9144000"/>
@@ -244,7 +245,7 @@
           <a:p>
             <a:fld id="{FCFD76E8-DBDF-4EEF-BF39-62FDC92C57F2}" type="datetimeFigureOut">
               <a:rPr lang="ko-KR" altLang="en-US" smtClean="0"/>
-              <a:t>2024-04-06</a:t>
+              <a:t>2024-04-10</a:t>
             </a:fld>
             <a:endParaRPr lang="ko-KR" altLang="en-US"/>
           </a:p>
@@ -414,7 +415,7 @@
           <a:p>
             <a:fld id="{FCFD76E8-DBDF-4EEF-BF39-62FDC92C57F2}" type="datetimeFigureOut">
               <a:rPr lang="ko-KR" altLang="en-US" smtClean="0"/>
-              <a:t>2024-04-06</a:t>
+              <a:t>2024-04-10</a:t>
             </a:fld>
             <a:endParaRPr lang="ko-KR" altLang="en-US"/>
           </a:p>
@@ -594,7 +595,7 @@
           <a:p>
             <a:fld id="{FCFD76E8-DBDF-4EEF-BF39-62FDC92C57F2}" type="datetimeFigureOut">
               <a:rPr lang="ko-KR" altLang="en-US" smtClean="0"/>
-              <a:t>2024-04-06</a:t>
+              <a:t>2024-04-10</a:t>
             </a:fld>
             <a:endParaRPr lang="ko-KR" altLang="en-US"/>
           </a:p>
@@ -764,7 +765,7 @@
           <a:p>
             <a:fld id="{FCFD76E8-DBDF-4EEF-BF39-62FDC92C57F2}" type="datetimeFigureOut">
               <a:rPr lang="ko-KR" altLang="en-US" smtClean="0"/>
-              <a:t>2024-04-06</a:t>
+              <a:t>2024-04-10</a:t>
             </a:fld>
             <a:endParaRPr lang="ko-KR" altLang="en-US"/>
           </a:p>
@@ -1008,7 +1009,7 @@
           <a:p>
             <a:fld id="{FCFD76E8-DBDF-4EEF-BF39-62FDC92C57F2}" type="datetimeFigureOut">
               <a:rPr lang="ko-KR" altLang="en-US" smtClean="0"/>
-              <a:t>2024-04-06</a:t>
+              <a:t>2024-04-10</a:t>
             </a:fld>
             <a:endParaRPr lang="ko-KR" altLang="en-US"/>
           </a:p>
@@ -1240,7 +1241,7 @@
           <a:p>
             <a:fld id="{FCFD76E8-DBDF-4EEF-BF39-62FDC92C57F2}" type="datetimeFigureOut">
               <a:rPr lang="ko-KR" altLang="en-US" smtClean="0"/>
-              <a:t>2024-04-06</a:t>
+              <a:t>2024-04-10</a:t>
             </a:fld>
             <a:endParaRPr lang="ko-KR" altLang="en-US"/>
           </a:p>
@@ -1607,7 +1608,7 @@
           <a:p>
             <a:fld id="{FCFD76E8-DBDF-4EEF-BF39-62FDC92C57F2}" type="datetimeFigureOut">
               <a:rPr lang="ko-KR" altLang="en-US" smtClean="0"/>
-              <a:t>2024-04-06</a:t>
+              <a:t>2024-04-10</a:t>
             </a:fld>
             <a:endParaRPr lang="ko-KR" altLang="en-US"/>
           </a:p>
@@ -1725,7 +1726,7 @@
           <a:p>
             <a:fld id="{FCFD76E8-DBDF-4EEF-BF39-62FDC92C57F2}" type="datetimeFigureOut">
               <a:rPr lang="ko-KR" altLang="en-US" smtClean="0"/>
-              <a:t>2024-04-06</a:t>
+              <a:t>2024-04-10</a:t>
             </a:fld>
             <a:endParaRPr lang="ko-KR" altLang="en-US"/>
           </a:p>
@@ -1820,7 +1821,7 @@
           <a:p>
             <a:fld id="{FCFD76E8-DBDF-4EEF-BF39-62FDC92C57F2}" type="datetimeFigureOut">
               <a:rPr lang="ko-KR" altLang="en-US" smtClean="0"/>
-              <a:t>2024-04-06</a:t>
+              <a:t>2024-04-10</a:t>
             </a:fld>
             <a:endParaRPr lang="ko-KR" altLang="en-US"/>
           </a:p>
@@ -2097,7 +2098,7 @@
           <a:p>
             <a:fld id="{FCFD76E8-DBDF-4EEF-BF39-62FDC92C57F2}" type="datetimeFigureOut">
               <a:rPr lang="ko-KR" altLang="en-US" smtClean="0"/>
-              <a:t>2024-04-06</a:t>
+              <a:t>2024-04-10</a:t>
             </a:fld>
             <a:endParaRPr lang="ko-KR" altLang="en-US"/>
           </a:p>
@@ -2354,7 +2355,7 @@
           <a:p>
             <a:fld id="{FCFD76E8-DBDF-4EEF-BF39-62FDC92C57F2}" type="datetimeFigureOut">
               <a:rPr lang="ko-KR" altLang="en-US" smtClean="0"/>
-              <a:t>2024-04-06</a:t>
+              <a:t>2024-04-10</a:t>
             </a:fld>
             <a:endParaRPr lang="ko-KR" altLang="en-US"/>
           </a:p>
@@ -2567,7 +2568,7 @@
           <a:p>
             <a:fld id="{FCFD76E8-DBDF-4EEF-BF39-62FDC92C57F2}" type="datetimeFigureOut">
               <a:rPr lang="ko-KR" altLang="en-US" smtClean="0"/>
-              <a:t>2024-04-06</a:t>
+              <a:t>2024-04-10</a:t>
             </a:fld>
             <a:endParaRPr lang="ko-KR" altLang="en-US"/>
           </a:p>
@@ -2977,6 +2978,66 @@
           <p:cNvPr id="5" name="Picture 4">
             <a:extLst>
               <a:ext uri="{FF2B5EF4-FFF2-40B4-BE49-F238E27FC236}">
+                <a16:creationId xmlns:a16="http://schemas.microsoft.com/office/drawing/2014/main" id="{3C2DE987-AF2C-E5A1-A25F-A5EDA9574BFC}"/>
+              </a:ext>
+            </a:extLst>
+          </p:cNvPr>
+          <p:cNvPicPr>
+            <a:picLocks noChangeAspect="1"/>
+          </p:cNvPicPr>
+          <p:nvPr/>
+        </p:nvPicPr>
+        <p:blipFill>
+          <a:blip r:embed="rId2"/>
+          <a:stretch>
+            <a:fillRect/>
+          </a:stretch>
+        </p:blipFill>
+        <p:spPr>
+          <a:xfrm>
+            <a:off x="806429" y="1426120"/>
+            <a:ext cx="12774808" cy="8011643"/>
+          </a:xfrm>
+          <a:prstGeom prst="rect">
+            <a:avLst/>
+          </a:prstGeom>
+        </p:spPr>
+      </p:pic>
+    </p:spTree>
+    <p:extLst>
+      <p:ext uri="{BB962C8B-B14F-4D97-AF65-F5344CB8AC3E}">
+        <p14:creationId xmlns:p14="http://schemas.microsoft.com/office/powerpoint/2010/main" val="3523602864"/>
+      </p:ext>
+    </p:extLst>
+  </p:cSld>
+  <p:clrMapOvr>
+    <a:masterClrMapping/>
+  </p:clrMapOvr>
+</p:sld>
+</file>
+
+<file path=ppt/slides/slide2.xml><?xml version="1.0" encoding="utf-8"?>
+<p:sld xmlns:a="http://schemas.openxmlformats.org/drawingml/2006/main" xmlns:r="http://schemas.openxmlformats.org/officeDocument/2006/relationships" xmlns:p="http://schemas.openxmlformats.org/presentationml/2006/main">
+  <p:cSld>
+    <p:spTree>
+      <p:nvGrpSpPr>
+        <p:cNvPr id="1" name=""/>
+        <p:cNvGrpSpPr/>
+        <p:nvPr/>
+      </p:nvGrpSpPr>
+      <p:grpSpPr>
+        <a:xfrm>
+          <a:off x="0" y="0"/>
+          <a:ext cx="0" cy="0"/>
+          <a:chOff x="0" y="0"/>
+          <a:chExt cx="0" cy="0"/>
+        </a:xfrm>
+      </p:grpSpPr>
+      <p:pic>
+        <p:nvPicPr>
+          <p:cNvPr id="5" name="Picture 4">
+            <a:extLst>
+              <a:ext uri="{FF2B5EF4-FFF2-40B4-BE49-F238E27FC236}">
                 <a16:creationId xmlns:a16="http://schemas.microsoft.com/office/drawing/2014/main" id="{04E8EEAF-0BC0-7431-3EF7-EF49FBF9310E}"/>
               </a:ext>
             </a:extLst>
@@ -3637,7 +3698,7 @@
 </p:sld>
 </file>
 
-<file path=ppt/slides/slide2.xml><?xml version="1.0" encoding="utf-8"?>
+<file path=ppt/slides/slide3.xml><?xml version="1.0" encoding="utf-8"?>
 <p:sld xmlns:a="http://schemas.openxmlformats.org/drawingml/2006/main" xmlns:r="http://schemas.openxmlformats.org/officeDocument/2006/relationships" xmlns:p="http://schemas.openxmlformats.org/presentationml/2006/main">
   <p:cSld>
     <p:spTree>

--- a/images/00_post_prep/ppt_240405.pptx
+++ b/images/00_post_prep/ppt_240405.pptx
@@ -5,9 +5,10 @@
     <p:sldMasterId id="2147483660" r:id="rId1"/>
   </p:sldMasterIdLst>
   <p:sldIdLst>
-    <p:sldId id="294" r:id="rId2"/>
-    <p:sldId id="293" r:id="rId3"/>
-    <p:sldId id="292" r:id="rId4"/>
+    <p:sldId id="295" r:id="rId2"/>
+    <p:sldId id="294" r:id="rId3"/>
+    <p:sldId id="293" r:id="rId4"/>
+    <p:sldId id="292" r:id="rId5"/>
   </p:sldIdLst>
   <p:sldSz cx="18000663" cy="18000663"/>
   <p:notesSz cx="6858000" cy="9144000"/>
@@ -245,7 +246,7 @@
           <a:p>
             <a:fld id="{FCFD76E8-DBDF-4EEF-BF39-62FDC92C57F2}" type="datetimeFigureOut">
               <a:rPr lang="ko-KR" altLang="en-US" smtClean="0"/>
-              <a:t>2024-04-10</a:t>
+              <a:t>2024-04-11</a:t>
             </a:fld>
             <a:endParaRPr lang="ko-KR" altLang="en-US"/>
           </a:p>
@@ -415,7 +416,7 @@
           <a:p>
             <a:fld id="{FCFD76E8-DBDF-4EEF-BF39-62FDC92C57F2}" type="datetimeFigureOut">
               <a:rPr lang="ko-KR" altLang="en-US" smtClean="0"/>
-              <a:t>2024-04-10</a:t>
+              <a:t>2024-04-11</a:t>
             </a:fld>
             <a:endParaRPr lang="ko-KR" altLang="en-US"/>
           </a:p>
@@ -595,7 +596,7 @@
           <a:p>
             <a:fld id="{FCFD76E8-DBDF-4EEF-BF39-62FDC92C57F2}" type="datetimeFigureOut">
               <a:rPr lang="ko-KR" altLang="en-US" smtClean="0"/>
-              <a:t>2024-04-10</a:t>
+              <a:t>2024-04-11</a:t>
             </a:fld>
             <a:endParaRPr lang="ko-KR" altLang="en-US"/>
           </a:p>
@@ -765,7 +766,7 @@
           <a:p>
             <a:fld id="{FCFD76E8-DBDF-4EEF-BF39-62FDC92C57F2}" type="datetimeFigureOut">
               <a:rPr lang="ko-KR" altLang="en-US" smtClean="0"/>
-              <a:t>2024-04-10</a:t>
+              <a:t>2024-04-11</a:t>
             </a:fld>
             <a:endParaRPr lang="ko-KR" altLang="en-US"/>
           </a:p>
@@ -1009,7 +1010,7 @@
           <a:p>
             <a:fld id="{FCFD76E8-DBDF-4EEF-BF39-62FDC92C57F2}" type="datetimeFigureOut">
               <a:rPr lang="ko-KR" altLang="en-US" smtClean="0"/>
-              <a:t>2024-04-10</a:t>
+              <a:t>2024-04-11</a:t>
             </a:fld>
             <a:endParaRPr lang="ko-KR" altLang="en-US"/>
           </a:p>
@@ -1241,7 +1242,7 @@
           <a:p>
             <a:fld id="{FCFD76E8-DBDF-4EEF-BF39-62FDC92C57F2}" type="datetimeFigureOut">
               <a:rPr lang="ko-KR" altLang="en-US" smtClean="0"/>
-              <a:t>2024-04-10</a:t>
+              <a:t>2024-04-11</a:t>
             </a:fld>
             <a:endParaRPr lang="ko-KR" altLang="en-US"/>
           </a:p>
@@ -1608,7 +1609,7 @@
           <a:p>
             <a:fld id="{FCFD76E8-DBDF-4EEF-BF39-62FDC92C57F2}" type="datetimeFigureOut">
               <a:rPr lang="ko-KR" altLang="en-US" smtClean="0"/>
-              <a:t>2024-04-10</a:t>
+              <a:t>2024-04-11</a:t>
             </a:fld>
             <a:endParaRPr lang="ko-KR" altLang="en-US"/>
           </a:p>
@@ -1726,7 +1727,7 @@
           <a:p>
             <a:fld id="{FCFD76E8-DBDF-4EEF-BF39-62FDC92C57F2}" type="datetimeFigureOut">
               <a:rPr lang="ko-KR" altLang="en-US" smtClean="0"/>
-              <a:t>2024-04-10</a:t>
+              <a:t>2024-04-11</a:t>
             </a:fld>
             <a:endParaRPr lang="ko-KR" altLang="en-US"/>
           </a:p>
@@ -1821,7 +1822,7 @@
           <a:p>
             <a:fld id="{FCFD76E8-DBDF-4EEF-BF39-62FDC92C57F2}" type="datetimeFigureOut">
               <a:rPr lang="ko-KR" altLang="en-US" smtClean="0"/>
-              <a:t>2024-04-10</a:t>
+              <a:t>2024-04-11</a:t>
             </a:fld>
             <a:endParaRPr lang="ko-KR" altLang="en-US"/>
           </a:p>
@@ -2098,7 +2099,7 @@
           <a:p>
             <a:fld id="{FCFD76E8-DBDF-4EEF-BF39-62FDC92C57F2}" type="datetimeFigureOut">
               <a:rPr lang="ko-KR" altLang="en-US" smtClean="0"/>
-              <a:t>2024-04-10</a:t>
+              <a:t>2024-04-11</a:t>
             </a:fld>
             <a:endParaRPr lang="ko-KR" altLang="en-US"/>
           </a:p>
@@ -2355,7 +2356,7 @@
           <a:p>
             <a:fld id="{FCFD76E8-DBDF-4EEF-BF39-62FDC92C57F2}" type="datetimeFigureOut">
               <a:rPr lang="ko-KR" altLang="en-US" smtClean="0"/>
-              <a:t>2024-04-10</a:t>
+              <a:t>2024-04-11</a:t>
             </a:fld>
             <a:endParaRPr lang="ko-KR" altLang="en-US"/>
           </a:p>
@@ -2568,7 +2569,7 @@
           <a:p>
             <a:fld id="{FCFD76E8-DBDF-4EEF-BF39-62FDC92C57F2}" type="datetimeFigureOut">
               <a:rPr lang="ko-KR" altLang="en-US" smtClean="0"/>
-              <a:t>2024-04-10</a:t>
+              <a:t>2024-04-11</a:t>
             </a:fld>
             <a:endParaRPr lang="ko-KR" altLang="en-US"/>
           </a:p>
@@ -2973,12 +2974,61 @@
           <a:chExt cx="0" cy="0"/>
         </a:xfrm>
       </p:grpSpPr>
+      <p:sp>
+        <p:nvSpPr>
+          <p:cNvPr id="16" name="Rectangle 15">
+            <a:extLst>
+              <a:ext uri="{FF2B5EF4-FFF2-40B4-BE49-F238E27FC236}">
+                <a16:creationId xmlns:a16="http://schemas.microsoft.com/office/drawing/2014/main" id="{F10CBF3E-A6CB-4395-5375-8E38C4250CF2}"/>
+              </a:ext>
+            </a:extLst>
+          </p:cNvPr>
+          <p:cNvSpPr/>
+          <p:nvPr/>
+        </p:nvSpPr>
+        <p:spPr>
+          <a:xfrm>
+            <a:off x="5105400" y="2082800"/>
+            <a:ext cx="7315200" cy="6007100"/>
+          </a:xfrm>
+          <a:prstGeom prst="rect">
+            <a:avLst/>
+          </a:prstGeom>
+          <a:solidFill>
+            <a:srgbClr val="343A40"/>
+          </a:solidFill>
+        </p:spPr>
+        <p:style>
+          <a:lnRef idx="2">
+            <a:schemeClr val="accent1">
+              <a:shade val="15000"/>
+            </a:schemeClr>
+          </a:lnRef>
+          <a:fillRef idx="1">
+            <a:schemeClr val="accent1"/>
+          </a:fillRef>
+          <a:effectRef idx="0">
+            <a:schemeClr val="accent1"/>
+          </a:effectRef>
+          <a:fontRef idx="minor">
+            <a:schemeClr val="lt1"/>
+          </a:fontRef>
+        </p:style>
+        <p:txBody>
+          <a:bodyPr rtlCol="0" anchor="ctr"/>
+          <a:lstStyle/>
+          <a:p>
+            <a:pPr algn="ctr"/>
+            <a:endParaRPr lang="ko-KR" altLang="en-US"/>
+          </a:p>
+        </p:txBody>
+      </p:sp>
       <p:pic>
         <p:nvPicPr>
           <p:cNvPr id="5" name="Picture 4">
             <a:extLst>
               <a:ext uri="{FF2B5EF4-FFF2-40B4-BE49-F238E27FC236}">
-                <a16:creationId xmlns:a16="http://schemas.microsoft.com/office/drawing/2014/main" id="{3C2DE987-AF2C-E5A1-A25F-A5EDA9574BFC}"/>
+                <a16:creationId xmlns:a16="http://schemas.microsoft.com/office/drawing/2014/main" id="{45F1CAB5-C6D5-70FF-C6FA-F6DCAA67945B}"/>
               </a:ext>
             </a:extLst>
           </p:cNvPr>
@@ -2995,14 +3045,1400 @@
         </p:blipFill>
         <p:spPr>
           <a:xfrm>
-            <a:off x="806429" y="1426120"/>
-            <a:ext cx="12774808" cy="8011643"/>
+            <a:off x="5198969" y="3614449"/>
+            <a:ext cx="2321658" cy="2391109"/>
           </a:xfrm>
           <a:prstGeom prst="rect">
             <a:avLst/>
           </a:prstGeom>
+          <a:ln w="28575">
+            <a:solidFill>
+              <a:schemeClr val="bg1"/>
+            </a:solidFill>
+          </a:ln>
         </p:spPr>
       </p:pic>
+      <p:pic>
+        <p:nvPicPr>
+          <p:cNvPr id="7" name="Picture 6">
+            <a:extLst>
+              <a:ext uri="{FF2B5EF4-FFF2-40B4-BE49-F238E27FC236}">
+                <a16:creationId xmlns:a16="http://schemas.microsoft.com/office/drawing/2014/main" id="{E7FCF01E-218E-4AD4-8602-80962E4D5E29}"/>
+              </a:ext>
+            </a:extLst>
+          </p:cNvPr>
+          <p:cNvPicPr>
+            <a:picLocks noChangeAspect="1"/>
+          </p:cNvPicPr>
+          <p:nvPr/>
+        </p:nvPicPr>
+        <p:blipFill rotWithShape="1">
+          <a:blip r:embed="rId3"/>
+          <a:srcRect b="44809"/>
+          <a:stretch/>
+        </p:blipFill>
+        <p:spPr>
+          <a:xfrm>
+            <a:off x="8339205" y="2193130"/>
+            <a:ext cx="3496163" cy="1303900"/>
+          </a:xfrm>
+          <a:prstGeom prst="rect">
+            <a:avLst/>
+          </a:prstGeom>
+          <a:ln w="28575">
+            <a:solidFill>
+              <a:schemeClr val="bg1"/>
+            </a:solidFill>
+          </a:ln>
+        </p:spPr>
+      </p:pic>
+      <p:pic>
+        <p:nvPicPr>
+          <p:cNvPr id="9" name="Picture 8">
+            <a:extLst>
+              <a:ext uri="{FF2B5EF4-FFF2-40B4-BE49-F238E27FC236}">
+                <a16:creationId xmlns:a16="http://schemas.microsoft.com/office/drawing/2014/main" id="{1DF070F8-8689-E081-E199-C76C6F6DDF7D}"/>
+              </a:ext>
+            </a:extLst>
+          </p:cNvPr>
+          <p:cNvPicPr>
+            <a:picLocks noChangeAspect="1"/>
+          </p:cNvPicPr>
+          <p:nvPr/>
+        </p:nvPicPr>
+        <p:blipFill rotWithShape="1">
+          <a:blip r:embed="rId4"/>
+          <a:srcRect b="58652"/>
+          <a:stretch/>
+        </p:blipFill>
+        <p:spPr>
+          <a:xfrm>
+            <a:off x="8339205" y="3612148"/>
+            <a:ext cx="2705478" cy="366316"/>
+          </a:xfrm>
+          <a:prstGeom prst="rect">
+            <a:avLst/>
+          </a:prstGeom>
+          <a:ln w="28575">
+            <a:solidFill>
+              <a:schemeClr val="bg1"/>
+            </a:solidFill>
+          </a:ln>
+        </p:spPr>
+      </p:pic>
+      <p:pic>
+        <p:nvPicPr>
+          <p:cNvPr id="11" name="Picture 10">
+            <a:extLst>
+              <a:ext uri="{FF2B5EF4-FFF2-40B4-BE49-F238E27FC236}">
+                <a16:creationId xmlns:a16="http://schemas.microsoft.com/office/drawing/2014/main" id="{875A283E-B4F3-A858-F9D4-E5EEAA3FB2EB}"/>
+              </a:ext>
+            </a:extLst>
+          </p:cNvPr>
+          <p:cNvPicPr>
+            <a:picLocks noChangeAspect="1"/>
+          </p:cNvPicPr>
+          <p:nvPr/>
+        </p:nvPicPr>
+        <p:blipFill>
+          <a:blip r:embed="rId5"/>
+          <a:stretch>
+            <a:fillRect/>
+          </a:stretch>
+        </p:blipFill>
+        <p:spPr>
+          <a:xfrm>
+            <a:off x="8339205" y="4093582"/>
+            <a:ext cx="3991532" cy="2391109"/>
+          </a:xfrm>
+          <a:prstGeom prst="rect">
+            <a:avLst/>
+          </a:prstGeom>
+          <a:ln w="28575">
+            <a:solidFill>
+              <a:schemeClr val="bg1"/>
+            </a:solidFill>
+          </a:ln>
+        </p:spPr>
+      </p:pic>
+      <p:pic>
+        <p:nvPicPr>
+          <p:cNvPr id="40" name="Picture 39">
+            <a:extLst>
+              <a:ext uri="{FF2B5EF4-FFF2-40B4-BE49-F238E27FC236}">
+                <a16:creationId xmlns:a16="http://schemas.microsoft.com/office/drawing/2014/main" id="{A02E7D6F-8E0C-0BD8-EF1E-55418FC6B321}"/>
+              </a:ext>
+            </a:extLst>
+          </p:cNvPr>
+          <p:cNvPicPr>
+            <a:picLocks noChangeAspect="1"/>
+          </p:cNvPicPr>
+          <p:nvPr/>
+        </p:nvPicPr>
+        <p:blipFill>
+          <a:blip r:embed="rId6"/>
+          <a:stretch>
+            <a:fillRect/>
+          </a:stretch>
+        </p:blipFill>
+        <p:spPr>
+          <a:xfrm>
+            <a:off x="8339205" y="6599809"/>
+            <a:ext cx="1905266" cy="1390844"/>
+          </a:xfrm>
+          <a:prstGeom prst="rect">
+            <a:avLst/>
+          </a:prstGeom>
+          <a:ln w="28575">
+            <a:solidFill>
+              <a:schemeClr val="bg1"/>
+            </a:solidFill>
+          </a:ln>
+        </p:spPr>
+      </p:pic>
+      <p:cxnSp>
+        <p:nvCxnSpPr>
+          <p:cNvPr id="41" name="Straight Arrow Connector 40">
+            <a:extLst>
+              <a:ext uri="{FF2B5EF4-FFF2-40B4-BE49-F238E27FC236}">
+                <a16:creationId xmlns:a16="http://schemas.microsoft.com/office/drawing/2014/main" id="{5BDCB81F-6CC6-05D2-CD82-2094E129E89D}"/>
+              </a:ext>
+            </a:extLst>
+          </p:cNvPr>
+          <p:cNvCxnSpPr>
+            <a:cxnSpLocks/>
+          </p:cNvCxnSpPr>
+          <p:nvPr/>
+        </p:nvCxnSpPr>
+        <p:spPr>
+          <a:xfrm flipV="1">
+            <a:off x="7637887" y="2845080"/>
+            <a:ext cx="588704" cy="990320"/>
+          </a:xfrm>
+          <a:prstGeom prst="straightConnector1">
+            <a:avLst/>
+          </a:prstGeom>
+          <a:ln w="28575">
+            <a:solidFill>
+              <a:schemeClr val="bg1"/>
+            </a:solidFill>
+            <a:tailEnd type="triangle"/>
+          </a:ln>
+        </p:spPr>
+        <p:style>
+          <a:lnRef idx="1">
+            <a:schemeClr val="accent1"/>
+          </a:lnRef>
+          <a:fillRef idx="0">
+            <a:schemeClr val="accent1"/>
+          </a:fillRef>
+          <a:effectRef idx="0">
+            <a:schemeClr val="accent1"/>
+          </a:effectRef>
+          <a:fontRef idx="minor">
+            <a:schemeClr val="tx1"/>
+          </a:fontRef>
+        </p:style>
+      </p:cxnSp>
+      <p:cxnSp>
+        <p:nvCxnSpPr>
+          <p:cNvPr id="42" name="Straight Arrow Connector 41">
+            <a:extLst>
+              <a:ext uri="{FF2B5EF4-FFF2-40B4-BE49-F238E27FC236}">
+                <a16:creationId xmlns:a16="http://schemas.microsoft.com/office/drawing/2014/main" id="{7905F710-3D64-B843-A600-465595A0B8B5}"/>
+              </a:ext>
+            </a:extLst>
+          </p:cNvPr>
+          <p:cNvCxnSpPr>
+            <a:cxnSpLocks/>
+          </p:cNvCxnSpPr>
+          <p:nvPr/>
+        </p:nvCxnSpPr>
+        <p:spPr>
+          <a:xfrm flipV="1">
+            <a:off x="7637887" y="3795306"/>
+            <a:ext cx="588704" cy="649694"/>
+          </a:xfrm>
+          <a:prstGeom prst="straightConnector1">
+            <a:avLst/>
+          </a:prstGeom>
+          <a:ln w="28575">
+            <a:solidFill>
+              <a:schemeClr val="bg1"/>
+            </a:solidFill>
+            <a:tailEnd type="triangle"/>
+          </a:ln>
+        </p:spPr>
+        <p:style>
+          <a:lnRef idx="1">
+            <a:schemeClr val="accent1"/>
+          </a:lnRef>
+          <a:fillRef idx="0">
+            <a:schemeClr val="accent1"/>
+          </a:fillRef>
+          <a:effectRef idx="0">
+            <a:schemeClr val="accent1"/>
+          </a:effectRef>
+          <a:fontRef idx="minor">
+            <a:schemeClr val="tx1"/>
+          </a:fontRef>
+        </p:style>
+      </p:cxnSp>
+      <p:cxnSp>
+        <p:nvCxnSpPr>
+          <p:cNvPr id="43" name="Straight Arrow Connector 42">
+            <a:extLst>
+              <a:ext uri="{FF2B5EF4-FFF2-40B4-BE49-F238E27FC236}">
+                <a16:creationId xmlns:a16="http://schemas.microsoft.com/office/drawing/2014/main" id="{A0CB8D80-73DE-2E9C-154E-815CFE65D4CD}"/>
+              </a:ext>
+            </a:extLst>
+          </p:cNvPr>
+          <p:cNvCxnSpPr>
+            <a:cxnSpLocks/>
+          </p:cNvCxnSpPr>
+          <p:nvPr/>
+        </p:nvCxnSpPr>
+        <p:spPr>
+          <a:xfrm>
+            <a:off x="7637887" y="5122712"/>
+            <a:ext cx="588704" cy="0"/>
+          </a:xfrm>
+          <a:prstGeom prst="straightConnector1">
+            <a:avLst/>
+          </a:prstGeom>
+          <a:ln w="28575">
+            <a:solidFill>
+              <a:schemeClr val="bg1"/>
+            </a:solidFill>
+            <a:tailEnd type="triangle"/>
+          </a:ln>
+        </p:spPr>
+        <p:style>
+          <a:lnRef idx="1">
+            <a:schemeClr val="accent1"/>
+          </a:lnRef>
+          <a:fillRef idx="0">
+            <a:schemeClr val="accent1"/>
+          </a:fillRef>
+          <a:effectRef idx="0">
+            <a:schemeClr val="accent1"/>
+          </a:effectRef>
+          <a:fontRef idx="minor">
+            <a:schemeClr val="tx1"/>
+          </a:fontRef>
+        </p:style>
+      </p:cxnSp>
+      <p:cxnSp>
+        <p:nvCxnSpPr>
+          <p:cNvPr id="44" name="Straight Arrow Connector 43">
+            <a:extLst>
+              <a:ext uri="{FF2B5EF4-FFF2-40B4-BE49-F238E27FC236}">
+                <a16:creationId xmlns:a16="http://schemas.microsoft.com/office/drawing/2014/main" id="{A6306DAA-1771-D443-C150-B5B9B3ADB9FD}"/>
+              </a:ext>
+            </a:extLst>
+          </p:cNvPr>
+          <p:cNvCxnSpPr>
+            <a:cxnSpLocks/>
+          </p:cNvCxnSpPr>
+          <p:nvPr/>
+        </p:nvCxnSpPr>
+        <p:spPr>
+          <a:xfrm>
+            <a:off x="7637887" y="5803900"/>
+            <a:ext cx="588704" cy="1358503"/>
+          </a:xfrm>
+          <a:prstGeom prst="straightConnector1">
+            <a:avLst/>
+          </a:prstGeom>
+          <a:ln w="28575">
+            <a:solidFill>
+              <a:schemeClr val="bg1"/>
+            </a:solidFill>
+            <a:tailEnd type="triangle"/>
+          </a:ln>
+        </p:spPr>
+        <p:style>
+          <a:lnRef idx="1">
+            <a:schemeClr val="accent1"/>
+          </a:lnRef>
+          <a:fillRef idx="0">
+            <a:schemeClr val="accent1"/>
+          </a:fillRef>
+          <a:effectRef idx="0">
+            <a:schemeClr val="accent1"/>
+          </a:effectRef>
+          <a:fontRef idx="minor">
+            <a:schemeClr val="tx1"/>
+          </a:fontRef>
+        </p:style>
+      </p:cxnSp>
+    </p:spTree>
+    <p:extLst>
+      <p:ext uri="{BB962C8B-B14F-4D97-AF65-F5344CB8AC3E}">
+        <p14:creationId xmlns:p14="http://schemas.microsoft.com/office/powerpoint/2010/main" val="3135439112"/>
+      </p:ext>
+    </p:extLst>
+  </p:cSld>
+  <p:clrMapOvr>
+    <a:masterClrMapping/>
+  </p:clrMapOvr>
+</p:sld>
+</file>
+
+<file path=ppt/slides/slide2.xml><?xml version="1.0" encoding="utf-8"?>
+<p:sld xmlns:a="http://schemas.openxmlformats.org/drawingml/2006/main" xmlns:r="http://schemas.openxmlformats.org/officeDocument/2006/relationships" xmlns:p="http://schemas.openxmlformats.org/presentationml/2006/main">
+  <p:cSld>
+    <p:spTree>
+      <p:nvGrpSpPr>
+        <p:cNvPr id="1" name=""/>
+        <p:cNvGrpSpPr/>
+        <p:nvPr/>
+      </p:nvGrpSpPr>
+      <p:grpSpPr>
+        <a:xfrm>
+          <a:off x="0" y="0"/>
+          <a:ext cx="0" cy="0"/>
+          <a:chOff x="0" y="0"/>
+          <a:chExt cx="0" cy="0"/>
+        </a:xfrm>
+      </p:grpSpPr>
+      <p:grpSp>
+        <p:nvGrpSpPr>
+          <p:cNvPr id="56" name="Group 55">
+            <a:extLst>
+              <a:ext uri="{FF2B5EF4-FFF2-40B4-BE49-F238E27FC236}">
+                <a16:creationId xmlns:a16="http://schemas.microsoft.com/office/drawing/2014/main" id="{B7A5905C-D779-9834-24D9-D0A833E41534}"/>
+              </a:ext>
+            </a:extLst>
+          </p:cNvPr>
+          <p:cNvGrpSpPr/>
+          <p:nvPr/>
+        </p:nvGrpSpPr>
+        <p:grpSpPr>
+          <a:xfrm>
+            <a:off x="2600843" y="150371"/>
+            <a:ext cx="13698862" cy="15457518"/>
+            <a:chOff x="2600843" y="150371"/>
+            <a:chExt cx="13698862" cy="15457518"/>
+          </a:xfrm>
+        </p:grpSpPr>
+        <p:sp>
+          <p:nvSpPr>
+            <p:cNvPr id="55" name="Rectangle 54">
+              <a:extLst>
+                <a:ext uri="{FF2B5EF4-FFF2-40B4-BE49-F238E27FC236}">
+                  <a16:creationId xmlns:a16="http://schemas.microsoft.com/office/drawing/2014/main" id="{B0E80965-69A1-A553-8A54-BC9016549349}"/>
+                </a:ext>
+              </a:extLst>
+            </p:cNvPr>
+            <p:cNvSpPr/>
+            <p:nvPr/>
+          </p:nvSpPr>
+          <p:spPr>
+            <a:xfrm>
+              <a:off x="2600843" y="150371"/>
+              <a:ext cx="13698862" cy="15457518"/>
+            </a:xfrm>
+            <a:prstGeom prst="rect">
+              <a:avLst/>
+            </a:prstGeom>
+            <a:solidFill>
+              <a:schemeClr val="bg1"/>
+            </a:solidFill>
+            <a:ln>
+              <a:noFill/>
+            </a:ln>
+          </p:spPr>
+          <p:style>
+            <a:lnRef idx="2">
+              <a:schemeClr val="accent1">
+                <a:shade val="15000"/>
+              </a:schemeClr>
+            </a:lnRef>
+            <a:fillRef idx="1">
+              <a:schemeClr val="accent1"/>
+            </a:fillRef>
+            <a:effectRef idx="0">
+              <a:schemeClr val="accent1"/>
+            </a:effectRef>
+            <a:fontRef idx="minor">
+              <a:schemeClr val="lt1"/>
+            </a:fontRef>
+          </p:style>
+          <p:txBody>
+            <a:bodyPr rtlCol="0" anchor="ctr"/>
+            <a:lstStyle/>
+            <a:p>
+              <a:pPr algn="ctr"/>
+              <a:endParaRPr lang="ko-KR" altLang="en-US"/>
+            </a:p>
+          </p:txBody>
+        </p:sp>
+        <p:pic>
+          <p:nvPicPr>
+            <p:cNvPr id="3" name="Picture 2">
+              <a:extLst>
+                <a:ext uri="{FF2B5EF4-FFF2-40B4-BE49-F238E27FC236}">
+                  <a16:creationId xmlns:a16="http://schemas.microsoft.com/office/drawing/2014/main" id="{2EC6B01F-D10B-2B3F-6A35-551C0B1A83EE}"/>
+                </a:ext>
+              </a:extLst>
+            </p:cNvPr>
+            <p:cNvPicPr>
+              <a:picLocks noChangeAspect="1"/>
+            </p:cNvPicPr>
+            <p:nvPr/>
+          </p:nvPicPr>
+          <p:blipFill>
+            <a:blip r:embed="rId2"/>
+            <a:stretch>
+              <a:fillRect/>
+            </a:stretch>
+          </p:blipFill>
+          <p:spPr>
+            <a:xfrm>
+              <a:off x="2600843" y="150371"/>
+              <a:ext cx="13698862" cy="6373114"/>
+            </a:xfrm>
+            <a:prstGeom prst="rect">
+              <a:avLst/>
+            </a:prstGeom>
+            <a:ln>
+              <a:solidFill>
+                <a:schemeClr val="tx1"/>
+              </a:solidFill>
+            </a:ln>
+          </p:spPr>
+        </p:pic>
+        <p:sp>
+          <p:nvSpPr>
+            <p:cNvPr id="9" name="Rectangle 8">
+              <a:extLst>
+                <a:ext uri="{FF2B5EF4-FFF2-40B4-BE49-F238E27FC236}">
+                  <a16:creationId xmlns:a16="http://schemas.microsoft.com/office/drawing/2014/main" id="{19C20077-ADB5-97A7-39BE-F107ABCAB27E}"/>
+                </a:ext>
+              </a:extLst>
+            </p:cNvPr>
+            <p:cNvSpPr/>
+            <p:nvPr/>
+          </p:nvSpPr>
+          <p:spPr>
+            <a:xfrm>
+              <a:off x="5513406" y="3153020"/>
+              <a:ext cx="6934911" cy="410720"/>
+            </a:xfrm>
+            <a:prstGeom prst="rect">
+              <a:avLst/>
+            </a:prstGeom>
+            <a:solidFill>
+              <a:schemeClr val="bg1"/>
+            </a:solidFill>
+            <a:ln>
+              <a:noFill/>
+            </a:ln>
+          </p:spPr>
+          <p:style>
+            <a:lnRef idx="2">
+              <a:schemeClr val="accent1">
+                <a:shade val="15000"/>
+              </a:schemeClr>
+            </a:lnRef>
+            <a:fillRef idx="1">
+              <a:schemeClr val="accent1"/>
+            </a:fillRef>
+            <a:effectRef idx="0">
+              <a:schemeClr val="accent1"/>
+            </a:effectRef>
+            <a:fontRef idx="minor">
+              <a:schemeClr val="lt1"/>
+            </a:fontRef>
+          </p:style>
+          <p:txBody>
+            <a:bodyPr rtlCol="0" anchor="ctr"/>
+            <a:lstStyle/>
+            <a:p>
+              <a:pPr algn="ctr"/>
+              <a:endParaRPr lang="ko-KR" altLang="en-US" dirty="0"/>
+            </a:p>
+          </p:txBody>
+        </p:sp>
+        <p:sp>
+          <p:nvSpPr>
+            <p:cNvPr id="10" name="Rectangle 9">
+              <a:extLst>
+                <a:ext uri="{FF2B5EF4-FFF2-40B4-BE49-F238E27FC236}">
+                  <a16:creationId xmlns:a16="http://schemas.microsoft.com/office/drawing/2014/main" id="{5ABB6ED7-6FFD-BECD-7342-26700BD3CE02}"/>
+                </a:ext>
+              </a:extLst>
+            </p:cNvPr>
+            <p:cNvSpPr/>
+            <p:nvPr/>
+          </p:nvSpPr>
+          <p:spPr>
+            <a:xfrm>
+              <a:off x="5513405" y="3027645"/>
+              <a:ext cx="6934911" cy="661469"/>
+            </a:xfrm>
+            <a:prstGeom prst="rect">
+              <a:avLst/>
+            </a:prstGeom>
+            <a:solidFill>
+              <a:srgbClr val="FF0000">
+                <a:alpha val="10000"/>
+              </a:srgbClr>
+            </a:solidFill>
+            <a:ln>
+              <a:noFill/>
+            </a:ln>
+          </p:spPr>
+          <p:style>
+            <a:lnRef idx="2">
+              <a:schemeClr val="accent1">
+                <a:shade val="15000"/>
+              </a:schemeClr>
+            </a:lnRef>
+            <a:fillRef idx="1">
+              <a:schemeClr val="accent1"/>
+            </a:fillRef>
+            <a:effectRef idx="0">
+              <a:schemeClr val="accent1"/>
+            </a:effectRef>
+            <a:fontRef idx="minor">
+              <a:schemeClr val="lt1"/>
+            </a:fontRef>
+          </p:style>
+          <p:txBody>
+            <a:bodyPr rtlCol="0" anchor="ctr"/>
+            <a:lstStyle/>
+            <a:p>
+              <a:pPr algn="ctr"/>
+              <a:endParaRPr lang="ko-KR" altLang="en-US" dirty="0"/>
+            </a:p>
+          </p:txBody>
+        </p:sp>
+        <p:sp>
+          <p:nvSpPr>
+            <p:cNvPr id="11" name="TextBox 10">
+              <a:extLst>
+                <a:ext uri="{FF2B5EF4-FFF2-40B4-BE49-F238E27FC236}">
+                  <a16:creationId xmlns:a16="http://schemas.microsoft.com/office/drawing/2014/main" id="{52BEA0AC-405F-19D0-60FE-0F0A28800C9D}"/>
+                </a:ext>
+              </a:extLst>
+            </p:cNvPr>
+            <p:cNvSpPr txBox="1"/>
+            <p:nvPr/>
+          </p:nvSpPr>
+          <p:spPr>
+            <a:xfrm flipH="1">
+              <a:off x="5513404" y="3042784"/>
+              <a:ext cx="7117654" cy="646331"/>
+            </a:xfrm>
+            <a:prstGeom prst="rect">
+              <a:avLst/>
+            </a:prstGeom>
+            <a:noFill/>
+            <a:ln>
+              <a:noFill/>
+            </a:ln>
+          </p:spPr>
+          <p:txBody>
+            <a:bodyPr wrap="none" rtlCol="0">
+              <a:spAutoFit/>
+            </a:bodyPr>
+            <a:lstStyle/>
+            <a:p>
+              <a:r>
+                <a:rPr lang="en-US" altLang="ko-KR" b="1" dirty="0">
+                  <a:solidFill>
+                    <a:srgbClr val="FF0000"/>
+                  </a:solidFill>
+                  <a:latin typeface="Roboto" panose="02000000000000000000" pitchFamily="2" charset="0"/>
+                  <a:ea typeface="Roboto" panose="02000000000000000000" pitchFamily="2" charset="0"/>
+                </a:rPr>
+                <a:t>1. </a:t>
+              </a:r>
+              <a:r>
+                <a:rPr lang="en-US" altLang="ko-KR" dirty="0">
+                  <a:solidFill>
+                    <a:srgbClr val="FF0000"/>
+                  </a:solidFill>
+                  <a:latin typeface="Roboto" panose="02000000000000000000" pitchFamily="2" charset="0"/>
+                  <a:ea typeface="Roboto" panose="02000000000000000000" pitchFamily="2" charset="0"/>
+                </a:rPr>
+                <a:t>Enter </a:t>
+              </a:r>
+              <a:r>
+                <a:rPr lang="en-US" altLang="ko-KR" b="1" dirty="0">
+                  <a:solidFill>
+                    <a:srgbClr val="FF0000"/>
+                  </a:solidFill>
+                  <a:latin typeface="Roboto" panose="02000000000000000000" pitchFamily="2" charset="0"/>
+                  <a:ea typeface="Roboto" panose="02000000000000000000" pitchFamily="2" charset="0"/>
+                </a:rPr>
+                <a:t>“accession number”</a:t>
+              </a:r>
+              <a:r>
+                <a:rPr lang="en-US" altLang="ko-KR" dirty="0">
+                  <a:solidFill>
+                    <a:srgbClr val="FF0000"/>
+                  </a:solidFill>
+                  <a:latin typeface="Roboto" panose="02000000000000000000" pitchFamily="2" charset="0"/>
+                  <a:ea typeface="Roboto" panose="02000000000000000000" pitchFamily="2" charset="0"/>
+                </a:rPr>
+                <a:t> or </a:t>
+              </a:r>
+            </a:p>
+            <a:p>
+              <a:r>
+                <a:rPr lang="en-US" altLang="ko-KR" dirty="0">
+                  <a:solidFill>
+                    <a:srgbClr val="FF0000"/>
+                  </a:solidFill>
+                  <a:latin typeface="Roboto" panose="02000000000000000000" pitchFamily="2" charset="0"/>
+                  <a:ea typeface="Roboto" panose="02000000000000000000" pitchFamily="2" charset="0"/>
+                </a:rPr>
+                <a:t>               </a:t>
+              </a:r>
+              <a:r>
+                <a:rPr lang="en-US" altLang="ko-KR" b="1" dirty="0">
+                  <a:solidFill>
+                    <a:srgbClr val="FF0000"/>
+                  </a:solidFill>
+                  <a:latin typeface="Roboto" panose="02000000000000000000" pitchFamily="2" charset="0"/>
+                  <a:ea typeface="Roboto" panose="02000000000000000000" pitchFamily="2" charset="0"/>
+                </a:rPr>
+                <a:t>“the keywords as if you are searching in the SRA database”</a:t>
+              </a:r>
+            </a:p>
+          </p:txBody>
+        </p:sp>
+        <p:pic>
+          <p:nvPicPr>
+            <p:cNvPr id="13" name="Picture 12">
+              <a:extLst>
+                <a:ext uri="{FF2B5EF4-FFF2-40B4-BE49-F238E27FC236}">
+                  <a16:creationId xmlns:a16="http://schemas.microsoft.com/office/drawing/2014/main" id="{FC4B45AF-1BFA-0D7A-61F9-998DD47E623E}"/>
+                </a:ext>
+              </a:extLst>
+            </p:cNvPr>
+            <p:cNvPicPr>
+              <a:picLocks noChangeAspect="1"/>
+            </p:cNvPicPr>
+            <p:nvPr/>
+          </p:nvPicPr>
+          <p:blipFill>
+            <a:blip r:embed="rId3"/>
+            <a:stretch>
+              <a:fillRect/>
+            </a:stretch>
+          </p:blipFill>
+          <p:spPr>
+            <a:xfrm>
+              <a:off x="2600843" y="7129114"/>
+              <a:ext cx="13698862" cy="5439534"/>
+            </a:xfrm>
+            <a:prstGeom prst="rect">
+              <a:avLst/>
+            </a:prstGeom>
+            <a:ln>
+              <a:solidFill>
+                <a:schemeClr val="tx1"/>
+              </a:solidFill>
+            </a:ln>
+          </p:spPr>
+        </p:pic>
+        <p:sp>
+          <p:nvSpPr>
+            <p:cNvPr id="14" name="TextBox 13">
+              <a:extLst>
+                <a:ext uri="{FF2B5EF4-FFF2-40B4-BE49-F238E27FC236}">
+                  <a16:creationId xmlns:a16="http://schemas.microsoft.com/office/drawing/2014/main" id="{51E6A1DC-95F2-CCD2-B0D4-B4D95D1DBBE7}"/>
+                </a:ext>
+              </a:extLst>
+            </p:cNvPr>
+            <p:cNvSpPr txBox="1"/>
+            <p:nvPr/>
+          </p:nvSpPr>
+          <p:spPr>
+            <a:xfrm flipH="1">
+              <a:off x="2600843" y="8630999"/>
+              <a:ext cx="2840842" cy="369332"/>
+            </a:xfrm>
+            <a:prstGeom prst="rect">
+              <a:avLst/>
+            </a:prstGeom>
+            <a:noFill/>
+            <a:ln>
+              <a:noFill/>
+            </a:ln>
+          </p:spPr>
+          <p:txBody>
+            <a:bodyPr wrap="none" rtlCol="0">
+              <a:spAutoFit/>
+            </a:bodyPr>
+            <a:lstStyle/>
+            <a:p>
+              <a:r>
+                <a:rPr lang="en-US" altLang="ko-KR" b="1" dirty="0">
+                  <a:solidFill>
+                    <a:srgbClr val="FF0000"/>
+                  </a:solidFill>
+                  <a:latin typeface="Roboto" panose="02000000000000000000" pitchFamily="2" charset="0"/>
+                  <a:ea typeface="Roboto" panose="02000000000000000000" pitchFamily="2" charset="0"/>
+                </a:rPr>
+                <a:t>2. Select relevant datasets</a:t>
+              </a:r>
+            </a:p>
+          </p:txBody>
+        </p:sp>
+        <p:sp>
+          <p:nvSpPr>
+            <p:cNvPr id="16" name="TextBox 15">
+              <a:extLst>
+                <a:ext uri="{FF2B5EF4-FFF2-40B4-BE49-F238E27FC236}">
+                  <a16:creationId xmlns:a16="http://schemas.microsoft.com/office/drawing/2014/main" id="{C91BFB65-872D-6CFA-9FB7-83B275D9EACB}"/>
+                </a:ext>
+              </a:extLst>
+            </p:cNvPr>
+            <p:cNvSpPr txBox="1"/>
+            <p:nvPr/>
+          </p:nvSpPr>
+          <p:spPr>
+            <a:xfrm flipH="1">
+              <a:off x="2600843" y="6728716"/>
+              <a:ext cx="8523487" cy="369332"/>
+            </a:xfrm>
+            <a:prstGeom prst="rect">
+              <a:avLst/>
+            </a:prstGeom>
+            <a:noFill/>
+            <a:ln>
+              <a:noFill/>
+            </a:ln>
+          </p:spPr>
+          <p:txBody>
+            <a:bodyPr wrap="none" rtlCol="0">
+              <a:spAutoFit/>
+            </a:bodyPr>
+            <a:lstStyle/>
+            <a:p>
+              <a:r>
+                <a:rPr lang="en-US" altLang="ko-KR" b="1" dirty="0">
+                  <a:latin typeface="Roboto" panose="02000000000000000000" pitchFamily="2" charset="0"/>
+                  <a:ea typeface="Roboto" panose="02000000000000000000" pitchFamily="2" charset="0"/>
+                </a:rPr>
+                <a:t>The results when searching for "Homo sapiens"[Organism] AND RNA-Seq[Strategy].</a:t>
+              </a:r>
+              <a:endParaRPr lang="en-US" altLang="ko-KR" dirty="0">
+                <a:latin typeface="Roboto" panose="02000000000000000000" pitchFamily="2" charset="0"/>
+                <a:ea typeface="Roboto" panose="02000000000000000000" pitchFamily="2" charset="0"/>
+              </a:endParaRPr>
+            </a:p>
+          </p:txBody>
+        </p:sp>
+        <p:cxnSp>
+          <p:nvCxnSpPr>
+            <p:cNvPr id="19" name="Straight Arrow Connector 18">
+              <a:extLst>
+                <a:ext uri="{FF2B5EF4-FFF2-40B4-BE49-F238E27FC236}">
+                  <a16:creationId xmlns:a16="http://schemas.microsoft.com/office/drawing/2014/main" id="{B8CCE757-6C13-49D7-C1A1-814519DA6E7F}"/>
+                </a:ext>
+              </a:extLst>
+            </p:cNvPr>
+            <p:cNvCxnSpPr>
+              <a:cxnSpLocks/>
+              <a:endCxn id="16" idx="0"/>
+            </p:cNvCxnSpPr>
+            <p:nvPr/>
+          </p:nvCxnSpPr>
+          <p:spPr>
+            <a:xfrm flipH="1">
+              <a:off x="6862586" y="3715238"/>
+              <a:ext cx="1924566" cy="3013478"/>
+            </a:xfrm>
+            <a:prstGeom prst="straightConnector1">
+              <a:avLst/>
+            </a:prstGeom>
+            <a:ln w="28575">
+              <a:solidFill>
+                <a:srgbClr val="FF0000"/>
+              </a:solidFill>
+              <a:prstDash val="sysDot"/>
+              <a:tailEnd type="triangle"/>
+            </a:ln>
+          </p:spPr>
+          <p:style>
+            <a:lnRef idx="1">
+              <a:schemeClr val="accent1"/>
+            </a:lnRef>
+            <a:fillRef idx="0">
+              <a:schemeClr val="accent1"/>
+            </a:fillRef>
+            <a:effectRef idx="0">
+              <a:schemeClr val="accent1"/>
+            </a:effectRef>
+            <a:fontRef idx="minor">
+              <a:schemeClr val="tx1"/>
+            </a:fontRef>
+          </p:style>
+        </p:cxnSp>
+        <p:cxnSp>
+          <p:nvCxnSpPr>
+            <p:cNvPr id="21" name="Straight Arrow Connector 20">
+              <a:extLst>
+                <a:ext uri="{FF2B5EF4-FFF2-40B4-BE49-F238E27FC236}">
+                  <a16:creationId xmlns:a16="http://schemas.microsoft.com/office/drawing/2014/main" id="{C748E456-BA4F-47D5-F365-385931E8AFB9}"/>
+                </a:ext>
+              </a:extLst>
+            </p:cNvPr>
+            <p:cNvCxnSpPr>
+              <a:cxnSpLocks/>
+            </p:cNvCxnSpPr>
+            <p:nvPr/>
+          </p:nvCxnSpPr>
+          <p:spPr>
+            <a:xfrm flipH="1">
+              <a:off x="2888342" y="9000331"/>
+              <a:ext cx="629558" cy="605629"/>
+            </a:xfrm>
+            <a:prstGeom prst="straightConnector1">
+              <a:avLst/>
+            </a:prstGeom>
+            <a:ln w="28575">
+              <a:solidFill>
+                <a:srgbClr val="FF0000"/>
+              </a:solidFill>
+              <a:prstDash val="sysDot"/>
+              <a:tailEnd type="triangle"/>
+            </a:ln>
+          </p:spPr>
+          <p:style>
+            <a:lnRef idx="1">
+              <a:schemeClr val="accent1"/>
+            </a:lnRef>
+            <a:fillRef idx="0">
+              <a:schemeClr val="accent1"/>
+            </a:fillRef>
+            <a:effectRef idx="0">
+              <a:schemeClr val="accent1"/>
+            </a:effectRef>
+            <a:fontRef idx="minor">
+              <a:schemeClr val="tx1"/>
+            </a:fontRef>
+          </p:style>
+        </p:cxnSp>
+        <p:sp>
+          <p:nvSpPr>
+            <p:cNvPr id="27" name="TextBox 26">
+              <a:extLst>
+                <a:ext uri="{FF2B5EF4-FFF2-40B4-BE49-F238E27FC236}">
+                  <a16:creationId xmlns:a16="http://schemas.microsoft.com/office/drawing/2014/main" id="{2F41E858-DBD2-CF2F-B604-8932D6B6BBB1}"/>
+                </a:ext>
+              </a:extLst>
+            </p:cNvPr>
+            <p:cNvSpPr txBox="1"/>
+            <p:nvPr/>
+          </p:nvSpPr>
+          <p:spPr>
+            <a:xfrm flipH="1">
+              <a:off x="11583080" y="8019934"/>
+              <a:ext cx="2938625" cy="646331"/>
+            </a:xfrm>
+            <a:prstGeom prst="rect">
+              <a:avLst/>
+            </a:prstGeom>
+            <a:noFill/>
+            <a:ln>
+              <a:noFill/>
+            </a:ln>
+          </p:spPr>
+          <p:txBody>
+            <a:bodyPr wrap="none" rtlCol="0">
+              <a:spAutoFit/>
+            </a:bodyPr>
+            <a:lstStyle/>
+            <a:p>
+              <a:r>
+                <a:rPr lang="en-US" altLang="ko-KR" b="1" dirty="0">
+                  <a:solidFill>
+                    <a:srgbClr val="FF0000"/>
+                  </a:solidFill>
+                  <a:latin typeface="Roboto" panose="02000000000000000000" pitchFamily="2" charset="0"/>
+                  <a:ea typeface="Roboto" panose="02000000000000000000" pitchFamily="2" charset="0"/>
+                </a:rPr>
+                <a:t>3. Click “Add to collection”</a:t>
+              </a:r>
+            </a:p>
+            <a:p>
+              <a:r>
+                <a:rPr lang="en-US" altLang="ko-KR" b="1" dirty="0">
+                  <a:solidFill>
+                    <a:srgbClr val="FF0000"/>
+                  </a:solidFill>
+                  <a:latin typeface="Roboto" panose="02000000000000000000" pitchFamily="2" charset="0"/>
+                  <a:ea typeface="Roboto" panose="02000000000000000000" pitchFamily="2" charset="0"/>
+                </a:rPr>
+                <a:t>&amp; move to “saved datasets”</a:t>
+              </a:r>
+            </a:p>
+          </p:txBody>
+        </p:sp>
+        <p:cxnSp>
+          <p:nvCxnSpPr>
+            <p:cNvPr id="28" name="Straight Arrow Connector 27">
+              <a:extLst>
+                <a:ext uri="{FF2B5EF4-FFF2-40B4-BE49-F238E27FC236}">
+                  <a16:creationId xmlns:a16="http://schemas.microsoft.com/office/drawing/2014/main" id="{2FE810E9-8C5D-814B-7FB1-15FBF99FCAC4}"/>
+                </a:ext>
+              </a:extLst>
+            </p:cNvPr>
+            <p:cNvCxnSpPr>
+              <a:cxnSpLocks/>
+            </p:cNvCxnSpPr>
+            <p:nvPr/>
+          </p:nvCxnSpPr>
+          <p:spPr>
+            <a:xfrm flipV="1">
+              <a:off x="15316200" y="7654891"/>
+              <a:ext cx="0" cy="415714"/>
+            </a:xfrm>
+            <a:prstGeom prst="straightConnector1">
+              <a:avLst/>
+            </a:prstGeom>
+            <a:ln w="28575">
+              <a:solidFill>
+                <a:srgbClr val="FF0000"/>
+              </a:solidFill>
+              <a:prstDash val="sysDot"/>
+              <a:tailEnd type="triangle"/>
+            </a:ln>
+          </p:spPr>
+          <p:style>
+            <a:lnRef idx="1">
+              <a:schemeClr val="accent1"/>
+            </a:lnRef>
+            <a:fillRef idx="0">
+              <a:schemeClr val="accent1"/>
+            </a:fillRef>
+            <a:effectRef idx="0">
+              <a:schemeClr val="accent1"/>
+            </a:effectRef>
+            <a:fontRef idx="minor">
+              <a:schemeClr val="tx1"/>
+            </a:fontRef>
+          </p:style>
+        </p:cxnSp>
+        <p:cxnSp>
+          <p:nvCxnSpPr>
+            <p:cNvPr id="30" name="Straight Arrow Connector 29">
+              <a:extLst>
+                <a:ext uri="{FF2B5EF4-FFF2-40B4-BE49-F238E27FC236}">
+                  <a16:creationId xmlns:a16="http://schemas.microsoft.com/office/drawing/2014/main" id="{66D9B943-C65B-D44B-AB95-677CE124ED2B}"/>
+                </a:ext>
+              </a:extLst>
+            </p:cNvPr>
+            <p:cNvCxnSpPr>
+              <a:cxnSpLocks/>
+            </p:cNvCxnSpPr>
+            <p:nvPr/>
+          </p:nvCxnSpPr>
+          <p:spPr>
+            <a:xfrm flipV="1">
+              <a:off x="4754902" y="8432800"/>
+              <a:ext cx="6611598" cy="1974712"/>
+            </a:xfrm>
+            <a:prstGeom prst="straightConnector1">
+              <a:avLst/>
+            </a:prstGeom>
+            <a:ln w="28575">
+              <a:solidFill>
+                <a:srgbClr val="FF0000"/>
+              </a:solidFill>
+              <a:prstDash val="sysDot"/>
+              <a:tailEnd type="triangle"/>
+            </a:ln>
+          </p:spPr>
+          <p:style>
+            <a:lnRef idx="1">
+              <a:schemeClr val="accent1"/>
+            </a:lnRef>
+            <a:fillRef idx="0">
+              <a:schemeClr val="accent1"/>
+            </a:fillRef>
+            <a:effectRef idx="0">
+              <a:schemeClr val="accent1"/>
+            </a:effectRef>
+            <a:fontRef idx="minor">
+              <a:schemeClr val="tx1"/>
+            </a:fontRef>
+          </p:style>
+        </p:cxnSp>
+        <p:sp>
+          <p:nvSpPr>
+            <p:cNvPr id="34" name="Rectangle 33">
+              <a:extLst>
+                <a:ext uri="{FF2B5EF4-FFF2-40B4-BE49-F238E27FC236}">
+                  <a16:creationId xmlns:a16="http://schemas.microsoft.com/office/drawing/2014/main" id="{90DDCF85-8794-8597-5C8C-D8657FD13092}"/>
+                </a:ext>
+              </a:extLst>
+            </p:cNvPr>
+            <p:cNvSpPr/>
+            <p:nvPr/>
+          </p:nvSpPr>
+          <p:spPr>
+            <a:xfrm>
+              <a:off x="14521705" y="7231251"/>
+              <a:ext cx="1646982" cy="302451"/>
+            </a:xfrm>
+            <a:prstGeom prst="rect">
+              <a:avLst/>
+            </a:prstGeom>
+            <a:solidFill>
+              <a:srgbClr val="FF0000">
+                <a:alpha val="30000"/>
+              </a:srgbClr>
+            </a:solidFill>
+            <a:ln>
+              <a:noFill/>
+            </a:ln>
+          </p:spPr>
+          <p:style>
+            <a:lnRef idx="2">
+              <a:schemeClr val="accent1">
+                <a:shade val="15000"/>
+              </a:schemeClr>
+            </a:lnRef>
+            <a:fillRef idx="1">
+              <a:schemeClr val="accent1"/>
+            </a:fillRef>
+            <a:effectRef idx="0">
+              <a:schemeClr val="accent1"/>
+            </a:effectRef>
+            <a:fontRef idx="minor">
+              <a:schemeClr val="lt1"/>
+            </a:fontRef>
+          </p:style>
+          <p:txBody>
+            <a:bodyPr rtlCol="0" anchor="ctr"/>
+            <a:lstStyle/>
+            <a:p>
+              <a:pPr algn="ctr"/>
+              <a:endParaRPr lang="ko-KR" altLang="en-US"/>
+            </a:p>
+          </p:txBody>
+        </p:sp>
+        <p:sp>
+          <p:nvSpPr>
+            <p:cNvPr id="35" name="Rectangle 34">
+              <a:extLst>
+                <a:ext uri="{FF2B5EF4-FFF2-40B4-BE49-F238E27FC236}">
+                  <a16:creationId xmlns:a16="http://schemas.microsoft.com/office/drawing/2014/main" id="{2AE286E8-FDD8-85FD-3DA7-2E4D4CE15AAD}"/>
+                </a:ext>
+              </a:extLst>
+            </p:cNvPr>
+            <p:cNvSpPr/>
+            <p:nvPr/>
+          </p:nvSpPr>
+          <p:spPr>
+            <a:xfrm>
+              <a:off x="14687549" y="8215688"/>
+              <a:ext cx="1481137" cy="302451"/>
+            </a:xfrm>
+            <a:prstGeom prst="rect">
+              <a:avLst/>
+            </a:prstGeom>
+            <a:solidFill>
+              <a:srgbClr val="FF0000">
+                <a:alpha val="30000"/>
+              </a:srgbClr>
+            </a:solidFill>
+            <a:ln>
+              <a:noFill/>
+            </a:ln>
+          </p:spPr>
+          <p:style>
+            <a:lnRef idx="2">
+              <a:schemeClr val="accent1">
+                <a:shade val="15000"/>
+              </a:schemeClr>
+            </a:lnRef>
+            <a:fillRef idx="1">
+              <a:schemeClr val="accent1"/>
+            </a:fillRef>
+            <a:effectRef idx="0">
+              <a:schemeClr val="accent1"/>
+            </a:effectRef>
+            <a:fontRef idx="minor">
+              <a:schemeClr val="lt1"/>
+            </a:fontRef>
+          </p:style>
+          <p:txBody>
+            <a:bodyPr rtlCol="0" anchor="ctr"/>
+            <a:lstStyle/>
+            <a:p>
+              <a:pPr algn="ctr"/>
+              <a:endParaRPr lang="ko-KR" altLang="en-US"/>
+            </a:p>
+          </p:txBody>
+        </p:sp>
+        <p:pic>
+          <p:nvPicPr>
+            <p:cNvPr id="38" name="Picture 37">
+              <a:extLst>
+                <a:ext uri="{FF2B5EF4-FFF2-40B4-BE49-F238E27FC236}">
+                  <a16:creationId xmlns:a16="http://schemas.microsoft.com/office/drawing/2014/main" id="{8E399C21-7B84-86F7-446E-8F05ADBFC36D}"/>
+                </a:ext>
+              </a:extLst>
+            </p:cNvPr>
+            <p:cNvPicPr>
+              <a:picLocks noChangeAspect="1"/>
+            </p:cNvPicPr>
+            <p:nvPr/>
+          </p:nvPicPr>
+          <p:blipFill>
+            <a:blip r:embed="rId4"/>
+            <a:stretch>
+              <a:fillRect/>
+            </a:stretch>
+          </p:blipFill>
+          <p:spPr>
+            <a:xfrm>
+              <a:off x="2600843" y="13174277"/>
+              <a:ext cx="4904857" cy="2433612"/>
+            </a:xfrm>
+            <a:prstGeom prst="rect">
+              <a:avLst/>
+            </a:prstGeom>
+            <a:ln>
+              <a:solidFill>
+                <a:schemeClr val="tx1"/>
+              </a:solidFill>
+            </a:ln>
+          </p:spPr>
+        </p:pic>
+        <p:pic>
+          <p:nvPicPr>
+            <p:cNvPr id="40" name="Picture 39">
+              <a:extLst>
+                <a:ext uri="{FF2B5EF4-FFF2-40B4-BE49-F238E27FC236}">
+                  <a16:creationId xmlns:a16="http://schemas.microsoft.com/office/drawing/2014/main" id="{95419BB9-67E6-28E3-4FE3-325113F4592B}"/>
+                </a:ext>
+              </a:extLst>
+            </p:cNvPr>
+            <p:cNvPicPr>
+              <a:picLocks noChangeAspect="1"/>
+            </p:cNvPicPr>
+            <p:nvPr/>
+          </p:nvPicPr>
+          <p:blipFill>
+            <a:blip r:embed="rId5"/>
+            <a:stretch>
+              <a:fillRect/>
+            </a:stretch>
+          </p:blipFill>
+          <p:spPr>
+            <a:xfrm>
+              <a:off x="7645102" y="13054880"/>
+              <a:ext cx="8654603" cy="2553009"/>
+            </a:xfrm>
+            <a:prstGeom prst="rect">
+              <a:avLst/>
+            </a:prstGeom>
+            <a:ln>
+              <a:solidFill>
+                <a:schemeClr val="tx1"/>
+              </a:solidFill>
+            </a:ln>
+          </p:spPr>
+        </p:pic>
+        <p:cxnSp>
+          <p:nvCxnSpPr>
+            <p:cNvPr id="41" name="Straight Arrow Connector 40">
+              <a:extLst>
+                <a:ext uri="{FF2B5EF4-FFF2-40B4-BE49-F238E27FC236}">
+                  <a16:creationId xmlns:a16="http://schemas.microsoft.com/office/drawing/2014/main" id="{E17F3A22-53CD-3CA1-6F34-5B5708A33573}"/>
+                </a:ext>
+              </a:extLst>
+            </p:cNvPr>
+            <p:cNvCxnSpPr>
+              <a:cxnSpLocks/>
+            </p:cNvCxnSpPr>
+            <p:nvPr/>
+          </p:nvCxnSpPr>
+          <p:spPr>
+            <a:xfrm flipH="1">
+              <a:off x="7286171" y="7388786"/>
+              <a:ext cx="7004130" cy="5296762"/>
+            </a:xfrm>
+            <a:prstGeom prst="straightConnector1">
+              <a:avLst/>
+            </a:prstGeom>
+            <a:ln w="28575">
+              <a:solidFill>
+                <a:srgbClr val="FF0000"/>
+              </a:solidFill>
+              <a:prstDash val="sysDot"/>
+              <a:tailEnd type="triangle"/>
+            </a:ln>
+          </p:spPr>
+          <p:style>
+            <a:lnRef idx="1">
+              <a:schemeClr val="accent1"/>
+            </a:lnRef>
+            <a:fillRef idx="0">
+              <a:schemeClr val="accent1"/>
+            </a:fillRef>
+            <a:effectRef idx="0">
+              <a:schemeClr val="accent1"/>
+            </a:effectRef>
+            <a:fontRef idx="minor">
+              <a:schemeClr val="tx1"/>
+            </a:fontRef>
+          </p:style>
+        </p:cxnSp>
+        <p:cxnSp>
+          <p:nvCxnSpPr>
+            <p:cNvPr id="44" name="Straight Arrow Connector 43">
+              <a:extLst>
+                <a:ext uri="{FF2B5EF4-FFF2-40B4-BE49-F238E27FC236}">
+                  <a16:creationId xmlns:a16="http://schemas.microsoft.com/office/drawing/2014/main" id="{27315963-343F-E454-1D68-360C6B1B16AF}"/>
+                </a:ext>
+              </a:extLst>
+            </p:cNvPr>
+            <p:cNvCxnSpPr>
+              <a:cxnSpLocks/>
+            </p:cNvCxnSpPr>
+            <p:nvPr/>
+          </p:nvCxnSpPr>
+          <p:spPr>
+            <a:xfrm>
+              <a:off x="6984702" y="14749662"/>
+              <a:ext cx="660400" cy="0"/>
+            </a:xfrm>
+            <a:prstGeom prst="straightConnector1">
+              <a:avLst/>
+            </a:prstGeom>
+            <a:ln w="28575">
+              <a:solidFill>
+                <a:srgbClr val="FF0000"/>
+              </a:solidFill>
+              <a:prstDash val="sysDot"/>
+              <a:tailEnd type="triangle"/>
+            </a:ln>
+          </p:spPr>
+          <p:style>
+            <a:lnRef idx="1">
+              <a:schemeClr val="accent1"/>
+            </a:lnRef>
+            <a:fillRef idx="0">
+              <a:schemeClr val="accent1"/>
+            </a:fillRef>
+            <a:effectRef idx="0">
+              <a:schemeClr val="accent1"/>
+            </a:effectRef>
+            <a:fontRef idx="minor">
+              <a:schemeClr val="tx1"/>
+            </a:fontRef>
+          </p:style>
+        </p:cxnSp>
+        <p:sp>
+          <p:nvSpPr>
+            <p:cNvPr id="46" name="TextBox 45">
+              <a:extLst>
+                <a:ext uri="{FF2B5EF4-FFF2-40B4-BE49-F238E27FC236}">
+                  <a16:creationId xmlns:a16="http://schemas.microsoft.com/office/drawing/2014/main" id="{433F8BD1-61AA-FB5D-6917-D4F0E217D72A}"/>
+                </a:ext>
+              </a:extLst>
+            </p:cNvPr>
+            <p:cNvSpPr txBox="1"/>
+            <p:nvPr/>
+          </p:nvSpPr>
+          <p:spPr>
+            <a:xfrm flipH="1">
+              <a:off x="2600843" y="12685548"/>
+              <a:ext cx="4527201" cy="369332"/>
+            </a:xfrm>
+            <a:prstGeom prst="rect">
+              <a:avLst/>
+            </a:prstGeom>
+            <a:noFill/>
+            <a:ln>
+              <a:noFill/>
+            </a:ln>
+          </p:spPr>
+          <p:txBody>
+            <a:bodyPr wrap="none" rtlCol="0">
+              <a:spAutoFit/>
+            </a:bodyPr>
+            <a:lstStyle/>
+            <a:p>
+              <a:r>
+                <a:rPr lang="en-US" altLang="ko-KR" b="1" dirty="0">
+                  <a:solidFill>
+                    <a:srgbClr val="FF0000"/>
+                  </a:solidFill>
+                  <a:latin typeface="Roboto" panose="02000000000000000000" pitchFamily="2" charset="0"/>
+                  <a:ea typeface="Roboto" panose="02000000000000000000" pitchFamily="2" charset="0"/>
+                </a:rPr>
+                <a:t>4. You can get ftp or aspera download links</a:t>
+              </a:r>
+            </a:p>
+          </p:txBody>
+        </p:sp>
+        <p:sp>
+          <p:nvSpPr>
+            <p:cNvPr id="53" name="Rectangle 52">
+              <a:extLst>
+                <a:ext uri="{FF2B5EF4-FFF2-40B4-BE49-F238E27FC236}">
+                  <a16:creationId xmlns:a16="http://schemas.microsoft.com/office/drawing/2014/main" id="{3D83F51C-E8B1-6E15-7B3A-97B1DBB48A11}"/>
+                </a:ext>
+              </a:extLst>
+            </p:cNvPr>
+            <p:cNvSpPr/>
+            <p:nvPr/>
+          </p:nvSpPr>
+          <p:spPr>
+            <a:xfrm>
+              <a:off x="8202191" y="13313207"/>
+              <a:ext cx="5475709" cy="173184"/>
+            </a:xfrm>
+            <a:prstGeom prst="rect">
+              <a:avLst/>
+            </a:prstGeom>
+            <a:solidFill>
+              <a:srgbClr val="FF0000">
+                <a:alpha val="30000"/>
+              </a:srgbClr>
+            </a:solidFill>
+            <a:ln>
+              <a:noFill/>
+            </a:ln>
+          </p:spPr>
+          <p:style>
+            <a:lnRef idx="2">
+              <a:schemeClr val="accent1">
+                <a:shade val="15000"/>
+              </a:schemeClr>
+            </a:lnRef>
+            <a:fillRef idx="1">
+              <a:schemeClr val="accent1"/>
+            </a:fillRef>
+            <a:effectRef idx="0">
+              <a:schemeClr val="accent1"/>
+            </a:effectRef>
+            <a:fontRef idx="minor">
+              <a:schemeClr val="lt1"/>
+            </a:fontRef>
+          </p:style>
+          <p:txBody>
+            <a:bodyPr rtlCol="0" anchor="ctr"/>
+            <a:lstStyle/>
+            <a:p>
+              <a:pPr algn="ctr"/>
+              <a:endParaRPr lang="ko-KR" altLang="en-US"/>
+            </a:p>
+          </p:txBody>
+        </p:sp>
+      </p:grpSp>
     </p:spTree>
     <p:extLst>
       <p:ext uri="{BB962C8B-B14F-4D97-AF65-F5344CB8AC3E}">
@@ -3016,7 +4452,7 @@
 </p:sld>
 </file>
 
-<file path=ppt/slides/slide2.xml><?xml version="1.0" encoding="utf-8"?>
+<file path=ppt/slides/slide3.xml><?xml version="1.0" encoding="utf-8"?>
 <p:sld xmlns:a="http://schemas.openxmlformats.org/drawingml/2006/main" xmlns:r="http://schemas.openxmlformats.org/officeDocument/2006/relationships" xmlns:p="http://schemas.openxmlformats.org/presentationml/2006/main">
   <p:cSld>
     <p:spTree>
@@ -3317,7 +4753,7 @@
           <a:lstStyle/>
           <a:p>
             <a:pPr algn="ctr"/>
-            <a:endParaRPr lang="ko-KR" altLang="en-US"/>
+            <a:endParaRPr lang="ko-KR" altLang="en-US" dirty="0"/>
           </a:p>
         </p:txBody>
       </p:sp>
@@ -3698,7 +5134,7 @@
 </p:sld>
 </file>
 
-<file path=ppt/slides/slide3.xml><?xml version="1.0" encoding="utf-8"?>
+<file path=ppt/slides/slide4.xml><?xml version="1.0" encoding="utf-8"?>
 <p:sld xmlns:a="http://schemas.openxmlformats.org/drawingml/2006/main" xmlns:r="http://schemas.openxmlformats.org/officeDocument/2006/relationships" xmlns:p="http://schemas.openxmlformats.org/presentationml/2006/main">
   <p:cSld>
     <p:spTree>
